--- a/Faure_Lionel_4_solution_technique_012024.pptx
+++ b/Faure_Lionel_4_solution_technique_012024.pptx
@@ -25,16 +25,18 @@
     <p:sldId id="270" r:id="rId21"/>
     <p:sldId id="271" r:id="rId22"/>
     <p:sldId id="272" r:id="rId23"/>
+    <p:sldId id="273" r:id="rId24"/>
+    <p:sldId id="274" r:id="rId25"/>
   </p:sldIdLst>
   <p:sldSz cy="5143500" cx="9144000"/>
   <p:notesSz cx="6858000" cy="9144000"/>
   <p:embeddedFontLst>
     <p:embeddedFont>
       <p:font typeface="Montserrat"/>
-      <p:regular r:id="rId24"/>
-      <p:bold r:id="rId25"/>
-      <p:italic r:id="rId26"/>
-      <p:boldItalic r:id="rId27"/>
+      <p:regular r:id="rId26"/>
+      <p:bold r:id="rId27"/>
+      <p:italic r:id="rId28"/>
+      <p:boldItalic r:id="rId29"/>
     </p:embeddedFont>
   </p:embeddedFontLst>
   <p:defaultTextStyle>
@@ -1602,6 +1604,204 @@
 </p:notes>
 </file>
 
+<file path=ppt/notesSlides/notesSlide18.xml><?xml version="1.0" encoding="utf-8"?>
+<p:notes xmlns:a="http://schemas.openxmlformats.org/drawingml/2006/main" xmlns:r="http://schemas.openxmlformats.org/officeDocument/2006/relationships" xmlns:mc="http://schemas.openxmlformats.org/markup-compatibility/2006" xmlns:mv="urn:schemas-microsoft-com:mac:vml" xmlns:p="http://schemas.openxmlformats.org/presentationml/2006/main" xmlns:c="http://schemas.openxmlformats.org/drawingml/2006/chart" xmlns:dgm="http://schemas.openxmlformats.org/drawingml/2006/diagram" xmlns:o="urn:schemas-microsoft-com:office:office" xmlns:v="urn:schemas-microsoft-com:vml" xmlns:pvml="urn:schemas-microsoft-com:office:powerpoint" xmlns:com="http://schemas.openxmlformats.org/drawingml/2006/compatibility" xmlns:p14="http://schemas.microsoft.com/office/powerpoint/2010/main" xmlns:p15="http://schemas.microsoft.com/office/powerpoint/2012/main" xmlns:ahyp="http://schemas.microsoft.com/office/drawing/2018/hyperlinkcolor" showMasterPhAnim="0" showMasterSp="0">
+  <p:cSld>
+    <p:spTree>
+      <p:nvGrpSpPr>
+        <p:cNvPr id="281" name="Shape 281"/>
+        <p:cNvGrpSpPr/>
+        <p:nvPr/>
+      </p:nvGrpSpPr>
+      <p:grpSpPr>
+        <a:xfrm>
+          <a:off x="0" y="0"/>
+          <a:ext cx="0" cy="0"/>
+          <a:chOff x="0" y="0"/>
+          <a:chExt cx="0" cy="0"/>
+        </a:xfrm>
+      </p:grpSpPr>
+      <p:sp>
+        <p:nvSpPr>
+          <p:cNvPr id="282" name="Google Shape;282;g2b1e2f3a7b4_0_0:notes"/>
+          <p:cNvSpPr/>
+          <p:nvPr>
+            <p:ph idx="2" type="sldImg"/>
+          </p:nvPr>
+        </p:nvSpPr>
+        <p:spPr>
+          <a:xfrm>
+            <a:off x="381300" y="685800"/>
+            <a:ext cx="6096000" cy="3429000"/>
+          </a:xfrm>
+          <a:custGeom>
+            <a:rect b="b" l="l" r="r" t="t"/>
+            <a:pathLst>
+              <a:path extrusionOk="0" h="120000" w="120000">
+                <a:moveTo>
+                  <a:pt x="0" y="0"/>
+                </a:moveTo>
+                <a:lnTo>
+                  <a:pt x="120000" y="0"/>
+                </a:lnTo>
+                <a:lnTo>
+                  <a:pt x="120000" y="120000"/>
+                </a:lnTo>
+                <a:lnTo>
+                  <a:pt x="0" y="120000"/>
+                </a:lnTo>
+                <a:close/>
+              </a:path>
+            </a:pathLst>
+          </a:custGeom>
+        </p:spPr>
+      </p:sp>
+      <p:sp>
+        <p:nvSpPr>
+          <p:cNvPr id="283" name="Google Shape;283;g2b1e2f3a7b4_0_0:notes"/>
+          <p:cNvSpPr txBox="1"/>
+          <p:nvPr>
+            <p:ph idx="1" type="body"/>
+          </p:nvPr>
+        </p:nvSpPr>
+        <p:spPr>
+          <a:xfrm>
+            <a:off x="685800" y="4343400"/>
+            <a:ext cx="5486400" cy="4114800"/>
+          </a:xfrm>
+          <a:prstGeom prst="rect">
+            <a:avLst/>
+          </a:prstGeom>
+        </p:spPr>
+        <p:txBody>
+          <a:bodyPr anchorCtr="0" anchor="t" bIns="91425" lIns="91425" spcFirstLastPara="1" rIns="91425" wrap="square" tIns="91425">
+            <a:noAutofit/>
+          </a:bodyPr>
+          <a:lstStyle/>
+          <a:p>
+            <a:pPr indent="0" lvl="0" marL="0" rtl="0" algn="l">
+              <a:spcBef>
+                <a:spcPts val="0"/>
+              </a:spcBef>
+              <a:spcAft>
+                <a:spcPts val="0"/>
+              </a:spcAft>
+              <a:buNone/>
+            </a:pPr>
+            <a:r>
+              <a:t/>
+            </a:r>
+            <a:endParaRPr/>
+          </a:p>
+        </p:txBody>
+      </p:sp>
+    </p:spTree>
+  </p:cSld>
+  <p:clrMapOvr>
+    <a:masterClrMapping/>
+  </p:clrMapOvr>
+</p:notes>
+</file>
+
+<file path=ppt/notesSlides/notesSlide19.xml><?xml version="1.0" encoding="utf-8"?>
+<p:notes xmlns:a="http://schemas.openxmlformats.org/drawingml/2006/main" xmlns:r="http://schemas.openxmlformats.org/officeDocument/2006/relationships" xmlns:mc="http://schemas.openxmlformats.org/markup-compatibility/2006" xmlns:mv="urn:schemas-microsoft-com:mac:vml" xmlns:p="http://schemas.openxmlformats.org/presentationml/2006/main" xmlns:c="http://schemas.openxmlformats.org/drawingml/2006/chart" xmlns:dgm="http://schemas.openxmlformats.org/drawingml/2006/diagram" xmlns:o="urn:schemas-microsoft-com:office:office" xmlns:v="urn:schemas-microsoft-com:vml" xmlns:pvml="urn:schemas-microsoft-com:office:powerpoint" xmlns:com="http://schemas.openxmlformats.org/drawingml/2006/compatibility" xmlns:p14="http://schemas.microsoft.com/office/powerpoint/2010/main" xmlns:p15="http://schemas.microsoft.com/office/powerpoint/2012/main" xmlns:ahyp="http://schemas.microsoft.com/office/drawing/2018/hyperlinkcolor" showMasterPhAnim="0" showMasterSp="0">
+  <p:cSld>
+    <p:spTree>
+      <p:nvGrpSpPr>
+        <p:cNvPr id="295" name="Shape 295"/>
+        <p:cNvGrpSpPr/>
+        <p:nvPr/>
+      </p:nvGrpSpPr>
+      <p:grpSpPr>
+        <a:xfrm>
+          <a:off x="0" y="0"/>
+          <a:ext cx="0" cy="0"/>
+          <a:chOff x="0" y="0"/>
+          <a:chExt cx="0" cy="0"/>
+        </a:xfrm>
+      </p:grpSpPr>
+      <p:sp>
+        <p:nvSpPr>
+          <p:cNvPr id="296" name="Google Shape;296;g2b1e2f3a7b4_0_16:notes"/>
+          <p:cNvSpPr/>
+          <p:nvPr>
+            <p:ph idx="2" type="sldImg"/>
+          </p:nvPr>
+        </p:nvSpPr>
+        <p:spPr>
+          <a:xfrm>
+            <a:off x="381300" y="685800"/>
+            <a:ext cx="6096000" cy="3429000"/>
+          </a:xfrm>
+          <a:custGeom>
+            <a:rect b="b" l="l" r="r" t="t"/>
+            <a:pathLst>
+              <a:path extrusionOk="0" h="120000" w="120000">
+                <a:moveTo>
+                  <a:pt x="0" y="0"/>
+                </a:moveTo>
+                <a:lnTo>
+                  <a:pt x="120000" y="0"/>
+                </a:lnTo>
+                <a:lnTo>
+                  <a:pt x="120000" y="120000"/>
+                </a:lnTo>
+                <a:lnTo>
+                  <a:pt x="0" y="120000"/>
+                </a:lnTo>
+                <a:close/>
+              </a:path>
+            </a:pathLst>
+          </a:custGeom>
+        </p:spPr>
+      </p:sp>
+      <p:sp>
+        <p:nvSpPr>
+          <p:cNvPr id="297" name="Google Shape;297;g2b1e2f3a7b4_0_16:notes"/>
+          <p:cNvSpPr txBox="1"/>
+          <p:nvPr>
+            <p:ph idx="1" type="body"/>
+          </p:nvPr>
+        </p:nvSpPr>
+        <p:spPr>
+          <a:xfrm>
+            <a:off x="685800" y="4343400"/>
+            <a:ext cx="5486400" cy="4114800"/>
+          </a:xfrm>
+          <a:prstGeom prst="rect">
+            <a:avLst/>
+          </a:prstGeom>
+        </p:spPr>
+        <p:txBody>
+          <a:bodyPr anchorCtr="0" anchor="t" bIns="91425" lIns="91425" spcFirstLastPara="1" rIns="91425" wrap="square" tIns="91425">
+            <a:noAutofit/>
+          </a:bodyPr>
+          <a:lstStyle/>
+          <a:p>
+            <a:pPr indent="0" lvl="0" marL="0" rtl="0" algn="l">
+              <a:spcBef>
+                <a:spcPts val="0"/>
+              </a:spcBef>
+              <a:spcAft>
+                <a:spcPts val="0"/>
+              </a:spcAft>
+              <a:buNone/>
+            </a:pPr>
+            <a:r>
+              <a:t/>
+            </a:r>
+            <a:endParaRPr/>
+          </a:p>
+        </p:txBody>
+      </p:sp>
+    </p:spTree>
+  </p:cSld>
+  <p:clrMapOvr>
+    <a:masterClrMapping/>
+  </p:clrMapOvr>
+</p:notes>
+</file>
+
 <file path=ppt/notesSlides/notesSlide2.xml><?xml version="1.0" encoding="utf-8"?>
 <p:notes xmlns:a="http://schemas.openxmlformats.org/drawingml/2006/main" xmlns:r="http://schemas.openxmlformats.org/officeDocument/2006/relationships" xmlns:mc="http://schemas.openxmlformats.org/markup-compatibility/2006" xmlns:mv="urn:schemas-microsoft-com:mac:vml" xmlns:p="http://schemas.openxmlformats.org/presentationml/2006/main" xmlns:c="http://schemas.openxmlformats.org/drawingml/2006/chart" xmlns:dgm="http://schemas.openxmlformats.org/drawingml/2006/diagram" xmlns:o="urn:schemas-microsoft-com:office:office" xmlns:v="urn:schemas-microsoft-com:vml" xmlns:pvml="urn:schemas-microsoft-com:office:powerpoint" xmlns:com="http://schemas.openxmlformats.org/drawingml/2006/compatibility" xmlns:p14="http://schemas.microsoft.com/office/powerpoint/2010/main" xmlns:p15="http://schemas.microsoft.com/office/powerpoint/2012/main" xmlns:ahyp="http://schemas.microsoft.com/office/drawing/2018/hyperlinkcolor" showMasterPhAnim="0" showMasterSp="0">
   <p:cSld>
@@ -1706,7 +1906,7 @@
   <p:cSld>
     <p:spTree>
       <p:nvGrpSpPr>
-        <p:cNvPr id="69" name="Shape 69"/>
+        <p:cNvPr id="68" name="Shape 68"/>
         <p:cNvGrpSpPr/>
         <p:nvPr/>
       </p:nvGrpSpPr>
@@ -1720,7 +1920,7 @@
       </p:grpSpPr>
       <p:sp>
         <p:nvSpPr>
-          <p:cNvPr id="70" name="Google Shape;70;g2b066d976bb_0_16:notes"/>
+          <p:cNvPr id="69" name="Google Shape;69;g2b066d976bb_0_16:notes"/>
           <p:cNvSpPr/>
           <p:nvPr>
             <p:ph idx="2" type="sldImg"/>
@@ -1755,7 +1955,7 @@
       </p:sp>
       <p:sp>
         <p:nvSpPr>
-          <p:cNvPr id="71" name="Google Shape;71;g2b066d976bb_0_16:notes"/>
+          <p:cNvPr id="70" name="Google Shape;70;g2b066d976bb_0_16:notes"/>
           <p:cNvSpPr txBox="1"/>
           <p:nvPr>
             <p:ph idx="1" type="body"/>
@@ -1805,7 +2005,7 @@
   <p:cSld>
     <p:spTree>
       <p:nvGrpSpPr>
-        <p:cNvPr id="81" name="Shape 81"/>
+        <p:cNvPr id="80" name="Shape 80"/>
         <p:cNvGrpSpPr/>
         <p:nvPr/>
       </p:nvGrpSpPr>
@@ -1819,7 +2019,7 @@
       </p:grpSpPr>
       <p:sp>
         <p:nvSpPr>
-          <p:cNvPr id="82" name="Google Shape;82;g2b066d976bb_0_47:notes"/>
+          <p:cNvPr id="81" name="Google Shape;81;g2b066d976bb_0_47:notes"/>
           <p:cNvSpPr/>
           <p:nvPr>
             <p:ph idx="2" type="sldImg"/>
@@ -1854,7 +2054,7 @@
       </p:sp>
       <p:sp>
         <p:nvSpPr>
-          <p:cNvPr id="83" name="Google Shape;83;g2b066d976bb_0_47:notes"/>
+          <p:cNvPr id="82" name="Google Shape;82;g2b066d976bb_0_47:notes"/>
           <p:cNvSpPr txBox="1"/>
           <p:nvPr>
             <p:ph idx="1" type="body"/>
@@ -1904,7 +2104,7 @@
   <p:cSld>
     <p:spTree>
       <p:nvGrpSpPr>
-        <p:cNvPr id="98" name="Shape 98"/>
+        <p:cNvPr id="97" name="Shape 97"/>
         <p:cNvGrpSpPr/>
         <p:nvPr/>
       </p:nvGrpSpPr>
@@ -1918,7 +2118,7 @@
       </p:grpSpPr>
       <p:sp>
         <p:nvSpPr>
-          <p:cNvPr id="99" name="Google Shape;99;g2b066d976bb_0_33:notes"/>
+          <p:cNvPr id="98" name="Google Shape;98;g2b066d976bb_0_33:notes"/>
           <p:cNvSpPr/>
           <p:nvPr>
             <p:ph idx="2" type="sldImg"/>
@@ -1953,7 +2153,7 @@
       </p:sp>
       <p:sp>
         <p:nvSpPr>
-          <p:cNvPr id="100" name="Google Shape;100;g2b066d976bb_0_33:notes"/>
+          <p:cNvPr id="99" name="Google Shape;99;g2b066d976bb_0_33:notes"/>
           <p:cNvSpPr txBox="1"/>
           <p:nvPr>
             <p:ph idx="1" type="body"/>
@@ -7222,7 +7422,7 @@
             <a:tbl>
               <a:tblPr>
                 <a:noFill/>
-                <a:tableStyleId>{CFE9D0BE-9880-48C1-A819-063B4E9570D1}</a:tableStyleId>
+                <a:tableStyleId>{0E1E72A8-36AE-42F8-B78C-3EBDF3C760CB}</a:tableStyleId>
               </a:tblPr>
               <a:tblGrid>
                 <a:gridCol w="685975"/>
@@ -7324,7 +7524,7 @@
             <a:tbl>
               <a:tblPr>
                 <a:noFill/>
-                <a:tableStyleId>{CFE9D0BE-9880-48C1-A819-063B4E9570D1}</a:tableStyleId>
+                <a:tableStyleId>{0E1E72A8-36AE-42F8-B78C-3EBDF3C760CB}</a:tableStyleId>
               </a:tblPr>
               <a:tblGrid>
                 <a:gridCol w="703350"/>
@@ -7853,7 +8053,7 @@
         </p:nvSpPr>
         <p:spPr>
           <a:xfrm>
-            <a:off x="287025" y="1270482"/>
+            <a:off x="287025" y="1118082"/>
             <a:ext cx="3892500" cy="1262100"/>
           </a:xfrm>
           <a:prstGeom prst="rect">
@@ -7943,7 +8143,7 @@
         </p:nvSpPr>
         <p:spPr>
           <a:xfrm>
-            <a:off x="287025" y="2532582"/>
+            <a:off x="287025" y="2684982"/>
             <a:ext cx="3892500" cy="1416000"/>
           </a:xfrm>
           <a:prstGeom prst="rect">
@@ -8135,7 +8335,7 @@
                   <a:schemeClr val="dk1"/>
                 </a:solidFill>
               </a:rPr>
-              <a:t>9</a:t>
+              <a:t>8</a:t>
             </a:r>
             <a:endParaRPr sz="1800">
               <a:solidFill>
@@ -8952,7 +9152,7 @@
                   <a:schemeClr val="dk1"/>
                 </a:solidFill>
               </a:rPr>
-              <a:t>10</a:t>
+              <a:t>9</a:t>
             </a:r>
             <a:endParaRPr sz="1800">
               <a:solidFill>
@@ -9487,7 +9687,7 @@
         </p:nvSpPr>
         <p:spPr>
           <a:xfrm>
-            <a:off x="287025" y="1351250"/>
+            <a:off x="287025" y="1198850"/>
             <a:ext cx="3892500" cy="1569900"/>
           </a:xfrm>
           <a:prstGeom prst="rect">
@@ -9619,7 +9819,7 @@
         </p:nvSpPr>
         <p:spPr>
           <a:xfrm>
-            <a:off x="287025" y="2921150"/>
+            <a:off x="287025" y="3073550"/>
             <a:ext cx="3892500" cy="1108200"/>
           </a:xfrm>
           <a:prstGeom prst="rect">
@@ -9758,7 +9958,7 @@
                   <a:schemeClr val="dk1"/>
                 </a:solidFill>
               </a:rPr>
-              <a:t>11</a:t>
+              <a:t>10</a:t>
             </a:r>
             <a:endParaRPr sz="1800">
               <a:solidFill>
@@ -10209,7 +10409,7 @@
         </p:nvSpPr>
         <p:spPr>
           <a:xfrm>
-            <a:off x="287025" y="1278050"/>
+            <a:off x="287025" y="1125650"/>
             <a:ext cx="3892500" cy="1262100"/>
           </a:xfrm>
           <a:prstGeom prst="rect">
@@ -10320,7 +10520,7 @@
         </p:nvSpPr>
         <p:spPr>
           <a:xfrm>
-            <a:off x="287025" y="2540150"/>
+            <a:off x="287025" y="2692550"/>
             <a:ext cx="3892500" cy="1723800"/>
           </a:xfrm>
           <a:prstGeom prst="rect">
@@ -10627,7 +10827,7 @@
                   <a:schemeClr val="dk1"/>
                 </a:solidFill>
               </a:rPr>
-              <a:t>12</a:t>
+              <a:t>11</a:t>
             </a:r>
             <a:endParaRPr sz="1800">
               <a:solidFill>
@@ -11157,7 +11357,7 @@
         </p:nvSpPr>
         <p:spPr>
           <a:xfrm>
-            <a:off x="287025" y="1427450"/>
+            <a:off x="287025" y="1275050"/>
             <a:ext cx="3892500" cy="1569900"/>
           </a:xfrm>
           <a:prstGeom prst="rect">
@@ -11268,7 +11468,7 @@
         </p:nvSpPr>
         <p:spPr>
           <a:xfrm>
-            <a:off x="287025" y="2997350"/>
+            <a:off x="287025" y="3149750"/>
             <a:ext cx="3892500" cy="1108200"/>
           </a:xfrm>
           <a:prstGeom prst="rect">
@@ -11387,7 +11587,7 @@
                   <a:schemeClr val="dk1"/>
                 </a:solidFill>
               </a:rPr>
-              <a:t>13</a:t>
+              <a:t>12</a:t>
             </a:r>
             <a:endParaRPr sz="1800">
               <a:solidFill>
@@ -12127,7 +12327,7 @@
         </p:nvCxnSpPr>
         <p:spPr>
           <a:xfrm>
-            <a:off x="378000" y="2997350"/>
+            <a:off x="378000" y="2844950"/>
             <a:ext cx="1263000" cy="0"/>
           </a:xfrm>
           <a:prstGeom prst="straightConnector1">
@@ -12234,7 +12434,7 @@
                   <a:schemeClr val="dk1"/>
                 </a:solidFill>
               </a:rPr>
-              <a:t>14</a:t>
+              <a:t>13</a:t>
             </a:r>
             <a:endParaRPr sz="1800">
               <a:solidFill>
@@ -12939,7 +13139,7 @@
                   <a:schemeClr val="dk1"/>
                 </a:solidFill>
               </a:rPr>
-              <a:t>15</a:t>
+              <a:t>14</a:t>
             </a:r>
             <a:endParaRPr sz="1800">
               <a:solidFill>
@@ -13542,7 +13742,7 @@
                   <a:schemeClr val="dk1"/>
                 </a:solidFill>
               </a:rPr>
-              <a:t>16</a:t>
+              <a:t>15</a:t>
             </a:r>
             <a:endParaRPr sz="1800">
               <a:solidFill>
@@ -13935,7 +14135,7 @@
 </p:sld>
 </file>
 
-<file path=ppt/slides/slide2.xml><?xml version="1.0" encoding="utf-8"?>
+<file path=ppt/slides/slide18.xml><?xml version="1.0" encoding="utf-8"?>
 <p:sld xmlns:a="http://schemas.openxmlformats.org/drawingml/2006/main" xmlns:r="http://schemas.openxmlformats.org/officeDocument/2006/relationships" xmlns:mc="http://schemas.openxmlformats.org/markup-compatibility/2006" xmlns:mv="urn:schemas-microsoft-com:mac:vml" xmlns:p="http://schemas.openxmlformats.org/presentationml/2006/main" xmlns:c="http://schemas.openxmlformats.org/drawingml/2006/chart" xmlns:dgm="http://schemas.openxmlformats.org/drawingml/2006/diagram" xmlns:o="urn:schemas-microsoft-com:office:office" xmlns:v="urn:schemas-microsoft-com:vml" xmlns:pvml="urn:schemas-microsoft-com:office:powerpoint" xmlns:com="http://schemas.openxmlformats.org/drawingml/2006/compatibility" xmlns:p14="http://schemas.microsoft.com/office/powerpoint/2010/main" xmlns:p15="http://schemas.microsoft.com/office/powerpoint/2012/main" xmlns:ahyp="http://schemas.microsoft.com/office/drawing/2018/hyperlinkcolor">
   <p:cSld>
     <p:bg>
@@ -13947,7 +14147,7 @@
     </p:bg>
     <p:spTree>
       <p:nvGrpSpPr>
-        <p:cNvPr id="62" name="Shape 62"/>
+        <p:cNvPr id="284" name="Shape 284"/>
         <p:cNvGrpSpPr/>
         <p:nvPr/>
       </p:nvGrpSpPr>
@@ -13961,7 +14161,7 @@
       </p:grpSpPr>
       <p:pic>
         <p:nvPicPr>
-          <p:cNvPr id="63" name="Google Shape;63;p14"/>
+          <p:cNvPr id="285" name="Google Shape;285;p30"/>
           <p:cNvPicPr preferRelativeResize="0"/>
           <p:nvPr/>
         </p:nvPicPr>
@@ -13975,7 +14175,7 @@
         </p:blipFill>
         <p:spPr>
           <a:xfrm>
-            <a:off x="-38850" y="756275"/>
+            <a:off x="0" y="743225"/>
             <a:ext cx="9144003" cy="3944650"/>
           </a:xfrm>
           <a:prstGeom prst="rect">
@@ -13989,7 +14189,7 @@
       </p:pic>
       <p:pic>
         <p:nvPicPr>
-          <p:cNvPr id="64" name="Google Shape;64;p14"/>
+          <p:cNvPr id="286" name="Google Shape;286;p30"/>
           <p:cNvPicPr preferRelativeResize="0"/>
           <p:nvPr/>
         </p:nvPicPr>
@@ -14017,14 +14217,14 @@
       </p:pic>
       <p:sp>
         <p:nvSpPr>
-          <p:cNvPr id="65" name="Google Shape;65;p14"/>
+          <p:cNvPr id="287" name="Google Shape;287;p30"/>
           <p:cNvSpPr txBox="1"/>
           <p:nvPr/>
         </p:nvSpPr>
         <p:spPr>
           <a:xfrm>
-            <a:off x="3165750" y="-108137"/>
-            <a:ext cx="2812500" cy="600300"/>
+            <a:off x="2015500" y="-108125"/>
+            <a:ext cx="5112900" cy="600300"/>
           </a:xfrm>
           <a:prstGeom prst="rect">
             <a:avLst/>
@@ -14056,7 +14256,7 @@
                 <a:cs typeface="Calibri"/>
                 <a:sym typeface="Calibri"/>
               </a:rPr>
-              <a:t>Sommaire</a:t>
+              <a:t>Collaboration client</a:t>
             </a:r>
             <a:endParaRPr b="1" sz="2700">
               <a:latin typeface="Calibri"/>
@@ -14069,14 +14269,14 @@
       </p:sp>
       <p:sp>
         <p:nvSpPr>
-          <p:cNvPr id="66" name="Google Shape;66;p14"/>
+          <p:cNvPr id="288" name="Google Shape;288;p30"/>
           <p:cNvSpPr txBox="1"/>
           <p:nvPr/>
         </p:nvSpPr>
         <p:spPr>
           <a:xfrm>
-            <a:off x="8675525" y="76200"/>
-            <a:ext cx="355200" cy="461700"/>
+            <a:off x="2978850" y="240900"/>
+            <a:ext cx="3186300" cy="400200"/>
           </a:xfrm>
           <a:prstGeom prst="rect">
             <a:avLst/>
@@ -14102,905 +14302,22 @@
               <a:buNone/>
             </a:pPr>
             <a:r>
-              <a:rPr lang="fr" sz="1800">
-                <a:solidFill>
-                  <a:schemeClr val="dk1"/>
-                </a:solidFill>
-              </a:rPr>
-              <a:t>1</a:t>
-            </a:r>
-            <a:endParaRPr sz="1800">
-              <a:solidFill>
-                <a:schemeClr val="dk1"/>
-              </a:solidFill>
-            </a:endParaRPr>
-          </a:p>
-        </p:txBody>
-      </p:sp>
-      <p:sp>
-        <p:nvSpPr>
-          <p:cNvPr id="67" name="Google Shape;67;p14"/>
-          <p:cNvSpPr txBox="1"/>
-          <p:nvPr/>
-        </p:nvSpPr>
-        <p:spPr>
-          <a:xfrm>
-            <a:off x="1879100" y="1774300"/>
-            <a:ext cx="2234100" cy="1908600"/>
-          </a:xfrm>
-          <a:prstGeom prst="rect">
-            <a:avLst/>
-          </a:prstGeom>
-          <a:noFill/>
-          <a:ln>
-            <a:noFill/>
-          </a:ln>
-        </p:spPr>
-        <p:txBody>
-          <a:bodyPr anchorCtr="0" anchor="t" bIns="91425" lIns="91425" spcFirstLastPara="1" rIns="91425" wrap="square" tIns="91425">
-            <a:spAutoFit/>
-          </a:bodyPr>
-          <a:lstStyle/>
-          <a:p>
-            <a:pPr indent="0" lvl="0" marL="0" rtl="0" algn="l">
-              <a:spcBef>
-                <a:spcPts val="0"/>
-              </a:spcBef>
-              <a:spcAft>
-                <a:spcPts val="0"/>
-              </a:spcAft>
-              <a:buNone/>
-            </a:pPr>
-            <a:r>
-              <a:rPr b="1" lang="fr">
-                <a:solidFill>
-                  <a:schemeClr val="accent5"/>
-                </a:solidFill>
-                <a:latin typeface="Calibri"/>
-                <a:ea typeface="Calibri"/>
-                <a:cs typeface="Calibri"/>
-                <a:sym typeface="Calibri"/>
-              </a:rPr>
-              <a:t>2.</a:t>
-            </a:r>
-            <a:r>
-              <a:rPr b="1" lang="fr">
-                <a:latin typeface="Calibri"/>
-                <a:ea typeface="Calibri"/>
-                <a:cs typeface="Calibri"/>
-                <a:sym typeface="Calibri"/>
-              </a:rPr>
-              <a:t> Le projet</a:t>
-            </a:r>
-            <a:endParaRPr b="1">
-              <a:latin typeface="Calibri"/>
-              <a:ea typeface="Calibri"/>
-              <a:cs typeface="Calibri"/>
-              <a:sym typeface="Calibri"/>
-            </a:endParaRPr>
-          </a:p>
-          <a:p>
-            <a:pPr indent="0" lvl="0" marL="0" rtl="0" algn="l">
-              <a:spcBef>
-                <a:spcPts val="0"/>
-              </a:spcBef>
-              <a:spcAft>
-                <a:spcPts val="0"/>
-              </a:spcAft>
-              <a:buNone/>
-            </a:pPr>
-            <a:r>
-              <a:rPr b="1" lang="fr">
-                <a:solidFill>
-                  <a:schemeClr val="accent5"/>
-                </a:solidFill>
-                <a:latin typeface="Calibri"/>
-                <a:ea typeface="Calibri"/>
-                <a:cs typeface="Calibri"/>
-                <a:sym typeface="Calibri"/>
-              </a:rPr>
-              <a:t>3.</a:t>
-            </a:r>
-            <a:r>
-              <a:rPr b="1" lang="fr">
-                <a:latin typeface="Calibri"/>
-                <a:ea typeface="Calibri"/>
-                <a:cs typeface="Calibri"/>
-                <a:sym typeface="Calibri"/>
-              </a:rPr>
-              <a:t> Les fonctionnalités</a:t>
-            </a:r>
-            <a:endParaRPr b="1">
-              <a:latin typeface="Calibri"/>
-              <a:ea typeface="Calibri"/>
-              <a:cs typeface="Calibri"/>
-              <a:sym typeface="Calibri"/>
-            </a:endParaRPr>
-          </a:p>
-          <a:p>
-            <a:pPr indent="0" lvl="0" marL="0" rtl="0" algn="l">
-              <a:spcBef>
-                <a:spcPts val="0"/>
-              </a:spcBef>
-              <a:spcAft>
-                <a:spcPts val="0"/>
-              </a:spcAft>
-              <a:buNone/>
-            </a:pPr>
-            <a:r>
-              <a:rPr b="1" lang="fr">
-                <a:solidFill>
-                  <a:schemeClr val="accent5"/>
-                </a:solidFill>
-                <a:latin typeface="Calibri"/>
-                <a:ea typeface="Calibri"/>
-                <a:cs typeface="Calibri"/>
-                <a:sym typeface="Calibri"/>
-              </a:rPr>
-              <a:t>4.</a:t>
-            </a:r>
-            <a:r>
-              <a:rPr b="1" lang="fr">
-                <a:latin typeface="Calibri"/>
-                <a:ea typeface="Calibri"/>
-                <a:cs typeface="Calibri"/>
-                <a:sym typeface="Calibri"/>
-              </a:rPr>
-              <a:t> Spécifications techniques</a:t>
-            </a:r>
-            <a:endParaRPr b="1">
-              <a:latin typeface="Calibri"/>
-              <a:ea typeface="Calibri"/>
-              <a:cs typeface="Calibri"/>
-              <a:sym typeface="Calibri"/>
-            </a:endParaRPr>
-          </a:p>
-          <a:p>
-            <a:pPr indent="0" lvl="0" marL="0" rtl="0" algn="l">
-              <a:spcBef>
-                <a:spcPts val="0"/>
-              </a:spcBef>
-              <a:spcAft>
-                <a:spcPts val="0"/>
-              </a:spcAft>
-              <a:buNone/>
-            </a:pPr>
-            <a:r>
-              <a:rPr b="1" lang="fr">
-                <a:solidFill>
-                  <a:schemeClr val="accent5"/>
-                </a:solidFill>
-                <a:latin typeface="Calibri"/>
-                <a:ea typeface="Calibri"/>
-                <a:cs typeface="Calibri"/>
-                <a:sym typeface="Calibri"/>
-              </a:rPr>
-              <a:t>5.</a:t>
-            </a:r>
-            <a:r>
-              <a:rPr b="1" lang="fr">
-                <a:latin typeface="Calibri"/>
-                <a:ea typeface="Calibri"/>
-                <a:cs typeface="Calibri"/>
-                <a:sym typeface="Calibri"/>
-              </a:rPr>
-              <a:t> Choix du Back-end</a:t>
-            </a:r>
-            <a:endParaRPr b="1">
-              <a:latin typeface="Calibri"/>
-              <a:ea typeface="Calibri"/>
-              <a:cs typeface="Calibri"/>
-              <a:sym typeface="Calibri"/>
-            </a:endParaRPr>
-          </a:p>
-          <a:p>
-            <a:pPr indent="0" lvl="0" marL="0" rtl="0" algn="l">
-              <a:spcBef>
-                <a:spcPts val="0"/>
-              </a:spcBef>
-              <a:spcAft>
-                <a:spcPts val="0"/>
-              </a:spcAft>
-              <a:buNone/>
-            </a:pPr>
-            <a:r>
-              <a:rPr b="1" lang="fr">
-                <a:solidFill>
-                  <a:schemeClr val="accent5"/>
-                </a:solidFill>
-                <a:latin typeface="Calibri"/>
-                <a:ea typeface="Calibri"/>
-                <a:cs typeface="Calibri"/>
-                <a:sym typeface="Calibri"/>
-              </a:rPr>
-              <a:t>6.</a:t>
-            </a:r>
-            <a:r>
-              <a:rPr b="1" lang="fr">
-                <a:latin typeface="Calibri"/>
-                <a:ea typeface="Calibri"/>
-                <a:cs typeface="Calibri"/>
-                <a:sym typeface="Calibri"/>
-              </a:rPr>
-              <a:t> Base de donnée</a:t>
-            </a:r>
-            <a:endParaRPr b="1">
-              <a:latin typeface="Calibri"/>
-              <a:ea typeface="Calibri"/>
-              <a:cs typeface="Calibri"/>
-              <a:sym typeface="Calibri"/>
-            </a:endParaRPr>
-          </a:p>
-          <a:p>
-            <a:pPr indent="0" lvl="0" marL="0" rtl="0" algn="l">
-              <a:spcBef>
-                <a:spcPts val="0"/>
-              </a:spcBef>
-              <a:spcAft>
-                <a:spcPts val="0"/>
-              </a:spcAft>
-              <a:buNone/>
-            </a:pPr>
-            <a:r>
-              <a:rPr b="1" lang="fr">
-                <a:solidFill>
-                  <a:schemeClr val="accent5"/>
-                </a:solidFill>
-                <a:latin typeface="Calibri"/>
-                <a:ea typeface="Calibri"/>
-                <a:cs typeface="Calibri"/>
-                <a:sym typeface="Calibri"/>
-              </a:rPr>
-              <a:t>7.</a:t>
-            </a:r>
-            <a:r>
-              <a:rPr b="1" lang="fr">
-                <a:latin typeface="Calibri"/>
-                <a:ea typeface="Calibri"/>
-                <a:cs typeface="Calibri"/>
-                <a:sym typeface="Calibri"/>
-              </a:rPr>
-              <a:t> Langage du Front-end</a:t>
-            </a:r>
-            <a:endParaRPr b="1">
-              <a:latin typeface="Calibri"/>
-              <a:ea typeface="Calibri"/>
-              <a:cs typeface="Calibri"/>
-              <a:sym typeface="Calibri"/>
-            </a:endParaRPr>
-          </a:p>
-          <a:p>
-            <a:pPr indent="0" lvl="0" marL="0" rtl="0" algn="l">
-              <a:spcBef>
-                <a:spcPts val="0"/>
-              </a:spcBef>
-              <a:spcAft>
-                <a:spcPts val="0"/>
-              </a:spcAft>
-              <a:buNone/>
-            </a:pPr>
-            <a:r>
-              <a:rPr b="1" lang="fr">
-                <a:solidFill>
-                  <a:schemeClr val="accent5"/>
-                </a:solidFill>
-                <a:latin typeface="Calibri"/>
-                <a:ea typeface="Calibri"/>
-                <a:cs typeface="Calibri"/>
-                <a:sym typeface="Calibri"/>
-              </a:rPr>
-              <a:t>8.</a:t>
-            </a:r>
-            <a:r>
-              <a:rPr b="1" lang="fr">
-                <a:latin typeface="Calibri"/>
-                <a:ea typeface="Calibri"/>
-                <a:cs typeface="Calibri"/>
-                <a:sym typeface="Calibri"/>
-              </a:rPr>
-              <a:t> Connexion utilisateur</a:t>
-            </a:r>
-            <a:endParaRPr b="1">
-              <a:latin typeface="Calibri"/>
-              <a:ea typeface="Calibri"/>
-              <a:cs typeface="Calibri"/>
-              <a:sym typeface="Calibri"/>
-            </a:endParaRPr>
-          </a:p>
-          <a:p>
-            <a:pPr indent="0" lvl="0" marL="0" rtl="0" algn="l">
-              <a:spcBef>
-                <a:spcPts val="0"/>
-              </a:spcBef>
-              <a:spcAft>
-                <a:spcPts val="0"/>
-              </a:spcAft>
-              <a:buNone/>
-            </a:pPr>
-            <a:r>
-              <a:rPr b="1" lang="fr">
-                <a:solidFill>
-                  <a:schemeClr val="accent5"/>
-                </a:solidFill>
-                <a:latin typeface="Calibri"/>
-                <a:ea typeface="Calibri"/>
-                <a:cs typeface="Calibri"/>
-                <a:sym typeface="Calibri"/>
-              </a:rPr>
-              <a:t>9.</a:t>
-            </a:r>
-            <a:r>
-              <a:rPr b="1" lang="fr">
-                <a:latin typeface="Calibri"/>
-                <a:ea typeface="Calibri"/>
-                <a:cs typeface="Calibri"/>
-                <a:sym typeface="Calibri"/>
-              </a:rPr>
-              <a:t> Mail d’authentification</a:t>
-            </a:r>
-            <a:endParaRPr b="1">
-              <a:latin typeface="Calibri"/>
-              <a:ea typeface="Calibri"/>
-              <a:cs typeface="Calibri"/>
-              <a:sym typeface="Calibri"/>
-            </a:endParaRPr>
-          </a:p>
-        </p:txBody>
-      </p:sp>
-      <p:sp>
-        <p:nvSpPr>
-          <p:cNvPr id="68" name="Google Shape;68;p14"/>
-          <p:cNvSpPr txBox="1"/>
-          <p:nvPr/>
-        </p:nvSpPr>
-        <p:spPr>
-          <a:xfrm>
-            <a:off x="5490400" y="1882000"/>
-            <a:ext cx="1774500" cy="1693200"/>
-          </a:xfrm>
-          <a:prstGeom prst="rect">
-            <a:avLst/>
-          </a:prstGeom>
-          <a:noFill/>
-          <a:ln>
-            <a:noFill/>
-          </a:ln>
-        </p:spPr>
-        <p:txBody>
-          <a:bodyPr anchorCtr="0" anchor="t" bIns="91425" lIns="91425" spcFirstLastPara="1" rIns="91425" wrap="square" tIns="91425">
-            <a:spAutoFit/>
-          </a:bodyPr>
-          <a:lstStyle/>
-          <a:p>
-            <a:pPr indent="0" lvl="0" marL="0" rtl="0" algn="l">
-              <a:spcBef>
-                <a:spcPts val="0"/>
-              </a:spcBef>
-              <a:spcAft>
-                <a:spcPts val="0"/>
-              </a:spcAft>
-              <a:buNone/>
-            </a:pPr>
-            <a:r>
-              <a:rPr b="1" lang="fr">
-                <a:solidFill>
-                  <a:schemeClr val="accent5"/>
-                </a:solidFill>
-                <a:latin typeface="Calibri"/>
-                <a:ea typeface="Calibri"/>
-                <a:cs typeface="Calibri"/>
-                <a:sym typeface="Calibri"/>
-              </a:rPr>
-              <a:t>10</a:t>
-            </a:r>
-            <a:r>
-              <a:rPr b="1" lang="fr">
-                <a:solidFill>
-                  <a:schemeClr val="accent5"/>
-                </a:solidFill>
-                <a:latin typeface="Calibri"/>
-                <a:ea typeface="Calibri"/>
-                <a:cs typeface="Calibri"/>
-                <a:sym typeface="Calibri"/>
-              </a:rPr>
-              <a:t>.</a:t>
-            </a:r>
-            <a:r>
-              <a:rPr b="1" lang="fr">
-                <a:latin typeface="Calibri"/>
-                <a:ea typeface="Calibri"/>
-                <a:cs typeface="Calibri"/>
-                <a:sym typeface="Calibri"/>
-              </a:rPr>
-              <a:t> Frameworks</a:t>
-            </a:r>
-            <a:endParaRPr b="1">
-              <a:latin typeface="Calibri"/>
-              <a:ea typeface="Calibri"/>
-              <a:cs typeface="Calibri"/>
-              <a:sym typeface="Calibri"/>
-            </a:endParaRPr>
-          </a:p>
-          <a:p>
-            <a:pPr indent="0" lvl="0" marL="0" rtl="0" algn="l">
-              <a:spcBef>
-                <a:spcPts val="0"/>
-              </a:spcBef>
-              <a:spcAft>
-                <a:spcPts val="0"/>
-              </a:spcAft>
-              <a:buNone/>
-            </a:pPr>
-            <a:r>
-              <a:rPr b="1" lang="fr">
-                <a:solidFill>
-                  <a:schemeClr val="accent5"/>
-                </a:solidFill>
-                <a:latin typeface="Calibri"/>
-                <a:ea typeface="Calibri"/>
-                <a:cs typeface="Calibri"/>
-                <a:sym typeface="Calibri"/>
-              </a:rPr>
-              <a:t>11.</a:t>
-            </a:r>
-            <a:r>
-              <a:rPr b="1" lang="fr">
-                <a:latin typeface="Calibri"/>
-                <a:ea typeface="Calibri"/>
-                <a:cs typeface="Calibri"/>
-                <a:sym typeface="Calibri"/>
-              </a:rPr>
-              <a:t> Création de menu</a:t>
-            </a:r>
-            <a:endParaRPr b="1">
-              <a:latin typeface="Calibri"/>
-              <a:ea typeface="Calibri"/>
-              <a:cs typeface="Calibri"/>
-              <a:sym typeface="Calibri"/>
-            </a:endParaRPr>
-          </a:p>
-          <a:p>
-            <a:pPr indent="0" lvl="0" marL="0" rtl="0" algn="l">
-              <a:spcBef>
-                <a:spcPts val="0"/>
-              </a:spcBef>
-              <a:spcAft>
-                <a:spcPts val="0"/>
-              </a:spcAft>
-              <a:buNone/>
-            </a:pPr>
-            <a:r>
-              <a:rPr b="1" lang="fr">
-                <a:solidFill>
-                  <a:schemeClr val="accent5"/>
-                </a:solidFill>
-                <a:latin typeface="Calibri"/>
-                <a:ea typeface="Calibri"/>
-                <a:cs typeface="Calibri"/>
-                <a:sym typeface="Calibri"/>
-              </a:rPr>
-              <a:t>12.</a:t>
-            </a:r>
-            <a:r>
-              <a:rPr b="1" lang="fr">
-                <a:latin typeface="Calibri"/>
-                <a:ea typeface="Calibri"/>
-                <a:cs typeface="Calibri"/>
-                <a:sym typeface="Calibri"/>
-              </a:rPr>
-              <a:t> Modales</a:t>
-            </a:r>
-            <a:endParaRPr b="1">
-              <a:latin typeface="Calibri"/>
-              <a:ea typeface="Calibri"/>
-              <a:cs typeface="Calibri"/>
-              <a:sym typeface="Calibri"/>
-            </a:endParaRPr>
-          </a:p>
-          <a:p>
-            <a:pPr indent="0" lvl="0" marL="0" rtl="0" algn="l">
-              <a:spcBef>
-                <a:spcPts val="0"/>
-              </a:spcBef>
-              <a:spcAft>
-                <a:spcPts val="0"/>
-              </a:spcAft>
-              <a:buNone/>
-            </a:pPr>
-            <a:r>
-              <a:rPr b="1" lang="fr">
-                <a:solidFill>
-                  <a:schemeClr val="accent5"/>
-                </a:solidFill>
-                <a:latin typeface="Calibri"/>
-                <a:ea typeface="Calibri"/>
-                <a:cs typeface="Calibri"/>
-                <a:sym typeface="Calibri"/>
-              </a:rPr>
-              <a:t>13.</a:t>
-            </a:r>
-            <a:r>
-              <a:rPr b="1" lang="fr">
-                <a:latin typeface="Calibri"/>
-                <a:ea typeface="Calibri"/>
-                <a:cs typeface="Calibri"/>
-                <a:sym typeface="Calibri"/>
-              </a:rPr>
-              <a:t> </a:t>
-            </a:r>
-            <a:r>
-              <a:rPr b="1" lang="fr">
-                <a:latin typeface="Calibri"/>
-                <a:ea typeface="Calibri"/>
-                <a:cs typeface="Calibri"/>
-                <a:sym typeface="Calibri"/>
-              </a:rPr>
-              <a:t>Éditeur</a:t>
-            </a:r>
-            <a:r>
-              <a:rPr b="1" lang="fr">
-                <a:latin typeface="Calibri"/>
-                <a:ea typeface="Calibri"/>
-                <a:cs typeface="Calibri"/>
-                <a:sym typeface="Calibri"/>
-              </a:rPr>
-              <a:t> de texte</a:t>
-            </a:r>
-            <a:endParaRPr b="1">
-              <a:latin typeface="Calibri"/>
-              <a:ea typeface="Calibri"/>
-              <a:cs typeface="Calibri"/>
-              <a:sym typeface="Calibri"/>
-            </a:endParaRPr>
-          </a:p>
-          <a:p>
-            <a:pPr indent="0" lvl="0" marL="0" rtl="0" algn="l">
-              <a:spcBef>
-                <a:spcPts val="0"/>
-              </a:spcBef>
-              <a:spcAft>
-                <a:spcPts val="0"/>
-              </a:spcAft>
-              <a:buNone/>
-            </a:pPr>
-            <a:r>
-              <a:rPr b="1" lang="fr">
-                <a:solidFill>
-                  <a:schemeClr val="accent5"/>
-                </a:solidFill>
-                <a:latin typeface="Calibri"/>
-                <a:ea typeface="Calibri"/>
-                <a:cs typeface="Calibri"/>
-                <a:sym typeface="Calibri"/>
-              </a:rPr>
-              <a:t>14.</a:t>
-            </a:r>
-            <a:r>
-              <a:rPr b="1" lang="fr">
-                <a:latin typeface="Calibri"/>
-                <a:ea typeface="Calibri"/>
-                <a:cs typeface="Calibri"/>
-                <a:sym typeface="Calibri"/>
-              </a:rPr>
-              <a:t> PDF</a:t>
-            </a:r>
-            <a:endParaRPr b="1">
-              <a:latin typeface="Calibri"/>
-              <a:ea typeface="Calibri"/>
-              <a:cs typeface="Calibri"/>
-              <a:sym typeface="Calibri"/>
-            </a:endParaRPr>
-          </a:p>
-          <a:p>
-            <a:pPr indent="0" lvl="0" marL="0" rtl="0" algn="l">
-              <a:spcBef>
-                <a:spcPts val="0"/>
-              </a:spcBef>
-              <a:spcAft>
-                <a:spcPts val="0"/>
-              </a:spcAft>
-              <a:buNone/>
-            </a:pPr>
-            <a:r>
-              <a:rPr b="1" lang="fr">
-                <a:solidFill>
-                  <a:schemeClr val="accent5"/>
-                </a:solidFill>
-                <a:latin typeface="Calibri"/>
-                <a:ea typeface="Calibri"/>
-                <a:cs typeface="Calibri"/>
-                <a:sym typeface="Calibri"/>
-              </a:rPr>
-              <a:t>15.</a:t>
-            </a:r>
-            <a:r>
-              <a:rPr b="1" lang="fr">
-                <a:latin typeface="Calibri"/>
-                <a:ea typeface="Calibri"/>
-                <a:cs typeface="Calibri"/>
-                <a:sym typeface="Calibri"/>
-              </a:rPr>
-              <a:t> API Instagram</a:t>
-            </a:r>
-            <a:endParaRPr b="1">
-              <a:latin typeface="Calibri"/>
-              <a:ea typeface="Calibri"/>
-              <a:cs typeface="Calibri"/>
-              <a:sym typeface="Calibri"/>
-            </a:endParaRPr>
-          </a:p>
-          <a:p>
-            <a:pPr indent="0" lvl="0" marL="0" rtl="0" algn="l">
-              <a:spcBef>
-                <a:spcPts val="0"/>
-              </a:spcBef>
-              <a:spcAft>
-                <a:spcPts val="0"/>
-              </a:spcAft>
-              <a:buNone/>
-            </a:pPr>
-            <a:r>
-              <a:rPr b="1" lang="fr">
-                <a:solidFill>
-                  <a:schemeClr val="accent5"/>
-                </a:solidFill>
-                <a:latin typeface="Calibri"/>
-                <a:ea typeface="Calibri"/>
-                <a:cs typeface="Calibri"/>
-                <a:sym typeface="Calibri"/>
-              </a:rPr>
-              <a:t>16.</a:t>
-            </a:r>
-            <a:r>
-              <a:rPr b="1" lang="fr">
-                <a:latin typeface="Calibri"/>
-                <a:ea typeface="Calibri"/>
-                <a:cs typeface="Calibri"/>
-                <a:sym typeface="Calibri"/>
-              </a:rPr>
-              <a:t> API Deliveroo</a:t>
-            </a:r>
-            <a:endParaRPr b="1">
-              <a:latin typeface="Calibri"/>
-              <a:ea typeface="Calibri"/>
-              <a:cs typeface="Calibri"/>
-              <a:sym typeface="Calibri"/>
-            </a:endParaRPr>
-          </a:p>
-        </p:txBody>
-      </p:sp>
-    </p:spTree>
-  </p:cSld>
-  <p:clrMapOvr>
-    <a:masterClrMapping/>
-  </p:clrMapOvr>
-</p:sld>
-</file>
-
-<file path=ppt/slides/slide3.xml><?xml version="1.0" encoding="utf-8"?>
-<p:sld xmlns:a="http://schemas.openxmlformats.org/drawingml/2006/main" xmlns:r="http://schemas.openxmlformats.org/officeDocument/2006/relationships" xmlns:mc="http://schemas.openxmlformats.org/markup-compatibility/2006" xmlns:mv="urn:schemas-microsoft-com:mac:vml" xmlns:p="http://schemas.openxmlformats.org/presentationml/2006/main" xmlns:c="http://schemas.openxmlformats.org/drawingml/2006/chart" xmlns:dgm="http://schemas.openxmlformats.org/drawingml/2006/diagram" xmlns:o="urn:schemas-microsoft-com:office:office" xmlns:v="urn:schemas-microsoft-com:vml" xmlns:pvml="urn:schemas-microsoft-com:office:powerpoint" xmlns:com="http://schemas.openxmlformats.org/drawingml/2006/compatibility" xmlns:p14="http://schemas.microsoft.com/office/powerpoint/2010/main" xmlns:p15="http://schemas.microsoft.com/office/powerpoint/2012/main" xmlns:ahyp="http://schemas.microsoft.com/office/drawing/2018/hyperlinkcolor">
-  <p:cSld>
-    <p:bg>
-      <p:bgPr>
-        <a:solidFill>
-          <a:srgbClr val="FFF4E8"/>
-        </a:solidFill>
-      </p:bgPr>
-    </p:bg>
-    <p:spTree>
-      <p:nvGrpSpPr>
-        <p:cNvPr id="72" name="Shape 72"/>
-        <p:cNvGrpSpPr/>
-        <p:nvPr/>
-      </p:nvGrpSpPr>
-      <p:grpSpPr>
-        <a:xfrm>
-          <a:off x="0" y="0"/>
-          <a:ext cx="0" cy="0"/>
-          <a:chOff x="0" y="0"/>
-          <a:chExt cx="0" cy="0"/>
-        </a:xfrm>
-      </p:grpSpPr>
-      <p:pic>
-        <p:nvPicPr>
-          <p:cNvPr id="73" name="Google Shape;73;p15"/>
-          <p:cNvPicPr preferRelativeResize="0"/>
-          <p:nvPr/>
-        </p:nvPicPr>
-        <p:blipFill>
-          <a:blip r:embed="rId3">
-            <a:alphaModFix/>
-          </a:blip>
-          <a:stretch>
-            <a:fillRect/>
-          </a:stretch>
-        </p:blipFill>
-        <p:spPr>
-          <a:xfrm>
-            <a:off x="0" y="743225"/>
-            <a:ext cx="9144003" cy="3944650"/>
-          </a:xfrm>
-          <a:prstGeom prst="rect">
-            <a:avLst/>
-          </a:prstGeom>
-          <a:noFill/>
-          <a:ln>
-            <a:noFill/>
-          </a:ln>
-        </p:spPr>
-      </p:pic>
-      <p:pic>
-        <p:nvPicPr>
-          <p:cNvPr id="74" name="Google Shape;74;p15"/>
-          <p:cNvPicPr preferRelativeResize="0"/>
-          <p:nvPr/>
-        </p:nvPicPr>
-        <p:blipFill>
-          <a:blip r:embed="rId4">
-            <a:alphaModFix/>
-          </a:blip>
-          <a:stretch>
-            <a:fillRect/>
-          </a:stretch>
-        </p:blipFill>
-        <p:spPr>
-          <a:xfrm>
-            <a:off x="76200" y="76191"/>
-            <a:ext cx="1095525" cy="384025"/>
-          </a:xfrm>
-          <a:prstGeom prst="rect">
-            <a:avLst/>
-          </a:prstGeom>
-          <a:noFill/>
-          <a:ln>
-            <a:noFill/>
-          </a:ln>
-        </p:spPr>
-      </p:pic>
-      <p:sp>
-        <p:nvSpPr>
-          <p:cNvPr id="75" name="Google Shape;75;p15"/>
-          <p:cNvSpPr txBox="1"/>
-          <p:nvPr/>
-        </p:nvSpPr>
-        <p:spPr>
-          <a:xfrm>
-            <a:off x="8675525" y="76200"/>
-            <a:ext cx="355200" cy="461700"/>
-          </a:xfrm>
-          <a:prstGeom prst="rect">
-            <a:avLst/>
-          </a:prstGeom>
-          <a:noFill/>
-          <a:ln>
-            <a:noFill/>
-          </a:ln>
-        </p:spPr>
-        <p:txBody>
-          <a:bodyPr anchorCtr="0" anchor="t" bIns="91425" lIns="91425" spcFirstLastPara="1" rIns="91425" wrap="square" tIns="91425">
-            <a:spAutoFit/>
-          </a:bodyPr>
-          <a:lstStyle/>
-          <a:p>
-            <a:pPr indent="0" lvl="0" marL="0" rtl="0" algn="ctr">
-              <a:spcBef>
-                <a:spcPts val="0"/>
-              </a:spcBef>
-              <a:spcAft>
-                <a:spcPts val="0"/>
-              </a:spcAft>
-              <a:buNone/>
-            </a:pPr>
-            <a:r>
-              <a:rPr lang="fr" sz="1800">
-                <a:solidFill>
-                  <a:schemeClr val="dk1"/>
-                </a:solidFill>
-              </a:rPr>
-              <a:t>2</a:t>
-            </a:r>
-            <a:endParaRPr sz="1800">
-              <a:solidFill>
-                <a:schemeClr val="dk1"/>
-              </a:solidFill>
-            </a:endParaRPr>
-          </a:p>
-        </p:txBody>
-      </p:sp>
-      <p:sp>
-        <p:nvSpPr>
-          <p:cNvPr id="76" name="Google Shape;76;p15"/>
-          <p:cNvSpPr txBox="1"/>
-          <p:nvPr/>
-        </p:nvSpPr>
-        <p:spPr>
-          <a:xfrm>
-            <a:off x="3165750" y="-108137"/>
-            <a:ext cx="2812500" cy="600300"/>
-          </a:xfrm>
-          <a:prstGeom prst="rect">
-            <a:avLst/>
-          </a:prstGeom>
-          <a:noFill/>
-          <a:ln>
-            <a:noFill/>
-          </a:ln>
-        </p:spPr>
-        <p:txBody>
-          <a:bodyPr anchorCtr="0" anchor="t" bIns="91425" lIns="91425" spcFirstLastPara="1" rIns="91425" wrap="square" tIns="91425">
-            <a:spAutoFit/>
-          </a:bodyPr>
-          <a:lstStyle/>
-          <a:p>
-            <a:pPr indent="0" lvl="0" marL="0" rtl="0" algn="ctr">
-              <a:spcBef>
-                <a:spcPts val="0"/>
-              </a:spcBef>
-              <a:spcAft>
-                <a:spcPts val="0"/>
-              </a:spcAft>
-              <a:buNone/>
-            </a:pPr>
-            <a:r>
-              <a:rPr b="1" lang="fr" sz="2700">
-                <a:latin typeface="Calibri"/>
-                <a:ea typeface="Calibri"/>
-                <a:cs typeface="Calibri"/>
-                <a:sym typeface="Calibri"/>
-              </a:rPr>
-              <a:t>Le projet</a:t>
-            </a:r>
-            <a:endParaRPr b="1" sz="2700">
-              <a:latin typeface="Calibri"/>
-              <a:ea typeface="Calibri"/>
-              <a:cs typeface="Calibri"/>
-              <a:sym typeface="Calibri"/>
-            </a:endParaRPr>
-          </a:p>
-        </p:txBody>
-      </p:sp>
-      <p:sp>
-        <p:nvSpPr>
-          <p:cNvPr id="77" name="Google Shape;77;p15"/>
-          <p:cNvSpPr txBox="1"/>
-          <p:nvPr/>
-        </p:nvSpPr>
-        <p:spPr>
-          <a:xfrm>
-            <a:off x="2936050" y="240900"/>
-            <a:ext cx="3271800" cy="400200"/>
-          </a:xfrm>
-          <a:prstGeom prst="rect">
-            <a:avLst/>
-          </a:prstGeom>
-          <a:noFill/>
-          <a:ln>
-            <a:noFill/>
-          </a:ln>
-        </p:spPr>
-        <p:txBody>
-          <a:bodyPr anchorCtr="0" anchor="t" bIns="91425" lIns="91425" spcFirstLastPara="1" rIns="91425" wrap="square" tIns="91425">
-            <a:spAutoFit/>
-          </a:bodyPr>
-          <a:lstStyle/>
-          <a:p>
-            <a:pPr indent="0" lvl="0" marL="0" rtl="0" algn="ctr">
-              <a:spcBef>
-                <a:spcPts val="0"/>
-              </a:spcBef>
-              <a:spcAft>
-                <a:spcPts val="0"/>
-              </a:spcAft>
-              <a:buNone/>
-            </a:pPr>
-            <a:r>
               <a:rPr lang="fr">
                 <a:latin typeface="Calibri"/>
                 <a:ea typeface="Calibri"/>
                 <a:cs typeface="Calibri"/>
                 <a:sym typeface="Calibri"/>
               </a:rPr>
-              <a:t>Qu’est-ce que Menu Maker by Qwenta ?</a:t>
+              <a:t>Échanges</a:t>
+            </a:r>
+            <a:r>
+              <a:rPr lang="fr">
+                <a:latin typeface="Calibri"/>
+                <a:ea typeface="Calibri"/>
+                <a:cs typeface="Calibri"/>
+                <a:sym typeface="Calibri"/>
+              </a:rPr>
+              <a:t> réguliers tout le long du projet</a:t>
             </a:r>
             <a:endParaRPr>
               <a:latin typeface="Calibri"/>
@@ -15013,14 +14330,63 @@
       </p:sp>
       <p:sp>
         <p:nvSpPr>
-          <p:cNvPr id="78" name="Google Shape;78;p15"/>
+          <p:cNvPr id="289" name="Google Shape;289;p30"/>
+          <p:cNvSpPr/>
+          <p:nvPr/>
+        </p:nvSpPr>
+        <p:spPr>
+          <a:xfrm>
+            <a:off x="4892200" y="1522275"/>
+            <a:ext cx="3607800" cy="2624700"/>
+          </a:xfrm>
+          <a:prstGeom prst="roundRect">
+            <a:avLst>
+              <a:gd fmla="val 16667" name="adj"/>
+            </a:avLst>
+          </a:prstGeom>
+          <a:noFill/>
+          <a:ln cap="flat" cmpd="sng" w="9525">
+            <a:solidFill>
+              <a:srgbClr val="C5A073"/>
+            </a:solidFill>
+            <a:prstDash val="solid"/>
+            <a:round/>
+            <a:headEnd len="sm" w="sm" type="none"/>
+            <a:tailEnd len="sm" w="sm" type="none"/>
+          </a:ln>
+        </p:spPr>
+        <p:txBody>
+          <a:bodyPr anchorCtr="0" anchor="ctr" bIns="91425" lIns="91425" spcFirstLastPara="1" rIns="91425" wrap="square" tIns="91425">
+            <a:noAutofit/>
+          </a:bodyPr>
+          <a:lstStyle/>
+          <a:p>
+            <a:pPr indent="0" lvl="0" marL="0" rtl="0" algn="ctr">
+              <a:spcBef>
+                <a:spcPts val="0"/>
+              </a:spcBef>
+              <a:spcAft>
+                <a:spcPts val="0"/>
+              </a:spcAft>
+              <a:buNone/>
+            </a:pPr>
+            <a:r>
+              <a:t/>
+            </a:r>
+            <a:endParaRPr/>
+          </a:p>
+        </p:txBody>
+      </p:sp>
+      <p:sp>
+        <p:nvSpPr>
+          <p:cNvPr id="290" name="Google Shape;290;p30"/>
           <p:cNvSpPr txBox="1"/>
           <p:nvPr/>
         </p:nvSpPr>
         <p:spPr>
           <a:xfrm>
-            <a:off x="1327900" y="849788"/>
-            <a:ext cx="6488100" cy="1077300"/>
+            <a:off x="8616325" y="76200"/>
+            <a:ext cx="473700" cy="461700"/>
           </a:xfrm>
           <a:prstGeom prst="rect">
             <a:avLst/>
@@ -15046,23 +14412,47 @@
               <a:buNone/>
             </a:pPr>
             <a:r>
-              <a:rPr b="1" lang="fr" sz="2600">
-                <a:latin typeface="Calibri"/>
-                <a:ea typeface="Calibri"/>
-                <a:cs typeface="Calibri"/>
-                <a:sym typeface="Calibri"/>
-              </a:rPr>
-              <a:t>Menu Maker</a:t>
-            </a:r>
-            <a:endParaRPr b="1" sz="2600">
-              <a:latin typeface="Calibri"/>
-              <a:ea typeface="Calibri"/>
-              <a:cs typeface="Calibri"/>
-              <a:sym typeface="Calibri"/>
+              <a:rPr lang="fr" sz="1800">
+                <a:solidFill>
+                  <a:schemeClr val="dk1"/>
+                </a:solidFill>
+              </a:rPr>
+              <a:t>16</a:t>
+            </a:r>
+            <a:endParaRPr sz="1800">
+              <a:solidFill>
+                <a:schemeClr val="dk1"/>
+              </a:solidFill>
             </a:endParaRPr>
           </a:p>
+        </p:txBody>
+      </p:sp>
+      <p:sp>
+        <p:nvSpPr>
+          <p:cNvPr id="291" name="Google Shape;291;p30"/>
+          <p:cNvSpPr txBox="1"/>
+          <p:nvPr/>
+        </p:nvSpPr>
+        <p:spPr>
+          <a:xfrm>
+            <a:off x="287025" y="1195850"/>
+            <a:ext cx="3892500" cy="1877700"/>
+          </a:xfrm>
+          <a:prstGeom prst="rect">
+            <a:avLst/>
+          </a:prstGeom>
+          <a:noFill/>
+          <a:ln>
+            <a:noFill/>
+          </a:ln>
+        </p:spPr>
+        <p:txBody>
+          <a:bodyPr anchorCtr="0" anchor="t" bIns="91425" lIns="91425" spcFirstLastPara="1" rIns="91425" wrap="square" tIns="91425">
+            <a:spAutoFit/>
+          </a:bodyPr>
+          <a:lstStyle/>
           <a:p>
-            <a:pPr indent="0" lvl="0" marL="0" rtl="0" algn="ctr">
+            <a:pPr indent="0" lvl="0" marL="0" rtl="0" algn="l">
               <a:spcBef>
                 <a:spcPts val="0"/>
               </a:spcBef>
@@ -15072,15 +14462,95 @@
               <a:buNone/>
             </a:pPr>
             <a:r>
-              <a:rPr b="1" lang="fr" sz="1600">
-                <a:latin typeface="Calibri"/>
-                <a:ea typeface="Calibri"/>
-                <a:cs typeface="Calibri"/>
-                <a:sym typeface="Calibri"/>
-              </a:rPr>
-              <a:t>Est une interface sur laquelle les restaurateurs peuvent se connecter pour créer leurs menus à diffuser en ligne ou à imprimer.</a:t>
-            </a:r>
-            <a:endParaRPr b="1" sz="1600">
+              <a:rPr b="1" lang="fr" sz="3000">
+                <a:latin typeface="Calibri"/>
+                <a:ea typeface="Calibri"/>
+                <a:cs typeface="Calibri"/>
+                <a:sym typeface="Calibri"/>
+              </a:rPr>
+              <a:t>Communication</a:t>
+            </a:r>
+            <a:br>
+              <a:rPr b="1" lang="fr" sz="2000">
+                <a:latin typeface="Calibri"/>
+                <a:ea typeface="Calibri"/>
+                <a:cs typeface="Calibri"/>
+                <a:sym typeface="Calibri"/>
+              </a:rPr>
+            </a:br>
+            <a:r>
+              <a:rPr b="1" lang="fr" sz="2000">
+                <a:latin typeface="Calibri"/>
+                <a:ea typeface="Calibri"/>
+                <a:cs typeface="Calibri"/>
+                <a:sym typeface="Calibri"/>
+              </a:rPr>
+              <a:t>L’</a:t>
+            </a:r>
+            <a:r>
+              <a:rPr b="1" lang="fr" sz="2000">
+                <a:solidFill>
+                  <a:schemeClr val="accent5"/>
+                </a:solidFill>
+                <a:latin typeface="Calibri"/>
+                <a:ea typeface="Calibri"/>
+                <a:cs typeface="Calibri"/>
+                <a:sym typeface="Calibri"/>
+              </a:rPr>
+              <a:t>échange réguliers</a:t>
+            </a:r>
+            <a:r>
+              <a:rPr b="1" lang="fr" sz="2000">
+                <a:latin typeface="Calibri"/>
+                <a:ea typeface="Calibri"/>
+                <a:cs typeface="Calibri"/>
+                <a:sym typeface="Calibri"/>
+              </a:rPr>
+              <a:t> avec le client permettra de </a:t>
+            </a:r>
+            <a:r>
+              <a:rPr b="1" lang="fr" sz="2000">
+                <a:solidFill>
+                  <a:schemeClr val="accent5"/>
+                </a:solidFill>
+                <a:latin typeface="Calibri"/>
+                <a:ea typeface="Calibri"/>
+                <a:cs typeface="Calibri"/>
+                <a:sym typeface="Calibri"/>
+              </a:rPr>
+              <a:t>contrôler</a:t>
+            </a:r>
+            <a:r>
+              <a:rPr b="1" lang="fr" sz="2000">
+                <a:latin typeface="Calibri"/>
+                <a:ea typeface="Calibri"/>
+                <a:cs typeface="Calibri"/>
+                <a:sym typeface="Calibri"/>
+              </a:rPr>
+              <a:t> et </a:t>
+            </a:r>
+            <a:r>
+              <a:rPr b="1" lang="fr" sz="2000">
+                <a:solidFill>
+                  <a:schemeClr val="accent5"/>
+                </a:solidFill>
+                <a:latin typeface="Calibri"/>
+                <a:ea typeface="Calibri"/>
+                <a:cs typeface="Calibri"/>
+                <a:sym typeface="Calibri"/>
+              </a:rPr>
+              <a:t>valider</a:t>
+            </a:r>
+            <a:r>
+              <a:rPr b="1" lang="fr" sz="2000">
+                <a:latin typeface="Calibri"/>
+                <a:ea typeface="Calibri"/>
+                <a:cs typeface="Calibri"/>
+                <a:sym typeface="Calibri"/>
+              </a:rPr>
+              <a:t> chaque étapes et d’apporter des modifications au besoins.</a:t>
+            </a:r>
+            <a:endParaRPr b="1" sz="2000">
               <a:latin typeface="Calibri"/>
               <a:ea typeface="Calibri"/>
               <a:cs typeface="Calibri"/>
@@ -15091,186 +14561,14 @@
       </p:sp>
       <p:sp>
         <p:nvSpPr>
-          <p:cNvPr id="79" name="Google Shape;79;p15"/>
-          <p:cNvSpPr/>
-          <p:nvPr/>
-        </p:nvSpPr>
-        <p:spPr>
-          <a:xfrm>
-            <a:off x="2119600" y="2211975"/>
-            <a:ext cx="4828500" cy="2399700"/>
-          </a:xfrm>
-          <a:prstGeom prst="roundRect">
-            <a:avLst>
-              <a:gd fmla="val 16667" name="adj"/>
-            </a:avLst>
-          </a:prstGeom>
-          <a:noFill/>
-          <a:ln cap="flat" cmpd="sng" w="9525">
-            <a:solidFill>
-              <a:srgbClr val="C5A073"/>
-            </a:solidFill>
-            <a:prstDash val="solid"/>
-            <a:round/>
-            <a:headEnd len="sm" w="sm" type="none"/>
-            <a:tailEnd len="sm" w="sm" type="none"/>
-          </a:ln>
-        </p:spPr>
-        <p:txBody>
-          <a:bodyPr anchorCtr="0" anchor="ctr" bIns="91425" lIns="91425" spcFirstLastPara="1" rIns="91425" wrap="square" tIns="91425">
-            <a:noAutofit/>
-          </a:bodyPr>
-          <a:lstStyle/>
-          <a:p>
-            <a:pPr indent="0" lvl="0" marL="0" rtl="0" algn="ctr">
-              <a:spcBef>
-                <a:spcPts val="0"/>
-              </a:spcBef>
-              <a:spcAft>
-                <a:spcPts val="0"/>
-              </a:spcAft>
-              <a:buNone/>
-            </a:pPr>
-            <a:r>
-              <a:t/>
-            </a:r>
-            <a:endParaRPr/>
-          </a:p>
-        </p:txBody>
-      </p:sp>
-      <p:pic>
-        <p:nvPicPr>
-          <p:cNvPr id="80" name="Google Shape;80;p15"/>
-          <p:cNvPicPr preferRelativeResize="0"/>
-          <p:nvPr/>
-        </p:nvPicPr>
-        <p:blipFill rotWithShape="1">
-          <a:blip r:embed="rId5">
-            <a:alphaModFix/>
-          </a:blip>
-          <a:srcRect b="8479" l="0" r="0" t="2171"/>
-          <a:stretch/>
-        </p:blipFill>
-        <p:spPr>
-          <a:xfrm>
-            <a:off x="2195800" y="2135775"/>
-            <a:ext cx="4828500" cy="2399700"/>
-          </a:xfrm>
-          <a:prstGeom prst="roundRect">
-            <a:avLst>
-              <a:gd fmla="val 16667" name="adj"/>
-            </a:avLst>
-          </a:prstGeom>
-          <a:noFill/>
-          <a:ln cap="flat" cmpd="sng" w="9525">
-            <a:solidFill>
-              <a:srgbClr val="C5A073"/>
-            </a:solidFill>
-            <a:prstDash val="solid"/>
-            <a:round/>
-            <a:headEnd len="sm" w="sm" type="none"/>
-            <a:tailEnd len="sm" w="sm" type="none"/>
-          </a:ln>
-        </p:spPr>
-      </p:pic>
-    </p:spTree>
-  </p:cSld>
-  <p:clrMapOvr>
-    <a:masterClrMapping/>
-  </p:clrMapOvr>
-</p:sld>
-</file>
-
-<file path=ppt/slides/slide4.xml><?xml version="1.0" encoding="utf-8"?>
-<p:sld xmlns:a="http://schemas.openxmlformats.org/drawingml/2006/main" xmlns:r="http://schemas.openxmlformats.org/officeDocument/2006/relationships" xmlns:mc="http://schemas.openxmlformats.org/markup-compatibility/2006" xmlns:mv="urn:schemas-microsoft-com:mac:vml" xmlns:p="http://schemas.openxmlformats.org/presentationml/2006/main" xmlns:c="http://schemas.openxmlformats.org/drawingml/2006/chart" xmlns:dgm="http://schemas.openxmlformats.org/drawingml/2006/diagram" xmlns:o="urn:schemas-microsoft-com:office:office" xmlns:v="urn:schemas-microsoft-com:vml" xmlns:pvml="urn:schemas-microsoft-com:office:powerpoint" xmlns:com="http://schemas.openxmlformats.org/drawingml/2006/compatibility" xmlns:p14="http://schemas.microsoft.com/office/powerpoint/2010/main" xmlns:p15="http://schemas.microsoft.com/office/powerpoint/2012/main" xmlns:ahyp="http://schemas.microsoft.com/office/drawing/2018/hyperlinkcolor">
-  <p:cSld>
-    <p:bg>
-      <p:bgPr>
-        <a:solidFill>
-          <a:srgbClr val="FFF4E8"/>
-        </a:solidFill>
-      </p:bgPr>
-    </p:bg>
-    <p:spTree>
-      <p:nvGrpSpPr>
-        <p:cNvPr id="84" name="Shape 84"/>
-        <p:cNvGrpSpPr/>
-        <p:nvPr/>
-      </p:nvGrpSpPr>
-      <p:grpSpPr>
-        <a:xfrm>
-          <a:off x="0" y="0"/>
-          <a:ext cx="0" cy="0"/>
-          <a:chOff x="0" y="0"/>
-          <a:chExt cx="0" cy="0"/>
-        </a:xfrm>
-      </p:grpSpPr>
-      <p:pic>
-        <p:nvPicPr>
-          <p:cNvPr id="85" name="Google Shape;85;p16"/>
-          <p:cNvPicPr preferRelativeResize="0"/>
-          <p:nvPr/>
-        </p:nvPicPr>
-        <p:blipFill>
-          <a:blip r:embed="rId3">
-            <a:alphaModFix/>
-          </a:blip>
-          <a:stretch>
-            <a:fillRect/>
-          </a:stretch>
-        </p:blipFill>
-        <p:spPr>
-          <a:xfrm>
-            <a:off x="0" y="743225"/>
-            <a:ext cx="9144003" cy="3944650"/>
-          </a:xfrm>
-          <a:prstGeom prst="rect">
-            <a:avLst/>
-          </a:prstGeom>
-          <a:noFill/>
-          <a:ln>
-            <a:noFill/>
-          </a:ln>
-        </p:spPr>
-      </p:pic>
-      <p:pic>
-        <p:nvPicPr>
-          <p:cNvPr id="86" name="Google Shape;86;p16"/>
-          <p:cNvPicPr preferRelativeResize="0"/>
-          <p:nvPr/>
-        </p:nvPicPr>
-        <p:blipFill>
-          <a:blip r:embed="rId4">
-            <a:alphaModFix/>
-          </a:blip>
-          <a:stretch>
-            <a:fillRect/>
-          </a:stretch>
-        </p:blipFill>
-        <p:spPr>
-          <a:xfrm>
-            <a:off x="76200" y="76191"/>
-            <a:ext cx="1095525" cy="384025"/>
-          </a:xfrm>
-          <a:prstGeom prst="rect">
-            <a:avLst/>
-          </a:prstGeom>
-          <a:noFill/>
-          <a:ln>
-            <a:noFill/>
-          </a:ln>
-        </p:spPr>
-      </p:pic>
-      <p:sp>
-        <p:nvSpPr>
-          <p:cNvPr id="87" name="Google Shape;87;p16"/>
+          <p:cNvPr id="292" name="Google Shape;292;p30"/>
           <p:cNvSpPr txBox="1"/>
           <p:nvPr/>
         </p:nvSpPr>
         <p:spPr>
           <a:xfrm>
-            <a:off x="8675525" y="76200"/>
-            <a:ext cx="355200" cy="461700"/>
+            <a:off x="287025" y="3378350"/>
+            <a:ext cx="3892500" cy="800400"/>
           </a:xfrm>
           <a:prstGeom prst="rect">
             <a:avLst/>
@@ -15286,7 +14584,7 @@
           </a:bodyPr>
           <a:lstStyle/>
           <a:p>
-            <a:pPr indent="0" lvl="0" marL="0" rtl="0" algn="ctr">
+            <a:pPr indent="0" lvl="0" marL="0" rtl="0" algn="l">
               <a:spcBef>
                 <a:spcPts val="0"/>
               </a:spcBef>
@@ -15296,65 +14594,36 @@
               <a:buNone/>
             </a:pPr>
             <a:r>
-              <a:rPr lang="fr" sz="1800">
+              <a:rPr b="1" lang="fr" sz="2000">
+                <a:latin typeface="Calibri"/>
+                <a:ea typeface="Calibri"/>
+                <a:cs typeface="Calibri"/>
+                <a:sym typeface="Calibri"/>
+              </a:rPr>
+              <a:t>Des </a:t>
+            </a:r>
+            <a:r>
+              <a:rPr b="1" lang="fr" sz="2000">
                 <a:solidFill>
-                  <a:schemeClr val="dk1"/>
+                  <a:schemeClr val="accent5"/>
                 </a:solidFill>
-              </a:rPr>
-              <a:t>3</a:t>
-            </a:r>
-            <a:endParaRPr sz="1800">
-              <a:solidFill>
-                <a:schemeClr val="dk1"/>
-              </a:solidFill>
-            </a:endParaRPr>
-          </a:p>
-        </p:txBody>
-      </p:sp>
-      <p:sp>
-        <p:nvSpPr>
-          <p:cNvPr id="88" name="Google Shape;88;p16"/>
-          <p:cNvSpPr txBox="1"/>
-          <p:nvPr/>
-        </p:nvSpPr>
-        <p:spPr>
-          <a:xfrm>
-            <a:off x="3083675" y="-108125"/>
-            <a:ext cx="2976600" cy="600300"/>
-          </a:xfrm>
-          <a:prstGeom prst="rect">
-            <a:avLst/>
-          </a:prstGeom>
-          <a:noFill/>
-          <a:ln>
-            <a:noFill/>
-          </a:ln>
-        </p:spPr>
-        <p:txBody>
-          <a:bodyPr anchorCtr="0" anchor="t" bIns="91425" lIns="91425" spcFirstLastPara="1" rIns="91425" wrap="square" tIns="91425">
-            <a:spAutoFit/>
-          </a:bodyPr>
-          <a:lstStyle/>
-          <a:p>
-            <a:pPr indent="0" lvl="0" marL="0" rtl="0" algn="ctr">
-              <a:spcBef>
-                <a:spcPts val="0"/>
-              </a:spcBef>
-              <a:spcAft>
-                <a:spcPts val="0"/>
-              </a:spcAft>
-              <a:buNone/>
-            </a:pPr>
-            <a:r>
-              <a:rPr b="1" lang="fr" sz="2700">
-                <a:latin typeface="Calibri"/>
-                <a:ea typeface="Calibri"/>
-                <a:cs typeface="Calibri"/>
-                <a:sym typeface="Calibri"/>
-              </a:rPr>
-              <a:t>Les fonctionnalités</a:t>
-            </a:r>
-            <a:endParaRPr b="1" sz="2700">
+                <a:latin typeface="Calibri"/>
+                <a:ea typeface="Calibri"/>
+                <a:cs typeface="Calibri"/>
+                <a:sym typeface="Calibri"/>
+              </a:rPr>
+              <a:t>livraisons intermédiaires</a:t>
+            </a:r>
+            <a:r>
+              <a:rPr b="1" lang="fr" sz="2000">
+                <a:latin typeface="Calibri"/>
+                <a:ea typeface="Calibri"/>
+                <a:cs typeface="Calibri"/>
+                <a:sym typeface="Calibri"/>
+              </a:rPr>
+              <a:t> seront mise en place avec le client.</a:t>
+            </a:r>
+            <a:endParaRPr b="1" sz="2000">
               <a:latin typeface="Calibri"/>
               <a:ea typeface="Calibri"/>
               <a:cs typeface="Calibri"/>
@@ -15363,169 +14632,35 @@
           </a:p>
         </p:txBody>
       </p:sp>
-      <p:sp>
-        <p:nvSpPr>
-          <p:cNvPr id="89" name="Google Shape;89;p16"/>
-          <p:cNvSpPr txBox="1"/>
+      <p:cxnSp>
+        <p:nvCxnSpPr>
+          <p:cNvPr id="293" name="Google Shape;293;p30"/>
+          <p:cNvCxnSpPr/>
           <p:nvPr/>
-        </p:nvSpPr>
-        <p:spPr>
-          <a:xfrm>
-            <a:off x="2858275" y="240900"/>
-            <a:ext cx="3427500" cy="400200"/>
-          </a:xfrm>
-          <a:prstGeom prst="rect">
+        </p:nvCxnSpPr>
+        <p:spPr>
+          <a:xfrm>
+            <a:off x="378000" y="3225950"/>
+            <a:ext cx="1263000" cy="0"/>
+          </a:xfrm>
+          <a:prstGeom prst="straightConnector1">
             <a:avLst/>
           </a:prstGeom>
           <a:noFill/>
-          <a:ln>
-            <a:noFill/>
-          </a:ln>
-        </p:spPr>
-        <p:txBody>
-          <a:bodyPr anchorCtr="0" anchor="t" bIns="91425" lIns="91425" spcFirstLastPara="1" rIns="91425" wrap="square" tIns="91425">
-            <a:spAutoFit/>
-          </a:bodyPr>
-          <a:lstStyle/>
-          <a:p>
-            <a:pPr indent="0" lvl="0" marL="0" rtl="0" algn="ctr">
-              <a:spcBef>
-                <a:spcPts val="0"/>
-              </a:spcBef>
-              <a:spcAft>
-                <a:spcPts val="0"/>
-              </a:spcAft>
-              <a:buNone/>
-            </a:pPr>
-            <a:r>
-              <a:rPr lang="fr">
-                <a:latin typeface="Calibri"/>
-                <a:ea typeface="Calibri"/>
-                <a:cs typeface="Calibri"/>
-                <a:sym typeface="Calibri"/>
-              </a:rPr>
-              <a:t>Que pourra faire le restaurateur sur le site ?</a:t>
-            </a:r>
-            <a:endParaRPr>
-              <a:latin typeface="Calibri"/>
-              <a:ea typeface="Calibri"/>
-              <a:cs typeface="Calibri"/>
-              <a:sym typeface="Calibri"/>
-            </a:endParaRPr>
-          </a:p>
-        </p:txBody>
-      </p:sp>
-      <p:sp>
-        <p:nvSpPr>
-          <p:cNvPr id="90" name="Google Shape;90;p16"/>
-          <p:cNvSpPr txBox="1"/>
-          <p:nvPr/>
-        </p:nvSpPr>
-        <p:spPr>
-          <a:xfrm>
-            <a:off x="0" y="1508425"/>
-            <a:ext cx="3030300" cy="615600"/>
-          </a:xfrm>
-          <a:prstGeom prst="rect">
-            <a:avLst/>
-          </a:prstGeom>
-          <a:noFill/>
-          <a:ln>
-            <a:noFill/>
-          </a:ln>
-        </p:spPr>
-        <p:txBody>
-          <a:bodyPr anchorCtr="0" anchor="t" bIns="91425" lIns="91425" spcFirstLastPara="1" rIns="91425" wrap="square" tIns="91425">
-            <a:spAutoFit/>
-          </a:bodyPr>
-          <a:lstStyle/>
-          <a:p>
-            <a:pPr indent="-406400" lvl="0" marL="457200" rtl="0" algn="l">
-              <a:spcBef>
-                <a:spcPts val="0"/>
-              </a:spcBef>
-              <a:spcAft>
-                <a:spcPts val="0"/>
-              </a:spcAft>
-              <a:buClr>
-                <a:schemeClr val="dk1"/>
-              </a:buClr>
-              <a:buSzPts val="2800"/>
-              <a:buFont typeface="Calibri"/>
-              <a:buChar char="-"/>
-            </a:pPr>
-            <a:r>
-              <a:rPr b="1" lang="fr" sz="2800">
-                <a:solidFill>
-                  <a:schemeClr val="dk1"/>
-                </a:solidFill>
-                <a:latin typeface="Calibri"/>
-                <a:ea typeface="Calibri"/>
-                <a:cs typeface="Calibri"/>
-                <a:sym typeface="Calibri"/>
-              </a:rPr>
-              <a:t>Créer un menu</a:t>
-            </a:r>
-            <a:endParaRPr sz="2600">
-              <a:solidFill>
-                <a:schemeClr val="dk2"/>
-              </a:solidFill>
-            </a:endParaRPr>
-          </a:p>
-        </p:txBody>
-      </p:sp>
-      <p:sp>
-        <p:nvSpPr>
-          <p:cNvPr id="91" name="Google Shape;91;p16"/>
-          <p:cNvSpPr/>
-          <p:nvPr/>
-        </p:nvSpPr>
-        <p:spPr>
-          <a:xfrm>
-            <a:off x="4572000" y="1368325"/>
-            <a:ext cx="4075500" cy="2895000"/>
-          </a:xfrm>
-          <a:prstGeom prst="roundRect">
-            <a:avLst>
-              <a:gd fmla="val 16667" name="adj"/>
-            </a:avLst>
-          </a:prstGeom>
-          <a:noFill/>
-          <a:ln cap="flat" cmpd="sng" w="9525">
+          <a:ln cap="flat" cmpd="sng" w="28575">
             <a:solidFill>
-              <a:srgbClr val="C5A073"/>
+              <a:schemeClr val="accent5"/>
             </a:solidFill>
             <a:prstDash val="solid"/>
             <a:round/>
-            <a:headEnd len="sm" w="sm" type="none"/>
-            <a:tailEnd len="sm" w="sm" type="none"/>
+            <a:headEnd len="med" w="med" type="none"/>
+            <a:tailEnd len="med" w="med" type="none"/>
           </a:ln>
         </p:spPr>
-        <p:txBody>
-          <a:bodyPr anchorCtr="0" anchor="ctr" bIns="91425" lIns="91425" spcFirstLastPara="1" rIns="91425" wrap="square" tIns="91425">
-            <a:noAutofit/>
-          </a:bodyPr>
-          <a:lstStyle/>
-          <a:p>
-            <a:pPr indent="0" lvl="0" marL="0" rtl="0" algn="ctr">
-              <a:spcBef>
-                <a:spcPts val="0"/>
-              </a:spcBef>
-              <a:spcAft>
-                <a:spcPts val="0"/>
-              </a:spcAft>
-              <a:buNone/>
-            </a:pPr>
-            <a:r>
-              <a:t/>
-            </a:r>
-            <a:endParaRPr/>
-          </a:p>
-        </p:txBody>
-      </p:sp>
+      </p:cxnSp>
       <p:pic>
         <p:nvPicPr>
-          <p:cNvPr id="92" name="Google Shape;92;p16"/>
+          <p:cNvPr id="294" name="Google Shape;294;p30"/>
           <p:cNvPicPr preferRelativeResize="0"/>
           <p:nvPr/>
         </p:nvPicPr>
@@ -15539,255 +14674,8 @@
         </p:blipFill>
         <p:spPr>
           <a:xfrm>
-            <a:off x="4648200" y="1292125"/>
-            <a:ext cx="4075500" cy="2895000"/>
-          </a:xfrm>
-          <a:prstGeom prst="roundRect">
-            <a:avLst>
-              <a:gd fmla="val 16667" name="adj"/>
-            </a:avLst>
-          </a:prstGeom>
-          <a:noFill/>
-          <a:ln cap="flat" cmpd="sng" w="9525">
-            <a:solidFill>
-              <a:srgbClr val="C5A073"/>
-            </a:solidFill>
-            <a:prstDash val="solid"/>
-            <a:round/>
-            <a:headEnd len="sm" w="sm" type="none"/>
-            <a:tailEnd len="sm" w="sm" type="none"/>
-          </a:ln>
-        </p:spPr>
-      </p:pic>
-      <p:sp>
-        <p:nvSpPr>
-          <p:cNvPr id="93" name="Google Shape;93;p16"/>
-          <p:cNvSpPr txBox="1"/>
-          <p:nvPr/>
-        </p:nvSpPr>
-        <p:spPr>
-          <a:xfrm>
-            <a:off x="0" y="2124025"/>
-            <a:ext cx="4350900" cy="615600"/>
-          </a:xfrm>
-          <a:prstGeom prst="rect">
-            <a:avLst/>
-          </a:prstGeom>
-          <a:noFill/>
-          <a:ln>
-            <a:noFill/>
-          </a:ln>
-        </p:spPr>
-        <p:txBody>
-          <a:bodyPr anchorCtr="0" anchor="t" bIns="91425" lIns="91425" spcFirstLastPara="1" rIns="91425" wrap="square" tIns="91425">
-            <a:spAutoFit/>
-          </a:bodyPr>
-          <a:lstStyle/>
-          <a:p>
-            <a:pPr indent="-406400" lvl="0" marL="457200" rtl="0" algn="l">
-              <a:spcBef>
-                <a:spcPts val="0"/>
-              </a:spcBef>
-              <a:spcAft>
-                <a:spcPts val="0"/>
-              </a:spcAft>
-              <a:buClr>
-                <a:schemeClr val="dk1"/>
-              </a:buClr>
-              <a:buSzPts val="2800"/>
-              <a:buFont typeface="Calibri"/>
-              <a:buChar char="-"/>
-            </a:pPr>
-            <a:r>
-              <a:rPr b="1" lang="fr" sz="2800">
-                <a:solidFill>
-                  <a:schemeClr val="dk1"/>
-                </a:solidFill>
-                <a:latin typeface="Calibri"/>
-                <a:ea typeface="Calibri"/>
-                <a:cs typeface="Calibri"/>
-                <a:sym typeface="Calibri"/>
-              </a:rPr>
-              <a:t>Personnaliser un menu</a:t>
-            </a:r>
-            <a:endParaRPr sz="2600">
-              <a:solidFill>
-                <a:schemeClr val="dk2"/>
-              </a:solidFill>
-            </a:endParaRPr>
-          </a:p>
-        </p:txBody>
-      </p:sp>
-      <p:sp>
-        <p:nvSpPr>
-          <p:cNvPr id="94" name="Google Shape;94;p16"/>
-          <p:cNvSpPr txBox="1"/>
-          <p:nvPr/>
-        </p:nvSpPr>
-        <p:spPr>
-          <a:xfrm>
-            <a:off x="0" y="2739625"/>
-            <a:ext cx="4350900" cy="615600"/>
-          </a:xfrm>
-          <a:prstGeom prst="rect">
-            <a:avLst/>
-          </a:prstGeom>
-          <a:noFill/>
-          <a:ln>
-            <a:noFill/>
-          </a:ln>
-        </p:spPr>
-        <p:txBody>
-          <a:bodyPr anchorCtr="0" anchor="t" bIns="91425" lIns="91425" spcFirstLastPara="1" rIns="91425" wrap="square" tIns="91425">
-            <a:spAutoFit/>
-          </a:bodyPr>
-          <a:lstStyle/>
-          <a:p>
-            <a:pPr indent="-406400" lvl="0" marL="457200" rtl="0" algn="l">
-              <a:spcBef>
-                <a:spcPts val="0"/>
-              </a:spcBef>
-              <a:spcAft>
-                <a:spcPts val="0"/>
-              </a:spcAft>
-              <a:buClr>
-                <a:schemeClr val="dk1"/>
-              </a:buClr>
-              <a:buSzPts val="2800"/>
-              <a:buFont typeface="Calibri"/>
-              <a:buChar char="-"/>
-            </a:pPr>
-            <a:r>
-              <a:rPr b="1" lang="fr" sz="2800">
-                <a:solidFill>
-                  <a:schemeClr val="dk1"/>
-                </a:solidFill>
-                <a:latin typeface="Calibri"/>
-                <a:ea typeface="Calibri"/>
-                <a:cs typeface="Calibri"/>
-                <a:sym typeface="Calibri"/>
-              </a:rPr>
-              <a:t>Diffuser un menu</a:t>
-            </a:r>
-            <a:endParaRPr sz="2600">
-              <a:solidFill>
-                <a:schemeClr val="dk2"/>
-              </a:solidFill>
-            </a:endParaRPr>
-          </a:p>
-        </p:txBody>
-      </p:sp>
-      <p:sp>
-        <p:nvSpPr>
-          <p:cNvPr id="95" name="Google Shape;95;p16"/>
-          <p:cNvSpPr txBox="1"/>
-          <p:nvPr/>
-        </p:nvSpPr>
-        <p:spPr>
-          <a:xfrm>
-            <a:off x="0" y="3355225"/>
-            <a:ext cx="4350900" cy="615600"/>
-          </a:xfrm>
-          <a:prstGeom prst="rect">
-            <a:avLst/>
-          </a:prstGeom>
-          <a:noFill/>
-          <a:ln>
-            <a:noFill/>
-          </a:ln>
-        </p:spPr>
-        <p:txBody>
-          <a:bodyPr anchorCtr="0" anchor="t" bIns="91425" lIns="91425" spcFirstLastPara="1" rIns="91425" wrap="square" tIns="91425">
-            <a:spAutoFit/>
-          </a:bodyPr>
-          <a:lstStyle/>
-          <a:p>
-            <a:pPr indent="-406400" lvl="0" marL="457200" rtl="0" algn="l">
-              <a:spcBef>
-                <a:spcPts val="0"/>
-              </a:spcBef>
-              <a:spcAft>
-                <a:spcPts val="0"/>
-              </a:spcAft>
-              <a:buClr>
-                <a:schemeClr val="dk1"/>
-              </a:buClr>
-              <a:buSzPts val="2800"/>
-              <a:buFont typeface="Calibri"/>
-              <a:buChar char="-"/>
-            </a:pPr>
-            <a:r>
-              <a:rPr b="1" lang="fr" sz="2800">
-                <a:solidFill>
-                  <a:schemeClr val="dk1"/>
-                </a:solidFill>
-                <a:latin typeface="Calibri"/>
-                <a:ea typeface="Calibri"/>
-                <a:cs typeface="Calibri"/>
-                <a:sym typeface="Calibri"/>
-              </a:rPr>
-              <a:t>Imprimer un menu</a:t>
-            </a:r>
-            <a:endParaRPr sz="2600">
-              <a:solidFill>
-                <a:schemeClr val="dk2"/>
-              </a:solidFill>
-            </a:endParaRPr>
-          </a:p>
-        </p:txBody>
-      </p:sp>
-      <p:pic>
-        <p:nvPicPr>
-          <p:cNvPr id="96" name="Google Shape;96;p16"/>
-          <p:cNvPicPr preferRelativeResize="0"/>
-          <p:nvPr/>
-        </p:nvPicPr>
-        <p:blipFill rotWithShape="1">
-          <a:blip r:embed="rId6">
-            <a:alphaModFix/>
-          </a:blip>
-          <a:srcRect b="189" l="0" r="0" t="179"/>
-          <a:stretch/>
-        </p:blipFill>
-        <p:spPr>
-          <a:xfrm>
-            <a:off x="4648200" y="1292125"/>
-            <a:ext cx="4075500" cy="2895000"/>
-          </a:xfrm>
-          <a:prstGeom prst="roundRect">
-            <a:avLst>
-              <a:gd fmla="val 16667" name="adj"/>
-            </a:avLst>
-          </a:prstGeom>
-          <a:noFill/>
-          <a:ln cap="flat" cmpd="sng" w="9525">
-            <a:solidFill>
-              <a:srgbClr val="C5A073"/>
-            </a:solidFill>
-            <a:prstDash val="solid"/>
-            <a:round/>
-            <a:headEnd len="sm" w="sm" type="none"/>
-            <a:tailEnd len="sm" w="sm" type="none"/>
-          </a:ln>
-        </p:spPr>
-      </p:pic>
-      <p:pic>
-        <p:nvPicPr>
-          <p:cNvPr id="97" name="Google Shape;97;p16"/>
-          <p:cNvPicPr preferRelativeResize="0"/>
-          <p:nvPr/>
-        </p:nvPicPr>
-        <p:blipFill rotWithShape="1">
-          <a:blip r:embed="rId7">
-            <a:alphaModFix/>
-          </a:blip>
-          <a:srcRect b="0" l="109" r="109" t="0"/>
-          <a:stretch/>
-        </p:blipFill>
-        <p:spPr>
-          <a:xfrm>
-            <a:off x="4648200" y="1292125"/>
-            <a:ext cx="4075500" cy="2895000"/>
+            <a:off x="4968400" y="1446070"/>
+            <a:ext cx="3607800" cy="2624700"/>
           </a:xfrm>
           <a:prstGeom prst="roundRect">
             <a:avLst>
@@ -15845,6 +14733,3218 @@
                                           </p:stCondLst>
                                         </p:cTn>
                                         <p:tgtEl>
+                                          <p:spTgt spid="289"/>
+                                        </p:tgtEl>
+                                        <p:attrNameLst>
+                                          <p:attrName>style.visibility</p:attrName>
+                                        </p:attrNameLst>
+                                      </p:cBhvr>
+                                      <p:to>
+                                        <p:strVal val="visible"/>
+                                      </p:to>
+                                    </p:set>
+                                    <p:animEffect filter="fade" transition="in">
+                                      <p:cBhvr>
+                                        <p:cTn dur="500"/>
+                                        <p:tgtEl>
+                                          <p:spTgt spid="289"/>
+                                        </p:tgtEl>
+                                      </p:cBhvr>
+                                    </p:animEffect>
+                                  </p:childTnLst>
+                                </p:cTn>
+                              </p:par>
+                              <p:par>
+                                <p:cTn fill="hold" nodeType="withEffect" presetClass="entr" presetID="10" presetSubtype="0">
+                                  <p:stCondLst>
+                                    <p:cond delay="0"/>
+                                  </p:stCondLst>
+                                  <p:childTnLst>
+                                    <p:set>
+                                      <p:cBhvr>
+                                        <p:cTn dur="1" fill="hold">
+                                          <p:stCondLst>
+                                            <p:cond delay="0"/>
+                                          </p:stCondLst>
+                                        </p:cTn>
+                                        <p:tgtEl>
+                                          <p:spTgt spid="291"/>
+                                        </p:tgtEl>
+                                        <p:attrNameLst>
+                                          <p:attrName>style.visibility</p:attrName>
+                                        </p:attrNameLst>
+                                      </p:cBhvr>
+                                      <p:to>
+                                        <p:strVal val="visible"/>
+                                      </p:to>
+                                    </p:set>
+                                    <p:animEffect filter="fade" transition="in">
+                                      <p:cBhvr>
+                                        <p:cTn dur="500"/>
+                                        <p:tgtEl>
+                                          <p:spTgt spid="291"/>
+                                        </p:tgtEl>
+                                      </p:cBhvr>
+                                    </p:animEffect>
+                                  </p:childTnLst>
+                                </p:cTn>
+                              </p:par>
+                              <p:par>
+                                <p:cTn fill="hold" nodeType="withEffect" presetClass="entr" presetID="10" presetSubtype="0">
+                                  <p:stCondLst>
+                                    <p:cond delay="0"/>
+                                  </p:stCondLst>
+                                  <p:childTnLst>
+                                    <p:set>
+                                      <p:cBhvr>
+                                        <p:cTn dur="1" fill="hold">
+                                          <p:stCondLst>
+                                            <p:cond delay="0"/>
+                                          </p:stCondLst>
+                                        </p:cTn>
+                                        <p:tgtEl>
+                                          <p:spTgt spid="294"/>
+                                        </p:tgtEl>
+                                        <p:attrNameLst>
+                                          <p:attrName>style.visibility</p:attrName>
+                                        </p:attrNameLst>
+                                      </p:cBhvr>
+                                      <p:to>
+                                        <p:strVal val="visible"/>
+                                      </p:to>
+                                    </p:set>
+                                    <p:animEffect filter="fade" transition="in">
+                                      <p:cBhvr>
+                                        <p:cTn dur="500"/>
+                                        <p:tgtEl>
+                                          <p:spTgt spid="294"/>
+                                        </p:tgtEl>
+                                      </p:cBhvr>
+                                    </p:animEffect>
+                                  </p:childTnLst>
+                                </p:cTn>
+                              </p:par>
+                            </p:childTnLst>
+                          </p:cTn>
+                        </p:par>
+                      </p:childTnLst>
+                    </p:cTn>
+                  </p:par>
+                  <p:par>
+                    <p:cTn fill="hold">
+                      <p:stCondLst>
+                        <p:cond delay="indefinite"/>
+                      </p:stCondLst>
+                      <p:childTnLst>
+                        <p:par>
+                          <p:cTn fill="hold">
+                            <p:stCondLst>
+                              <p:cond delay="0"/>
+                            </p:stCondLst>
+                            <p:childTnLst>
+                              <p:par>
+                                <p:cTn fill="hold" nodeType="clickEffect" presetClass="entr" presetID="10" presetSubtype="0">
+                                  <p:stCondLst>
+                                    <p:cond delay="0"/>
+                                  </p:stCondLst>
+                                  <p:childTnLst>
+                                    <p:set>
+                                      <p:cBhvr>
+                                        <p:cTn dur="1" fill="hold">
+                                          <p:stCondLst>
+                                            <p:cond delay="0"/>
+                                          </p:stCondLst>
+                                        </p:cTn>
+                                        <p:tgtEl>
+                                          <p:spTgt spid="293"/>
+                                        </p:tgtEl>
+                                        <p:attrNameLst>
+                                          <p:attrName>style.visibility</p:attrName>
+                                        </p:attrNameLst>
+                                      </p:cBhvr>
+                                      <p:to>
+                                        <p:strVal val="visible"/>
+                                      </p:to>
+                                    </p:set>
+                                    <p:animEffect filter="fade" transition="in">
+                                      <p:cBhvr>
+                                        <p:cTn dur="500"/>
+                                        <p:tgtEl>
+                                          <p:spTgt spid="293"/>
+                                        </p:tgtEl>
+                                      </p:cBhvr>
+                                    </p:animEffect>
+                                  </p:childTnLst>
+                                </p:cTn>
+                              </p:par>
+                              <p:par>
+                                <p:cTn fill="hold" nodeType="withEffect" presetClass="entr" presetID="10" presetSubtype="0">
+                                  <p:stCondLst>
+                                    <p:cond delay="0"/>
+                                  </p:stCondLst>
+                                  <p:childTnLst>
+                                    <p:set>
+                                      <p:cBhvr>
+                                        <p:cTn dur="1" fill="hold">
+                                          <p:stCondLst>
+                                            <p:cond delay="0"/>
+                                          </p:stCondLst>
+                                        </p:cTn>
+                                        <p:tgtEl>
+                                          <p:spTgt spid="292"/>
+                                        </p:tgtEl>
+                                        <p:attrNameLst>
+                                          <p:attrName>style.visibility</p:attrName>
+                                        </p:attrNameLst>
+                                      </p:cBhvr>
+                                      <p:to>
+                                        <p:strVal val="visible"/>
+                                      </p:to>
+                                    </p:set>
+                                    <p:animEffect filter="fade" transition="in">
+                                      <p:cBhvr>
+                                        <p:cTn dur="500"/>
+                                        <p:tgtEl>
+                                          <p:spTgt spid="292"/>
+                                        </p:tgtEl>
+                                      </p:cBhvr>
+                                    </p:animEffect>
+                                  </p:childTnLst>
+                                </p:cTn>
+                              </p:par>
+                            </p:childTnLst>
+                          </p:cTn>
+                        </p:par>
+                      </p:childTnLst>
+                    </p:cTn>
+                  </p:par>
+                </p:childTnLst>
+              </p:cTn>
+              <p:prevCondLst>
+                <p:cond evt="onPrev">
+                  <p:tgtEl>
+                    <p:sldTgt/>
+                  </p:tgtEl>
+                </p:cond>
+              </p:prevCondLst>
+              <p:nextCondLst>
+                <p:cond evt="onNext">
+                  <p:tgtEl>
+                    <p:sldTgt/>
+                  </p:tgtEl>
+                </p:cond>
+              </p:nextCondLst>
+            </p:seq>
+          </p:childTnLst>
+        </p:cTn>
+      </p:par>
+    </p:tnLst>
+  </p:timing>
+</p:sld>
+</file>
+
+<file path=ppt/slides/slide19.xml><?xml version="1.0" encoding="utf-8"?>
+<p:sld xmlns:a="http://schemas.openxmlformats.org/drawingml/2006/main" xmlns:r="http://schemas.openxmlformats.org/officeDocument/2006/relationships" xmlns:mc="http://schemas.openxmlformats.org/markup-compatibility/2006" xmlns:mv="urn:schemas-microsoft-com:mac:vml" xmlns:p="http://schemas.openxmlformats.org/presentationml/2006/main" xmlns:c="http://schemas.openxmlformats.org/drawingml/2006/chart" xmlns:dgm="http://schemas.openxmlformats.org/drawingml/2006/diagram" xmlns:o="urn:schemas-microsoft-com:office:office" xmlns:v="urn:schemas-microsoft-com:vml" xmlns:pvml="urn:schemas-microsoft-com:office:powerpoint" xmlns:com="http://schemas.openxmlformats.org/drawingml/2006/compatibility" xmlns:p14="http://schemas.microsoft.com/office/powerpoint/2010/main" xmlns:p15="http://schemas.microsoft.com/office/powerpoint/2012/main" xmlns:ahyp="http://schemas.microsoft.com/office/drawing/2018/hyperlinkcolor">
+  <p:cSld>
+    <p:bg>
+      <p:bgPr>
+        <a:solidFill>
+          <a:srgbClr val="FFF4E8"/>
+        </a:solidFill>
+      </p:bgPr>
+    </p:bg>
+    <p:spTree>
+      <p:nvGrpSpPr>
+        <p:cNvPr id="298" name="Shape 298"/>
+        <p:cNvGrpSpPr/>
+        <p:nvPr/>
+      </p:nvGrpSpPr>
+      <p:grpSpPr>
+        <a:xfrm>
+          <a:off x="0" y="0"/>
+          <a:ext cx="0" cy="0"/>
+          <a:chOff x="0" y="0"/>
+          <a:chExt cx="0" cy="0"/>
+        </a:xfrm>
+      </p:grpSpPr>
+      <p:pic>
+        <p:nvPicPr>
+          <p:cNvPr id="299" name="Google Shape;299;p31"/>
+          <p:cNvPicPr preferRelativeResize="0"/>
+          <p:nvPr/>
+        </p:nvPicPr>
+        <p:blipFill>
+          <a:blip r:embed="rId3">
+            <a:alphaModFix/>
+          </a:blip>
+          <a:stretch>
+            <a:fillRect/>
+          </a:stretch>
+        </p:blipFill>
+        <p:spPr>
+          <a:xfrm>
+            <a:off x="0" y="743225"/>
+            <a:ext cx="9144003" cy="3944650"/>
+          </a:xfrm>
+          <a:prstGeom prst="rect">
+            <a:avLst/>
+          </a:prstGeom>
+          <a:noFill/>
+          <a:ln>
+            <a:noFill/>
+          </a:ln>
+        </p:spPr>
+      </p:pic>
+      <p:pic>
+        <p:nvPicPr>
+          <p:cNvPr id="300" name="Google Shape;300;p31"/>
+          <p:cNvPicPr preferRelativeResize="0"/>
+          <p:nvPr/>
+        </p:nvPicPr>
+        <p:blipFill>
+          <a:blip r:embed="rId4">
+            <a:alphaModFix/>
+          </a:blip>
+          <a:stretch>
+            <a:fillRect/>
+          </a:stretch>
+        </p:blipFill>
+        <p:spPr>
+          <a:xfrm>
+            <a:off x="76200" y="76191"/>
+            <a:ext cx="1095525" cy="384025"/>
+          </a:xfrm>
+          <a:prstGeom prst="rect">
+            <a:avLst/>
+          </a:prstGeom>
+          <a:noFill/>
+          <a:ln>
+            <a:noFill/>
+          </a:ln>
+        </p:spPr>
+      </p:pic>
+      <p:sp>
+        <p:nvSpPr>
+          <p:cNvPr id="301" name="Google Shape;301;p31"/>
+          <p:cNvSpPr txBox="1"/>
+          <p:nvPr/>
+        </p:nvSpPr>
+        <p:spPr>
+          <a:xfrm>
+            <a:off x="2015500" y="-108125"/>
+            <a:ext cx="5112900" cy="600300"/>
+          </a:xfrm>
+          <a:prstGeom prst="rect">
+            <a:avLst/>
+          </a:prstGeom>
+          <a:noFill/>
+          <a:ln>
+            <a:noFill/>
+          </a:ln>
+        </p:spPr>
+        <p:txBody>
+          <a:bodyPr anchorCtr="0" anchor="t" bIns="91425" lIns="91425" spcFirstLastPara="1" rIns="91425" wrap="square" tIns="91425">
+            <a:spAutoFit/>
+          </a:bodyPr>
+          <a:lstStyle/>
+          <a:p>
+            <a:pPr indent="0" lvl="0" marL="0" rtl="0" algn="ctr">
+              <a:spcBef>
+                <a:spcPts val="0"/>
+              </a:spcBef>
+              <a:spcAft>
+                <a:spcPts val="0"/>
+              </a:spcAft>
+              <a:buNone/>
+            </a:pPr>
+            <a:r>
+              <a:rPr b="1" lang="fr" sz="2700">
+                <a:latin typeface="Calibri"/>
+                <a:ea typeface="Calibri"/>
+                <a:cs typeface="Calibri"/>
+                <a:sym typeface="Calibri"/>
+              </a:rPr>
+              <a:t>Rendez-vous</a:t>
+            </a:r>
+            <a:endParaRPr b="1" sz="2700">
+              <a:latin typeface="Calibri"/>
+              <a:ea typeface="Calibri"/>
+              <a:cs typeface="Calibri"/>
+              <a:sym typeface="Calibri"/>
+            </a:endParaRPr>
+          </a:p>
+        </p:txBody>
+      </p:sp>
+      <p:sp>
+        <p:nvSpPr>
+          <p:cNvPr id="302" name="Google Shape;302;p31"/>
+          <p:cNvSpPr txBox="1"/>
+          <p:nvPr/>
+        </p:nvSpPr>
+        <p:spPr>
+          <a:xfrm>
+            <a:off x="2978850" y="240900"/>
+            <a:ext cx="3186300" cy="400200"/>
+          </a:xfrm>
+          <a:prstGeom prst="rect">
+            <a:avLst/>
+          </a:prstGeom>
+          <a:noFill/>
+          <a:ln>
+            <a:noFill/>
+          </a:ln>
+        </p:spPr>
+        <p:txBody>
+          <a:bodyPr anchorCtr="0" anchor="t" bIns="91425" lIns="91425" spcFirstLastPara="1" rIns="91425" wrap="square" tIns="91425">
+            <a:spAutoFit/>
+          </a:bodyPr>
+          <a:lstStyle/>
+          <a:p>
+            <a:pPr indent="0" lvl="0" marL="0" rtl="0" algn="ctr">
+              <a:spcBef>
+                <a:spcPts val="0"/>
+              </a:spcBef>
+              <a:spcAft>
+                <a:spcPts val="0"/>
+              </a:spcAft>
+              <a:buNone/>
+            </a:pPr>
+            <a:r>
+              <a:rPr lang="fr">
+                <a:latin typeface="Calibri"/>
+                <a:ea typeface="Calibri"/>
+                <a:cs typeface="Calibri"/>
+                <a:sym typeface="Calibri"/>
+              </a:rPr>
+              <a:t>Mise en place d’un planning</a:t>
+            </a:r>
+            <a:endParaRPr>
+              <a:latin typeface="Calibri"/>
+              <a:ea typeface="Calibri"/>
+              <a:cs typeface="Calibri"/>
+              <a:sym typeface="Calibri"/>
+            </a:endParaRPr>
+          </a:p>
+        </p:txBody>
+      </p:sp>
+      <p:sp>
+        <p:nvSpPr>
+          <p:cNvPr id="303" name="Google Shape;303;p31"/>
+          <p:cNvSpPr/>
+          <p:nvPr/>
+        </p:nvSpPr>
+        <p:spPr>
+          <a:xfrm>
+            <a:off x="4966325" y="1665100"/>
+            <a:ext cx="3734100" cy="2253300"/>
+          </a:xfrm>
+          <a:prstGeom prst="roundRect">
+            <a:avLst>
+              <a:gd fmla="val 16667" name="adj"/>
+            </a:avLst>
+          </a:prstGeom>
+          <a:noFill/>
+          <a:ln cap="flat" cmpd="sng" w="9525">
+            <a:solidFill>
+              <a:srgbClr val="C5A073"/>
+            </a:solidFill>
+            <a:prstDash val="solid"/>
+            <a:round/>
+            <a:headEnd len="sm" w="sm" type="none"/>
+            <a:tailEnd len="sm" w="sm" type="none"/>
+          </a:ln>
+        </p:spPr>
+        <p:txBody>
+          <a:bodyPr anchorCtr="0" anchor="ctr" bIns="91425" lIns="91425" spcFirstLastPara="1" rIns="91425" wrap="square" tIns="91425">
+            <a:noAutofit/>
+          </a:bodyPr>
+          <a:lstStyle/>
+          <a:p>
+            <a:pPr indent="0" lvl="0" marL="0" rtl="0" algn="ctr">
+              <a:spcBef>
+                <a:spcPts val="0"/>
+              </a:spcBef>
+              <a:spcAft>
+                <a:spcPts val="0"/>
+              </a:spcAft>
+              <a:buNone/>
+            </a:pPr>
+            <a:r>
+              <a:t/>
+            </a:r>
+            <a:endParaRPr/>
+          </a:p>
+        </p:txBody>
+      </p:sp>
+      <p:sp>
+        <p:nvSpPr>
+          <p:cNvPr id="304" name="Google Shape;304;p31"/>
+          <p:cNvSpPr txBox="1"/>
+          <p:nvPr/>
+        </p:nvSpPr>
+        <p:spPr>
+          <a:xfrm>
+            <a:off x="8616325" y="76200"/>
+            <a:ext cx="473700" cy="461700"/>
+          </a:xfrm>
+          <a:prstGeom prst="rect">
+            <a:avLst/>
+          </a:prstGeom>
+          <a:noFill/>
+          <a:ln>
+            <a:noFill/>
+          </a:ln>
+        </p:spPr>
+        <p:txBody>
+          <a:bodyPr anchorCtr="0" anchor="t" bIns="91425" lIns="91425" spcFirstLastPara="1" rIns="91425" wrap="square" tIns="91425">
+            <a:spAutoFit/>
+          </a:bodyPr>
+          <a:lstStyle/>
+          <a:p>
+            <a:pPr indent="0" lvl="0" marL="0" rtl="0" algn="ctr">
+              <a:spcBef>
+                <a:spcPts val="0"/>
+              </a:spcBef>
+              <a:spcAft>
+                <a:spcPts val="0"/>
+              </a:spcAft>
+              <a:buNone/>
+            </a:pPr>
+            <a:r>
+              <a:rPr lang="fr" sz="1800">
+                <a:solidFill>
+                  <a:schemeClr val="dk1"/>
+                </a:solidFill>
+              </a:rPr>
+              <a:t>17</a:t>
+            </a:r>
+            <a:endParaRPr sz="1800">
+              <a:solidFill>
+                <a:schemeClr val="dk1"/>
+              </a:solidFill>
+            </a:endParaRPr>
+          </a:p>
+        </p:txBody>
+      </p:sp>
+      <p:sp>
+        <p:nvSpPr>
+          <p:cNvPr id="305" name="Google Shape;305;p31"/>
+          <p:cNvSpPr txBox="1"/>
+          <p:nvPr/>
+        </p:nvSpPr>
+        <p:spPr>
+          <a:xfrm>
+            <a:off x="287025" y="1195850"/>
+            <a:ext cx="3892500" cy="1877700"/>
+          </a:xfrm>
+          <a:prstGeom prst="rect">
+            <a:avLst/>
+          </a:prstGeom>
+          <a:noFill/>
+          <a:ln>
+            <a:noFill/>
+          </a:ln>
+        </p:spPr>
+        <p:txBody>
+          <a:bodyPr anchorCtr="0" anchor="t" bIns="91425" lIns="91425" spcFirstLastPara="1" rIns="91425" wrap="square" tIns="91425">
+            <a:spAutoFit/>
+          </a:bodyPr>
+          <a:lstStyle/>
+          <a:p>
+            <a:pPr indent="0" lvl="0" marL="0" rtl="0" algn="l">
+              <a:spcBef>
+                <a:spcPts val="0"/>
+              </a:spcBef>
+              <a:spcAft>
+                <a:spcPts val="0"/>
+              </a:spcAft>
+              <a:buNone/>
+            </a:pPr>
+            <a:r>
+              <a:rPr b="1" lang="fr" sz="3000">
+                <a:latin typeface="Calibri"/>
+                <a:ea typeface="Calibri"/>
+                <a:cs typeface="Calibri"/>
+                <a:sym typeface="Calibri"/>
+              </a:rPr>
+              <a:t>Réunion</a:t>
+            </a:r>
+            <a:br>
+              <a:rPr b="1" lang="fr" sz="2000">
+                <a:latin typeface="Calibri"/>
+                <a:ea typeface="Calibri"/>
+                <a:cs typeface="Calibri"/>
+                <a:sym typeface="Calibri"/>
+              </a:rPr>
+            </a:br>
+            <a:r>
+              <a:rPr b="1" lang="fr" sz="2000">
+                <a:latin typeface="Calibri"/>
+                <a:ea typeface="Calibri"/>
+                <a:cs typeface="Calibri"/>
+                <a:sym typeface="Calibri"/>
+              </a:rPr>
+              <a:t>- </a:t>
+            </a:r>
+            <a:r>
+              <a:rPr b="1" lang="fr" sz="2000">
+                <a:solidFill>
+                  <a:schemeClr val="accent5"/>
+                </a:solidFill>
+                <a:latin typeface="Calibri"/>
+                <a:ea typeface="Calibri"/>
+                <a:cs typeface="Calibri"/>
+                <a:sym typeface="Calibri"/>
+              </a:rPr>
+              <a:t>1 fois par semaine</a:t>
+            </a:r>
+            <a:r>
+              <a:rPr b="1" lang="fr" sz="2000">
+                <a:latin typeface="Calibri"/>
+                <a:ea typeface="Calibri"/>
+                <a:cs typeface="Calibri"/>
+                <a:sym typeface="Calibri"/>
+              </a:rPr>
+              <a:t> en visio</a:t>
+            </a:r>
+            <a:endParaRPr b="1" sz="2000">
+              <a:latin typeface="Calibri"/>
+              <a:ea typeface="Calibri"/>
+              <a:cs typeface="Calibri"/>
+              <a:sym typeface="Calibri"/>
+            </a:endParaRPr>
+          </a:p>
+          <a:p>
+            <a:pPr indent="0" lvl="0" marL="0" rtl="0" algn="l">
+              <a:spcBef>
+                <a:spcPts val="0"/>
+              </a:spcBef>
+              <a:spcAft>
+                <a:spcPts val="0"/>
+              </a:spcAft>
+              <a:buNone/>
+            </a:pPr>
+            <a:r>
+              <a:rPr b="1" lang="fr" sz="2000">
+                <a:latin typeface="Calibri"/>
+                <a:ea typeface="Calibri"/>
+                <a:cs typeface="Calibri"/>
+                <a:sym typeface="Calibri"/>
+              </a:rPr>
+              <a:t>- </a:t>
+            </a:r>
+            <a:r>
+              <a:rPr b="1" lang="fr" sz="2000">
+                <a:solidFill>
+                  <a:schemeClr val="accent5"/>
+                </a:solidFill>
+                <a:latin typeface="Calibri"/>
+                <a:ea typeface="Calibri"/>
+                <a:cs typeface="Calibri"/>
+                <a:sym typeface="Calibri"/>
+              </a:rPr>
+              <a:t>Présentation</a:t>
+            </a:r>
+            <a:r>
+              <a:rPr b="1" lang="fr" sz="2000">
+                <a:latin typeface="Calibri"/>
+                <a:ea typeface="Calibri"/>
+                <a:cs typeface="Calibri"/>
+                <a:sym typeface="Calibri"/>
+              </a:rPr>
+              <a:t> des étapes réalisées</a:t>
+            </a:r>
+            <a:endParaRPr b="1" sz="2000">
+              <a:latin typeface="Calibri"/>
+              <a:ea typeface="Calibri"/>
+              <a:cs typeface="Calibri"/>
+              <a:sym typeface="Calibri"/>
+            </a:endParaRPr>
+          </a:p>
+          <a:p>
+            <a:pPr indent="0" lvl="0" marL="0" rtl="0" algn="l">
+              <a:spcBef>
+                <a:spcPts val="0"/>
+              </a:spcBef>
+              <a:spcAft>
+                <a:spcPts val="0"/>
+              </a:spcAft>
+              <a:buNone/>
+            </a:pPr>
+            <a:r>
+              <a:rPr b="1" lang="fr" sz="2000">
+                <a:latin typeface="Calibri"/>
+                <a:ea typeface="Calibri"/>
+                <a:cs typeface="Calibri"/>
+                <a:sym typeface="Calibri"/>
+              </a:rPr>
+              <a:t>- </a:t>
+            </a:r>
+            <a:r>
+              <a:rPr b="1" lang="fr" sz="2000">
+                <a:solidFill>
+                  <a:schemeClr val="accent5"/>
+                </a:solidFill>
+                <a:latin typeface="Calibri"/>
+                <a:ea typeface="Calibri"/>
+                <a:cs typeface="Calibri"/>
+                <a:sym typeface="Calibri"/>
+              </a:rPr>
+              <a:t>Objectifs</a:t>
+            </a:r>
+            <a:r>
+              <a:rPr b="1" lang="fr" sz="2000">
+                <a:latin typeface="Calibri"/>
+                <a:ea typeface="Calibri"/>
+                <a:cs typeface="Calibri"/>
+                <a:sym typeface="Calibri"/>
+              </a:rPr>
+              <a:t> semaine suivante</a:t>
+            </a:r>
+            <a:endParaRPr b="1" sz="2000">
+              <a:latin typeface="Calibri"/>
+              <a:ea typeface="Calibri"/>
+              <a:cs typeface="Calibri"/>
+              <a:sym typeface="Calibri"/>
+            </a:endParaRPr>
+          </a:p>
+          <a:p>
+            <a:pPr indent="0" lvl="0" marL="0" rtl="0" algn="l">
+              <a:spcBef>
+                <a:spcPts val="0"/>
+              </a:spcBef>
+              <a:spcAft>
+                <a:spcPts val="0"/>
+              </a:spcAft>
+              <a:buNone/>
+            </a:pPr>
+            <a:r>
+              <a:rPr b="1" lang="fr" sz="2000">
+                <a:latin typeface="Calibri"/>
+                <a:ea typeface="Calibri"/>
+                <a:cs typeface="Calibri"/>
+                <a:sym typeface="Calibri"/>
+              </a:rPr>
+              <a:t>- </a:t>
+            </a:r>
+            <a:r>
+              <a:rPr b="1" lang="fr" sz="2000">
+                <a:solidFill>
+                  <a:schemeClr val="accent5"/>
+                </a:solidFill>
+                <a:latin typeface="Calibri"/>
+                <a:ea typeface="Calibri"/>
+                <a:cs typeface="Calibri"/>
+                <a:sym typeface="Calibri"/>
+              </a:rPr>
+              <a:t>Débriefing</a:t>
+            </a:r>
+            <a:r>
+              <a:rPr b="1" lang="fr" sz="2000">
+                <a:latin typeface="Calibri"/>
+                <a:ea typeface="Calibri"/>
+                <a:cs typeface="Calibri"/>
+                <a:sym typeface="Calibri"/>
+              </a:rPr>
+              <a:t> client</a:t>
+            </a:r>
+            <a:endParaRPr b="1" sz="2000">
+              <a:latin typeface="Calibri"/>
+              <a:ea typeface="Calibri"/>
+              <a:cs typeface="Calibri"/>
+              <a:sym typeface="Calibri"/>
+            </a:endParaRPr>
+          </a:p>
+        </p:txBody>
+      </p:sp>
+      <p:sp>
+        <p:nvSpPr>
+          <p:cNvPr id="306" name="Google Shape;306;p31"/>
+          <p:cNvSpPr txBox="1"/>
+          <p:nvPr/>
+        </p:nvSpPr>
+        <p:spPr>
+          <a:xfrm>
+            <a:off x="287025" y="3378350"/>
+            <a:ext cx="3892500" cy="1108200"/>
+          </a:xfrm>
+          <a:prstGeom prst="rect">
+            <a:avLst/>
+          </a:prstGeom>
+          <a:noFill/>
+          <a:ln>
+            <a:noFill/>
+          </a:ln>
+        </p:spPr>
+        <p:txBody>
+          <a:bodyPr anchorCtr="0" anchor="t" bIns="91425" lIns="91425" spcFirstLastPara="1" rIns="91425" wrap="square" tIns="91425">
+            <a:spAutoFit/>
+          </a:bodyPr>
+          <a:lstStyle/>
+          <a:p>
+            <a:pPr indent="0" lvl="0" marL="0" rtl="0" algn="l">
+              <a:spcBef>
+                <a:spcPts val="0"/>
+              </a:spcBef>
+              <a:spcAft>
+                <a:spcPts val="0"/>
+              </a:spcAft>
+              <a:buNone/>
+            </a:pPr>
+            <a:r>
+              <a:rPr b="1" lang="fr" sz="2000">
+                <a:latin typeface="Calibri"/>
+                <a:ea typeface="Calibri"/>
+                <a:cs typeface="Calibri"/>
+                <a:sym typeface="Calibri"/>
+              </a:rPr>
+              <a:t>Les réunions se feront entre :</a:t>
+            </a:r>
+            <a:endParaRPr b="1" sz="2000">
+              <a:latin typeface="Calibri"/>
+              <a:ea typeface="Calibri"/>
+              <a:cs typeface="Calibri"/>
+              <a:sym typeface="Calibri"/>
+            </a:endParaRPr>
+          </a:p>
+          <a:p>
+            <a:pPr indent="0" lvl="0" marL="0" rtl="0" algn="l">
+              <a:spcBef>
+                <a:spcPts val="0"/>
+              </a:spcBef>
+              <a:spcAft>
+                <a:spcPts val="0"/>
+              </a:spcAft>
+              <a:buNone/>
+            </a:pPr>
+            <a:r>
+              <a:rPr b="1" lang="fr" sz="2000">
+                <a:solidFill>
+                  <a:schemeClr val="dk1"/>
+                </a:solidFill>
+                <a:latin typeface="Calibri"/>
+                <a:ea typeface="Calibri"/>
+                <a:cs typeface="Calibri"/>
+                <a:sym typeface="Calibri"/>
+              </a:rPr>
+              <a:t>- </a:t>
+            </a:r>
+            <a:r>
+              <a:rPr b="1" lang="fr" sz="2000">
+                <a:solidFill>
+                  <a:schemeClr val="accent5"/>
+                </a:solidFill>
+                <a:latin typeface="Calibri"/>
+                <a:ea typeface="Calibri"/>
+                <a:cs typeface="Calibri"/>
+                <a:sym typeface="Calibri"/>
+              </a:rPr>
+              <a:t>John</a:t>
+            </a:r>
+            <a:r>
+              <a:rPr b="1" lang="fr" sz="2000">
+                <a:latin typeface="Calibri"/>
+                <a:ea typeface="Calibri"/>
+                <a:cs typeface="Calibri"/>
+                <a:sym typeface="Calibri"/>
+              </a:rPr>
+              <a:t> (Chef de projet)</a:t>
+            </a:r>
+            <a:endParaRPr b="1" sz="2000">
+              <a:latin typeface="Calibri"/>
+              <a:ea typeface="Calibri"/>
+              <a:cs typeface="Calibri"/>
+              <a:sym typeface="Calibri"/>
+            </a:endParaRPr>
+          </a:p>
+          <a:p>
+            <a:pPr indent="0" lvl="0" marL="0" rtl="0" algn="l">
+              <a:spcBef>
+                <a:spcPts val="0"/>
+              </a:spcBef>
+              <a:spcAft>
+                <a:spcPts val="0"/>
+              </a:spcAft>
+              <a:buNone/>
+            </a:pPr>
+            <a:r>
+              <a:rPr b="1" lang="fr" sz="2000">
+                <a:solidFill>
+                  <a:schemeClr val="dk1"/>
+                </a:solidFill>
+                <a:latin typeface="Calibri"/>
+                <a:ea typeface="Calibri"/>
+                <a:cs typeface="Calibri"/>
+                <a:sym typeface="Calibri"/>
+              </a:rPr>
+              <a:t>- </a:t>
+            </a:r>
+            <a:r>
+              <a:rPr b="1" lang="fr" sz="2000">
+                <a:solidFill>
+                  <a:schemeClr val="accent5"/>
+                </a:solidFill>
+                <a:latin typeface="Calibri"/>
+                <a:ea typeface="Calibri"/>
+                <a:cs typeface="Calibri"/>
+                <a:sym typeface="Calibri"/>
+              </a:rPr>
+              <a:t>Soufiane</a:t>
+            </a:r>
+            <a:r>
+              <a:rPr b="1" lang="fr" sz="2000">
+                <a:latin typeface="Calibri"/>
+                <a:ea typeface="Calibri"/>
+                <a:cs typeface="Calibri"/>
+                <a:sym typeface="Calibri"/>
+              </a:rPr>
+              <a:t> (Product Owner)</a:t>
+            </a:r>
+            <a:endParaRPr b="1" sz="2000">
+              <a:latin typeface="Calibri"/>
+              <a:ea typeface="Calibri"/>
+              <a:cs typeface="Calibri"/>
+              <a:sym typeface="Calibri"/>
+            </a:endParaRPr>
+          </a:p>
+        </p:txBody>
+      </p:sp>
+      <p:cxnSp>
+        <p:nvCxnSpPr>
+          <p:cNvPr id="307" name="Google Shape;307;p31"/>
+          <p:cNvCxnSpPr/>
+          <p:nvPr/>
+        </p:nvCxnSpPr>
+        <p:spPr>
+          <a:xfrm>
+            <a:off x="378000" y="3225950"/>
+            <a:ext cx="1263000" cy="0"/>
+          </a:xfrm>
+          <a:prstGeom prst="straightConnector1">
+            <a:avLst/>
+          </a:prstGeom>
+          <a:noFill/>
+          <a:ln cap="flat" cmpd="sng" w="28575">
+            <a:solidFill>
+              <a:schemeClr val="accent5"/>
+            </a:solidFill>
+            <a:prstDash val="solid"/>
+            <a:round/>
+            <a:headEnd len="med" w="med" type="none"/>
+            <a:tailEnd len="med" w="med" type="none"/>
+          </a:ln>
+        </p:spPr>
+      </p:cxnSp>
+      <p:pic>
+        <p:nvPicPr>
+          <p:cNvPr id="308" name="Google Shape;308;p31"/>
+          <p:cNvPicPr preferRelativeResize="0"/>
+          <p:nvPr/>
+        </p:nvPicPr>
+        <p:blipFill rotWithShape="1">
+          <a:blip r:embed="rId5">
+            <a:alphaModFix/>
+          </a:blip>
+          <a:srcRect b="0" l="5620" r="4886" t="0"/>
+          <a:stretch/>
+        </p:blipFill>
+        <p:spPr>
+          <a:xfrm>
+            <a:off x="5042525" y="1588900"/>
+            <a:ext cx="3734100" cy="2253300"/>
+          </a:xfrm>
+          <a:prstGeom prst="roundRect">
+            <a:avLst>
+              <a:gd fmla="val 16667" name="adj"/>
+            </a:avLst>
+          </a:prstGeom>
+          <a:noFill/>
+          <a:ln cap="flat" cmpd="sng" w="9525">
+            <a:solidFill>
+              <a:srgbClr val="C5A073"/>
+            </a:solidFill>
+            <a:prstDash val="solid"/>
+            <a:round/>
+            <a:headEnd len="sm" w="sm" type="none"/>
+            <a:tailEnd len="sm" w="sm" type="none"/>
+          </a:ln>
+        </p:spPr>
+      </p:pic>
+    </p:spTree>
+  </p:cSld>
+  <p:clrMapOvr>
+    <a:masterClrMapping/>
+  </p:clrMapOvr>
+  <p:timing>
+    <p:tnLst>
+      <p:par>
+        <p:cTn dur="indefinite" nodeType="tmRoot" restart="never">
+          <p:childTnLst>
+            <p:seq concurrent="1" nextAc="seek">
+              <p:cTn dur="indefinite" id="2" nodeType="mainSeq">
+                <p:childTnLst>
+                  <p:par>
+                    <p:cTn fill="hold">
+                      <p:stCondLst>
+                        <p:cond delay="indefinite"/>
+                      </p:stCondLst>
+                      <p:childTnLst>
+                        <p:par>
+                          <p:cTn fill="hold">
+                            <p:stCondLst>
+                              <p:cond delay="0"/>
+                            </p:stCondLst>
+                            <p:childTnLst>
+                              <p:par>
+                                <p:cTn fill="hold" nodeType="clickEffect" presetClass="entr" presetID="10" presetSubtype="0">
+                                  <p:stCondLst>
+                                    <p:cond delay="0"/>
+                                  </p:stCondLst>
+                                  <p:childTnLst>
+                                    <p:set>
+                                      <p:cBhvr>
+                                        <p:cTn dur="1" fill="hold">
+                                          <p:stCondLst>
+                                            <p:cond delay="0"/>
+                                          </p:stCondLst>
+                                        </p:cTn>
+                                        <p:tgtEl>
+                                          <p:spTgt spid="303"/>
+                                        </p:tgtEl>
+                                        <p:attrNameLst>
+                                          <p:attrName>style.visibility</p:attrName>
+                                        </p:attrNameLst>
+                                      </p:cBhvr>
+                                      <p:to>
+                                        <p:strVal val="visible"/>
+                                      </p:to>
+                                    </p:set>
+                                    <p:animEffect filter="fade" transition="in">
+                                      <p:cBhvr>
+                                        <p:cTn dur="500"/>
+                                        <p:tgtEl>
+                                          <p:spTgt spid="303"/>
+                                        </p:tgtEl>
+                                      </p:cBhvr>
+                                    </p:animEffect>
+                                  </p:childTnLst>
+                                </p:cTn>
+                              </p:par>
+                              <p:par>
+                                <p:cTn fill="hold" nodeType="withEffect" presetClass="entr" presetID="10" presetSubtype="0">
+                                  <p:stCondLst>
+                                    <p:cond delay="0"/>
+                                  </p:stCondLst>
+                                  <p:childTnLst>
+                                    <p:set>
+                                      <p:cBhvr>
+                                        <p:cTn dur="1" fill="hold">
+                                          <p:stCondLst>
+                                            <p:cond delay="0"/>
+                                          </p:stCondLst>
+                                        </p:cTn>
+                                        <p:tgtEl>
+                                          <p:spTgt spid="305"/>
+                                        </p:tgtEl>
+                                        <p:attrNameLst>
+                                          <p:attrName>style.visibility</p:attrName>
+                                        </p:attrNameLst>
+                                      </p:cBhvr>
+                                      <p:to>
+                                        <p:strVal val="visible"/>
+                                      </p:to>
+                                    </p:set>
+                                    <p:animEffect filter="fade" transition="in">
+                                      <p:cBhvr>
+                                        <p:cTn dur="500"/>
+                                        <p:tgtEl>
+                                          <p:spTgt spid="305"/>
+                                        </p:tgtEl>
+                                      </p:cBhvr>
+                                    </p:animEffect>
+                                  </p:childTnLst>
+                                </p:cTn>
+                              </p:par>
+                              <p:par>
+                                <p:cTn fill="hold" nodeType="withEffect" presetClass="entr" presetID="10" presetSubtype="0">
+                                  <p:stCondLst>
+                                    <p:cond delay="0"/>
+                                  </p:stCondLst>
+                                  <p:childTnLst>
+                                    <p:set>
+                                      <p:cBhvr>
+                                        <p:cTn dur="1" fill="hold">
+                                          <p:stCondLst>
+                                            <p:cond delay="0"/>
+                                          </p:stCondLst>
+                                        </p:cTn>
+                                        <p:tgtEl>
+                                          <p:spTgt spid="308"/>
+                                        </p:tgtEl>
+                                        <p:attrNameLst>
+                                          <p:attrName>style.visibility</p:attrName>
+                                        </p:attrNameLst>
+                                      </p:cBhvr>
+                                      <p:to>
+                                        <p:strVal val="visible"/>
+                                      </p:to>
+                                    </p:set>
+                                    <p:animEffect filter="fade" transition="in">
+                                      <p:cBhvr>
+                                        <p:cTn dur="500"/>
+                                        <p:tgtEl>
+                                          <p:spTgt spid="308"/>
+                                        </p:tgtEl>
+                                      </p:cBhvr>
+                                    </p:animEffect>
+                                  </p:childTnLst>
+                                </p:cTn>
+                              </p:par>
+                            </p:childTnLst>
+                          </p:cTn>
+                        </p:par>
+                      </p:childTnLst>
+                    </p:cTn>
+                  </p:par>
+                  <p:par>
+                    <p:cTn fill="hold">
+                      <p:stCondLst>
+                        <p:cond delay="indefinite"/>
+                      </p:stCondLst>
+                      <p:childTnLst>
+                        <p:par>
+                          <p:cTn fill="hold">
+                            <p:stCondLst>
+                              <p:cond delay="0"/>
+                            </p:stCondLst>
+                            <p:childTnLst>
+                              <p:par>
+                                <p:cTn fill="hold" nodeType="clickEffect" presetClass="entr" presetID="10" presetSubtype="0">
+                                  <p:stCondLst>
+                                    <p:cond delay="0"/>
+                                  </p:stCondLst>
+                                  <p:childTnLst>
+                                    <p:set>
+                                      <p:cBhvr>
+                                        <p:cTn dur="1" fill="hold">
+                                          <p:stCondLst>
+                                            <p:cond delay="0"/>
+                                          </p:stCondLst>
+                                        </p:cTn>
+                                        <p:tgtEl>
+                                          <p:spTgt spid="307"/>
+                                        </p:tgtEl>
+                                        <p:attrNameLst>
+                                          <p:attrName>style.visibility</p:attrName>
+                                        </p:attrNameLst>
+                                      </p:cBhvr>
+                                      <p:to>
+                                        <p:strVal val="visible"/>
+                                      </p:to>
+                                    </p:set>
+                                    <p:animEffect filter="fade" transition="in">
+                                      <p:cBhvr>
+                                        <p:cTn dur="600"/>
+                                        <p:tgtEl>
+                                          <p:spTgt spid="307"/>
+                                        </p:tgtEl>
+                                      </p:cBhvr>
+                                    </p:animEffect>
+                                  </p:childTnLst>
+                                </p:cTn>
+                              </p:par>
+                              <p:par>
+                                <p:cTn fill="hold" nodeType="withEffect" presetClass="entr" presetID="10" presetSubtype="0">
+                                  <p:stCondLst>
+                                    <p:cond delay="0"/>
+                                  </p:stCondLst>
+                                  <p:childTnLst>
+                                    <p:set>
+                                      <p:cBhvr>
+                                        <p:cTn dur="1" fill="hold">
+                                          <p:stCondLst>
+                                            <p:cond delay="0"/>
+                                          </p:stCondLst>
+                                        </p:cTn>
+                                        <p:tgtEl>
+                                          <p:spTgt spid="306"/>
+                                        </p:tgtEl>
+                                        <p:attrNameLst>
+                                          <p:attrName>style.visibility</p:attrName>
+                                        </p:attrNameLst>
+                                      </p:cBhvr>
+                                      <p:to>
+                                        <p:strVal val="visible"/>
+                                      </p:to>
+                                    </p:set>
+                                    <p:animEffect filter="fade" transition="in">
+                                      <p:cBhvr>
+                                        <p:cTn dur="500"/>
+                                        <p:tgtEl>
+                                          <p:spTgt spid="306"/>
+                                        </p:tgtEl>
+                                      </p:cBhvr>
+                                    </p:animEffect>
+                                  </p:childTnLst>
+                                </p:cTn>
+                              </p:par>
+                            </p:childTnLst>
+                          </p:cTn>
+                        </p:par>
+                      </p:childTnLst>
+                    </p:cTn>
+                  </p:par>
+                </p:childTnLst>
+              </p:cTn>
+              <p:prevCondLst>
+                <p:cond evt="onPrev">
+                  <p:tgtEl>
+                    <p:sldTgt/>
+                  </p:tgtEl>
+                </p:cond>
+              </p:prevCondLst>
+              <p:nextCondLst>
+                <p:cond evt="onNext">
+                  <p:tgtEl>
+                    <p:sldTgt/>
+                  </p:tgtEl>
+                </p:cond>
+              </p:nextCondLst>
+            </p:seq>
+          </p:childTnLst>
+        </p:cTn>
+      </p:par>
+    </p:tnLst>
+  </p:timing>
+</p:sld>
+</file>
+
+<file path=ppt/slides/slide2.xml><?xml version="1.0" encoding="utf-8"?>
+<p:sld xmlns:a="http://schemas.openxmlformats.org/drawingml/2006/main" xmlns:r="http://schemas.openxmlformats.org/officeDocument/2006/relationships" xmlns:mc="http://schemas.openxmlformats.org/markup-compatibility/2006" xmlns:mv="urn:schemas-microsoft-com:mac:vml" xmlns:p="http://schemas.openxmlformats.org/presentationml/2006/main" xmlns:c="http://schemas.openxmlformats.org/drawingml/2006/chart" xmlns:dgm="http://schemas.openxmlformats.org/drawingml/2006/diagram" xmlns:o="urn:schemas-microsoft-com:office:office" xmlns:v="urn:schemas-microsoft-com:vml" xmlns:pvml="urn:schemas-microsoft-com:office:powerpoint" xmlns:com="http://schemas.openxmlformats.org/drawingml/2006/compatibility" xmlns:p14="http://schemas.microsoft.com/office/powerpoint/2010/main" xmlns:p15="http://schemas.microsoft.com/office/powerpoint/2012/main" xmlns:ahyp="http://schemas.microsoft.com/office/drawing/2018/hyperlinkcolor">
+  <p:cSld>
+    <p:bg>
+      <p:bgPr>
+        <a:solidFill>
+          <a:srgbClr val="FFF4E8"/>
+        </a:solidFill>
+      </p:bgPr>
+    </p:bg>
+    <p:spTree>
+      <p:nvGrpSpPr>
+        <p:cNvPr id="62" name="Shape 62"/>
+        <p:cNvGrpSpPr/>
+        <p:nvPr/>
+      </p:nvGrpSpPr>
+      <p:grpSpPr>
+        <a:xfrm>
+          <a:off x="0" y="0"/>
+          <a:ext cx="0" cy="0"/>
+          <a:chOff x="0" y="0"/>
+          <a:chExt cx="0" cy="0"/>
+        </a:xfrm>
+      </p:grpSpPr>
+      <p:pic>
+        <p:nvPicPr>
+          <p:cNvPr id="63" name="Google Shape;63;p14"/>
+          <p:cNvPicPr preferRelativeResize="0"/>
+          <p:nvPr/>
+        </p:nvPicPr>
+        <p:blipFill>
+          <a:blip r:embed="rId3">
+            <a:alphaModFix/>
+          </a:blip>
+          <a:stretch>
+            <a:fillRect/>
+          </a:stretch>
+        </p:blipFill>
+        <p:spPr>
+          <a:xfrm>
+            <a:off x="-1498" y="756275"/>
+            <a:ext cx="9144003" cy="3944650"/>
+          </a:xfrm>
+          <a:prstGeom prst="rect">
+            <a:avLst/>
+          </a:prstGeom>
+          <a:noFill/>
+          <a:ln>
+            <a:noFill/>
+          </a:ln>
+        </p:spPr>
+      </p:pic>
+      <p:pic>
+        <p:nvPicPr>
+          <p:cNvPr id="64" name="Google Shape;64;p14"/>
+          <p:cNvPicPr preferRelativeResize="0"/>
+          <p:nvPr/>
+        </p:nvPicPr>
+        <p:blipFill>
+          <a:blip r:embed="rId4">
+            <a:alphaModFix/>
+          </a:blip>
+          <a:stretch>
+            <a:fillRect/>
+          </a:stretch>
+        </p:blipFill>
+        <p:spPr>
+          <a:xfrm>
+            <a:off x="76200" y="76191"/>
+            <a:ext cx="1095525" cy="384025"/>
+          </a:xfrm>
+          <a:prstGeom prst="rect">
+            <a:avLst/>
+          </a:prstGeom>
+          <a:noFill/>
+          <a:ln>
+            <a:noFill/>
+          </a:ln>
+        </p:spPr>
+      </p:pic>
+      <p:sp>
+        <p:nvSpPr>
+          <p:cNvPr id="65" name="Google Shape;65;p14"/>
+          <p:cNvSpPr txBox="1"/>
+          <p:nvPr/>
+        </p:nvSpPr>
+        <p:spPr>
+          <a:xfrm>
+            <a:off x="3165750" y="-108137"/>
+            <a:ext cx="2812500" cy="600300"/>
+          </a:xfrm>
+          <a:prstGeom prst="rect">
+            <a:avLst/>
+          </a:prstGeom>
+          <a:noFill/>
+          <a:ln>
+            <a:noFill/>
+          </a:ln>
+        </p:spPr>
+        <p:txBody>
+          <a:bodyPr anchorCtr="0" anchor="t" bIns="91425" lIns="91425" spcFirstLastPara="1" rIns="91425" wrap="square" tIns="91425">
+            <a:spAutoFit/>
+          </a:bodyPr>
+          <a:lstStyle/>
+          <a:p>
+            <a:pPr indent="0" lvl="0" marL="0" rtl="0" algn="ctr">
+              <a:spcBef>
+                <a:spcPts val="0"/>
+              </a:spcBef>
+              <a:spcAft>
+                <a:spcPts val="0"/>
+              </a:spcAft>
+              <a:buNone/>
+            </a:pPr>
+            <a:r>
+              <a:rPr b="1" lang="fr" sz="2700">
+                <a:latin typeface="Calibri"/>
+                <a:ea typeface="Calibri"/>
+                <a:cs typeface="Calibri"/>
+                <a:sym typeface="Calibri"/>
+              </a:rPr>
+              <a:t>Sommaire</a:t>
+            </a:r>
+            <a:endParaRPr b="1" sz="2700">
+              <a:latin typeface="Calibri"/>
+              <a:ea typeface="Calibri"/>
+              <a:cs typeface="Calibri"/>
+              <a:sym typeface="Calibri"/>
+            </a:endParaRPr>
+          </a:p>
+        </p:txBody>
+      </p:sp>
+      <p:sp>
+        <p:nvSpPr>
+          <p:cNvPr id="66" name="Google Shape;66;p14"/>
+          <p:cNvSpPr txBox="1"/>
+          <p:nvPr/>
+        </p:nvSpPr>
+        <p:spPr>
+          <a:xfrm>
+            <a:off x="1879100" y="1774300"/>
+            <a:ext cx="2234100" cy="2124000"/>
+          </a:xfrm>
+          <a:prstGeom prst="rect">
+            <a:avLst/>
+          </a:prstGeom>
+          <a:noFill/>
+          <a:ln>
+            <a:noFill/>
+          </a:ln>
+        </p:spPr>
+        <p:txBody>
+          <a:bodyPr anchorCtr="0" anchor="t" bIns="91425" lIns="91425" spcFirstLastPara="1" rIns="91425" wrap="square" tIns="91425">
+            <a:spAutoFit/>
+          </a:bodyPr>
+          <a:lstStyle/>
+          <a:p>
+            <a:pPr indent="0" lvl="0" marL="0" rtl="0" algn="l">
+              <a:spcBef>
+                <a:spcPts val="0"/>
+              </a:spcBef>
+              <a:spcAft>
+                <a:spcPts val="0"/>
+              </a:spcAft>
+              <a:buNone/>
+            </a:pPr>
+            <a:r>
+              <a:rPr b="1" lang="fr">
+                <a:solidFill>
+                  <a:schemeClr val="accent5"/>
+                </a:solidFill>
+                <a:latin typeface="Calibri"/>
+                <a:ea typeface="Calibri"/>
+                <a:cs typeface="Calibri"/>
+                <a:sym typeface="Calibri"/>
+              </a:rPr>
+              <a:t>1.</a:t>
+            </a:r>
+            <a:r>
+              <a:rPr b="1" lang="fr">
+                <a:latin typeface="Calibri"/>
+                <a:ea typeface="Calibri"/>
+                <a:cs typeface="Calibri"/>
+                <a:sym typeface="Calibri"/>
+              </a:rPr>
+              <a:t> Le projet</a:t>
+            </a:r>
+            <a:endParaRPr b="1">
+              <a:latin typeface="Calibri"/>
+              <a:ea typeface="Calibri"/>
+              <a:cs typeface="Calibri"/>
+              <a:sym typeface="Calibri"/>
+            </a:endParaRPr>
+          </a:p>
+          <a:p>
+            <a:pPr indent="0" lvl="0" marL="0" rtl="0" algn="l">
+              <a:spcBef>
+                <a:spcPts val="0"/>
+              </a:spcBef>
+              <a:spcAft>
+                <a:spcPts val="0"/>
+              </a:spcAft>
+              <a:buNone/>
+            </a:pPr>
+            <a:r>
+              <a:rPr b="1" lang="fr">
+                <a:solidFill>
+                  <a:schemeClr val="accent5"/>
+                </a:solidFill>
+                <a:latin typeface="Calibri"/>
+                <a:ea typeface="Calibri"/>
+                <a:cs typeface="Calibri"/>
+                <a:sym typeface="Calibri"/>
+              </a:rPr>
+              <a:t>2.</a:t>
+            </a:r>
+            <a:r>
+              <a:rPr b="1" lang="fr">
+                <a:latin typeface="Calibri"/>
+                <a:ea typeface="Calibri"/>
+                <a:cs typeface="Calibri"/>
+                <a:sym typeface="Calibri"/>
+              </a:rPr>
+              <a:t> Les fonctionnalités</a:t>
+            </a:r>
+            <a:endParaRPr b="1">
+              <a:latin typeface="Calibri"/>
+              <a:ea typeface="Calibri"/>
+              <a:cs typeface="Calibri"/>
+              <a:sym typeface="Calibri"/>
+            </a:endParaRPr>
+          </a:p>
+          <a:p>
+            <a:pPr indent="0" lvl="0" marL="0" rtl="0" algn="l">
+              <a:spcBef>
+                <a:spcPts val="0"/>
+              </a:spcBef>
+              <a:spcAft>
+                <a:spcPts val="0"/>
+              </a:spcAft>
+              <a:buNone/>
+            </a:pPr>
+            <a:r>
+              <a:rPr b="1" lang="fr">
+                <a:solidFill>
+                  <a:schemeClr val="accent5"/>
+                </a:solidFill>
+                <a:latin typeface="Calibri"/>
+                <a:ea typeface="Calibri"/>
+                <a:cs typeface="Calibri"/>
+                <a:sym typeface="Calibri"/>
+              </a:rPr>
+              <a:t>3.</a:t>
+            </a:r>
+            <a:r>
+              <a:rPr b="1" lang="fr">
+                <a:latin typeface="Calibri"/>
+                <a:ea typeface="Calibri"/>
+                <a:cs typeface="Calibri"/>
+                <a:sym typeface="Calibri"/>
+              </a:rPr>
+              <a:t> Spécifications techniques</a:t>
+            </a:r>
+            <a:endParaRPr b="1">
+              <a:latin typeface="Calibri"/>
+              <a:ea typeface="Calibri"/>
+              <a:cs typeface="Calibri"/>
+              <a:sym typeface="Calibri"/>
+            </a:endParaRPr>
+          </a:p>
+          <a:p>
+            <a:pPr indent="0" lvl="0" marL="0" rtl="0" algn="l">
+              <a:spcBef>
+                <a:spcPts val="0"/>
+              </a:spcBef>
+              <a:spcAft>
+                <a:spcPts val="0"/>
+              </a:spcAft>
+              <a:buNone/>
+            </a:pPr>
+            <a:r>
+              <a:rPr b="1" lang="fr">
+                <a:solidFill>
+                  <a:schemeClr val="accent5"/>
+                </a:solidFill>
+                <a:latin typeface="Calibri"/>
+                <a:ea typeface="Calibri"/>
+                <a:cs typeface="Calibri"/>
+                <a:sym typeface="Calibri"/>
+              </a:rPr>
+              <a:t>4.</a:t>
+            </a:r>
+            <a:r>
+              <a:rPr b="1" lang="fr">
+                <a:latin typeface="Calibri"/>
+                <a:ea typeface="Calibri"/>
+                <a:cs typeface="Calibri"/>
+                <a:sym typeface="Calibri"/>
+              </a:rPr>
+              <a:t> Choix du Back-end</a:t>
+            </a:r>
+            <a:endParaRPr b="1">
+              <a:latin typeface="Calibri"/>
+              <a:ea typeface="Calibri"/>
+              <a:cs typeface="Calibri"/>
+              <a:sym typeface="Calibri"/>
+            </a:endParaRPr>
+          </a:p>
+          <a:p>
+            <a:pPr indent="0" lvl="0" marL="0" rtl="0" algn="l">
+              <a:spcBef>
+                <a:spcPts val="0"/>
+              </a:spcBef>
+              <a:spcAft>
+                <a:spcPts val="0"/>
+              </a:spcAft>
+              <a:buNone/>
+            </a:pPr>
+            <a:r>
+              <a:rPr b="1" lang="fr">
+                <a:solidFill>
+                  <a:schemeClr val="accent5"/>
+                </a:solidFill>
+                <a:latin typeface="Calibri"/>
+                <a:ea typeface="Calibri"/>
+                <a:cs typeface="Calibri"/>
+                <a:sym typeface="Calibri"/>
+              </a:rPr>
+              <a:t>5.</a:t>
+            </a:r>
+            <a:r>
+              <a:rPr b="1" lang="fr">
+                <a:latin typeface="Calibri"/>
+                <a:ea typeface="Calibri"/>
+                <a:cs typeface="Calibri"/>
+                <a:sym typeface="Calibri"/>
+              </a:rPr>
+              <a:t> Base de donnée</a:t>
+            </a:r>
+            <a:endParaRPr b="1">
+              <a:latin typeface="Calibri"/>
+              <a:ea typeface="Calibri"/>
+              <a:cs typeface="Calibri"/>
+              <a:sym typeface="Calibri"/>
+            </a:endParaRPr>
+          </a:p>
+          <a:p>
+            <a:pPr indent="0" lvl="0" marL="0" rtl="0" algn="l">
+              <a:spcBef>
+                <a:spcPts val="0"/>
+              </a:spcBef>
+              <a:spcAft>
+                <a:spcPts val="0"/>
+              </a:spcAft>
+              <a:buNone/>
+            </a:pPr>
+            <a:r>
+              <a:rPr b="1" lang="fr">
+                <a:solidFill>
+                  <a:schemeClr val="accent5"/>
+                </a:solidFill>
+                <a:latin typeface="Calibri"/>
+                <a:ea typeface="Calibri"/>
+                <a:cs typeface="Calibri"/>
+                <a:sym typeface="Calibri"/>
+              </a:rPr>
+              <a:t>6.</a:t>
+            </a:r>
+            <a:r>
+              <a:rPr b="1" lang="fr">
+                <a:latin typeface="Calibri"/>
+                <a:ea typeface="Calibri"/>
+                <a:cs typeface="Calibri"/>
+                <a:sym typeface="Calibri"/>
+              </a:rPr>
+              <a:t> Langage du Front-end</a:t>
+            </a:r>
+            <a:endParaRPr b="1">
+              <a:latin typeface="Calibri"/>
+              <a:ea typeface="Calibri"/>
+              <a:cs typeface="Calibri"/>
+              <a:sym typeface="Calibri"/>
+            </a:endParaRPr>
+          </a:p>
+          <a:p>
+            <a:pPr indent="0" lvl="0" marL="0" rtl="0" algn="l">
+              <a:spcBef>
+                <a:spcPts val="0"/>
+              </a:spcBef>
+              <a:spcAft>
+                <a:spcPts val="0"/>
+              </a:spcAft>
+              <a:buNone/>
+            </a:pPr>
+            <a:r>
+              <a:rPr b="1" lang="fr">
+                <a:solidFill>
+                  <a:schemeClr val="accent5"/>
+                </a:solidFill>
+                <a:latin typeface="Calibri"/>
+                <a:ea typeface="Calibri"/>
+                <a:cs typeface="Calibri"/>
+                <a:sym typeface="Calibri"/>
+              </a:rPr>
+              <a:t>7.</a:t>
+            </a:r>
+            <a:r>
+              <a:rPr b="1" lang="fr">
+                <a:latin typeface="Calibri"/>
+                <a:ea typeface="Calibri"/>
+                <a:cs typeface="Calibri"/>
+                <a:sym typeface="Calibri"/>
+              </a:rPr>
+              <a:t> Connexion utilisateur</a:t>
+            </a:r>
+            <a:endParaRPr b="1">
+              <a:latin typeface="Calibri"/>
+              <a:ea typeface="Calibri"/>
+              <a:cs typeface="Calibri"/>
+              <a:sym typeface="Calibri"/>
+            </a:endParaRPr>
+          </a:p>
+          <a:p>
+            <a:pPr indent="0" lvl="0" marL="0" rtl="0" algn="l">
+              <a:spcBef>
+                <a:spcPts val="0"/>
+              </a:spcBef>
+              <a:spcAft>
+                <a:spcPts val="0"/>
+              </a:spcAft>
+              <a:buNone/>
+            </a:pPr>
+            <a:r>
+              <a:rPr b="1" lang="fr">
+                <a:solidFill>
+                  <a:schemeClr val="accent5"/>
+                </a:solidFill>
+                <a:latin typeface="Calibri"/>
+                <a:ea typeface="Calibri"/>
+                <a:cs typeface="Calibri"/>
+                <a:sym typeface="Calibri"/>
+              </a:rPr>
+              <a:t>8.</a:t>
+            </a:r>
+            <a:r>
+              <a:rPr b="1" lang="fr">
+                <a:latin typeface="Calibri"/>
+                <a:ea typeface="Calibri"/>
+                <a:cs typeface="Calibri"/>
+                <a:sym typeface="Calibri"/>
+              </a:rPr>
+              <a:t> Mail d’authentification</a:t>
+            </a:r>
+            <a:endParaRPr b="1">
+              <a:latin typeface="Calibri"/>
+              <a:ea typeface="Calibri"/>
+              <a:cs typeface="Calibri"/>
+              <a:sym typeface="Calibri"/>
+            </a:endParaRPr>
+          </a:p>
+          <a:p>
+            <a:pPr indent="0" lvl="0" marL="0" rtl="0" algn="l">
+              <a:spcBef>
+                <a:spcPts val="0"/>
+              </a:spcBef>
+              <a:spcAft>
+                <a:spcPts val="0"/>
+              </a:spcAft>
+              <a:buClr>
+                <a:schemeClr val="dk1"/>
+              </a:buClr>
+              <a:buSzPts val="1100"/>
+              <a:buFont typeface="Arial"/>
+              <a:buNone/>
+            </a:pPr>
+            <a:r>
+              <a:rPr b="1" lang="fr">
+                <a:solidFill>
+                  <a:schemeClr val="accent5"/>
+                </a:solidFill>
+                <a:latin typeface="Calibri"/>
+                <a:ea typeface="Calibri"/>
+                <a:cs typeface="Calibri"/>
+                <a:sym typeface="Calibri"/>
+              </a:rPr>
+              <a:t>9.</a:t>
+            </a:r>
+            <a:r>
+              <a:rPr b="1" lang="fr">
+                <a:solidFill>
+                  <a:schemeClr val="dk1"/>
+                </a:solidFill>
+                <a:latin typeface="Calibri"/>
+                <a:ea typeface="Calibri"/>
+                <a:cs typeface="Calibri"/>
+                <a:sym typeface="Calibri"/>
+              </a:rPr>
+              <a:t> Frameworks</a:t>
+            </a:r>
+            <a:endParaRPr b="1">
+              <a:latin typeface="Calibri"/>
+              <a:ea typeface="Calibri"/>
+              <a:cs typeface="Calibri"/>
+              <a:sym typeface="Calibri"/>
+            </a:endParaRPr>
+          </a:p>
+        </p:txBody>
+      </p:sp>
+      <p:sp>
+        <p:nvSpPr>
+          <p:cNvPr id="67" name="Google Shape;67;p14"/>
+          <p:cNvSpPr txBox="1"/>
+          <p:nvPr/>
+        </p:nvSpPr>
+        <p:spPr>
+          <a:xfrm>
+            <a:off x="5490400" y="1882000"/>
+            <a:ext cx="2092800" cy="1908600"/>
+          </a:xfrm>
+          <a:prstGeom prst="rect">
+            <a:avLst/>
+          </a:prstGeom>
+          <a:noFill/>
+          <a:ln>
+            <a:noFill/>
+          </a:ln>
+        </p:spPr>
+        <p:txBody>
+          <a:bodyPr anchorCtr="0" anchor="t" bIns="91425" lIns="91425" spcFirstLastPara="1" rIns="91425" wrap="square" tIns="91425">
+            <a:spAutoFit/>
+          </a:bodyPr>
+          <a:lstStyle/>
+          <a:p>
+            <a:pPr indent="0" lvl="0" marL="0" rtl="0" algn="l">
+              <a:spcBef>
+                <a:spcPts val="0"/>
+              </a:spcBef>
+              <a:spcAft>
+                <a:spcPts val="0"/>
+              </a:spcAft>
+              <a:buNone/>
+            </a:pPr>
+            <a:r>
+              <a:rPr b="1" lang="fr">
+                <a:solidFill>
+                  <a:schemeClr val="accent5"/>
+                </a:solidFill>
+                <a:latin typeface="Calibri"/>
+                <a:ea typeface="Calibri"/>
+                <a:cs typeface="Calibri"/>
+                <a:sym typeface="Calibri"/>
+              </a:rPr>
+              <a:t>10</a:t>
+            </a:r>
+            <a:r>
+              <a:rPr b="1" lang="fr">
+                <a:solidFill>
+                  <a:schemeClr val="accent5"/>
+                </a:solidFill>
+                <a:latin typeface="Calibri"/>
+                <a:ea typeface="Calibri"/>
+                <a:cs typeface="Calibri"/>
+                <a:sym typeface="Calibri"/>
+              </a:rPr>
+              <a:t>.</a:t>
+            </a:r>
+            <a:r>
+              <a:rPr b="1" lang="fr">
+                <a:latin typeface="Calibri"/>
+                <a:ea typeface="Calibri"/>
+                <a:cs typeface="Calibri"/>
+                <a:sym typeface="Calibri"/>
+              </a:rPr>
+              <a:t> Création de menu</a:t>
+            </a:r>
+            <a:endParaRPr b="1">
+              <a:latin typeface="Calibri"/>
+              <a:ea typeface="Calibri"/>
+              <a:cs typeface="Calibri"/>
+              <a:sym typeface="Calibri"/>
+            </a:endParaRPr>
+          </a:p>
+          <a:p>
+            <a:pPr indent="0" lvl="0" marL="0" rtl="0" algn="l">
+              <a:spcBef>
+                <a:spcPts val="0"/>
+              </a:spcBef>
+              <a:spcAft>
+                <a:spcPts val="0"/>
+              </a:spcAft>
+              <a:buNone/>
+            </a:pPr>
+            <a:r>
+              <a:rPr b="1" lang="fr">
+                <a:solidFill>
+                  <a:schemeClr val="accent5"/>
+                </a:solidFill>
+                <a:latin typeface="Calibri"/>
+                <a:ea typeface="Calibri"/>
+                <a:cs typeface="Calibri"/>
+                <a:sym typeface="Calibri"/>
+              </a:rPr>
+              <a:t>11.</a:t>
+            </a:r>
+            <a:r>
+              <a:rPr b="1" lang="fr">
+                <a:latin typeface="Calibri"/>
+                <a:ea typeface="Calibri"/>
+                <a:cs typeface="Calibri"/>
+                <a:sym typeface="Calibri"/>
+              </a:rPr>
+              <a:t> Modales</a:t>
+            </a:r>
+            <a:endParaRPr b="1">
+              <a:latin typeface="Calibri"/>
+              <a:ea typeface="Calibri"/>
+              <a:cs typeface="Calibri"/>
+              <a:sym typeface="Calibri"/>
+            </a:endParaRPr>
+          </a:p>
+          <a:p>
+            <a:pPr indent="0" lvl="0" marL="0" rtl="0" algn="l">
+              <a:spcBef>
+                <a:spcPts val="0"/>
+              </a:spcBef>
+              <a:spcAft>
+                <a:spcPts val="0"/>
+              </a:spcAft>
+              <a:buNone/>
+            </a:pPr>
+            <a:r>
+              <a:rPr b="1" lang="fr">
+                <a:solidFill>
+                  <a:schemeClr val="accent5"/>
+                </a:solidFill>
+                <a:latin typeface="Calibri"/>
+                <a:ea typeface="Calibri"/>
+                <a:cs typeface="Calibri"/>
+                <a:sym typeface="Calibri"/>
+              </a:rPr>
+              <a:t>12.</a:t>
+            </a:r>
+            <a:r>
+              <a:rPr b="1" lang="fr">
+                <a:latin typeface="Calibri"/>
+                <a:ea typeface="Calibri"/>
+                <a:cs typeface="Calibri"/>
+                <a:sym typeface="Calibri"/>
+              </a:rPr>
+              <a:t> </a:t>
+            </a:r>
+            <a:r>
+              <a:rPr b="1" lang="fr">
+                <a:latin typeface="Calibri"/>
+                <a:ea typeface="Calibri"/>
+                <a:cs typeface="Calibri"/>
+                <a:sym typeface="Calibri"/>
+              </a:rPr>
+              <a:t>Éditeur</a:t>
+            </a:r>
+            <a:r>
+              <a:rPr b="1" lang="fr">
+                <a:latin typeface="Calibri"/>
+                <a:ea typeface="Calibri"/>
+                <a:cs typeface="Calibri"/>
+                <a:sym typeface="Calibri"/>
+              </a:rPr>
+              <a:t> de texte</a:t>
+            </a:r>
+            <a:endParaRPr b="1">
+              <a:latin typeface="Calibri"/>
+              <a:ea typeface="Calibri"/>
+              <a:cs typeface="Calibri"/>
+              <a:sym typeface="Calibri"/>
+            </a:endParaRPr>
+          </a:p>
+          <a:p>
+            <a:pPr indent="0" lvl="0" marL="0" rtl="0" algn="l">
+              <a:spcBef>
+                <a:spcPts val="0"/>
+              </a:spcBef>
+              <a:spcAft>
+                <a:spcPts val="0"/>
+              </a:spcAft>
+              <a:buNone/>
+            </a:pPr>
+            <a:r>
+              <a:rPr b="1" lang="fr">
+                <a:solidFill>
+                  <a:schemeClr val="accent5"/>
+                </a:solidFill>
+                <a:latin typeface="Calibri"/>
+                <a:ea typeface="Calibri"/>
+                <a:cs typeface="Calibri"/>
+                <a:sym typeface="Calibri"/>
+              </a:rPr>
+              <a:t>13.</a:t>
+            </a:r>
+            <a:r>
+              <a:rPr b="1" lang="fr">
+                <a:latin typeface="Calibri"/>
+                <a:ea typeface="Calibri"/>
+                <a:cs typeface="Calibri"/>
+                <a:sym typeface="Calibri"/>
+              </a:rPr>
+              <a:t> PDF</a:t>
+            </a:r>
+            <a:endParaRPr b="1">
+              <a:latin typeface="Calibri"/>
+              <a:ea typeface="Calibri"/>
+              <a:cs typeface="Calibri"/>
+              <a:sym typeface="Calibri"/>
+            </a:endParaRPr>
+          </a:p>
+          <a:p>
+            <a:pPr indent="0" lvl="0" marL="0" rtl="0" algn="l">
+              <a:spcBef>
+                <a:spcPts val="0"/>
+              </a:spcBef>
+              <a:spcAft>
+                <a:spcPts val="0"/>
+              </a:spcAft>
+              <a:buNone/>
+            </a:pPr>
+            <a:r>
+              <a:rPr b="1" lang="fr">
+                <a:solidFill>
+                  <a:schemeClr val="accent5"/>
+                </a:solidFill>
+                <a:latin typeface="Calibri"/>
+                <a:ea typeface="Calibri"/>
+                <a:cs typeface="Calibri"/>
+                <a:sym typeface="Calibri"/>
+              </a:rPr>
+              <a:t>14.</a:t>
+            </a:r>
+            <a:r>
+              <a:rPr b="1" lang="fr">
+                <a:latin typeface="Calibri"/>
+                <a:ea typeface="Calibri"/>
+                <a:cs typeface="Calibri"/>
+                <a:sym typeface="Calibri"/>
+              </a:rPr>
+              <a:t> API Instagram</a:t>
+            </a:r>
+            <a:endParaRPr b="1">
+              <a:latin typeface="Calibri"/>
+              <a:ea typeface="Calibri"/>
+              <a:cs typeface="Calibri"/>
+              <a:sym typeface="Calibri"/>
+            </a:endParaRPr>
+          </a:p>
+          <a:p>
+            <a:pPr indent="0" lvl="0" marL="0" rtl="0" algn="l">
+              <a:spcBef>
+                <a:spcPts val="0"/>
+              </a:spcBef>
+              <a:spcAft>
+                <a:spcPts val="0"/>
+              </a:spcAft>
+              <a:buNone/>
+            </a:pPr>
+            <a:r>
+              <a:rPr b="1" lang="fr">
+                <a:solidFill>
+                  <a:schemeClr val="accent5"/>
+                </a:solidFill>
+                <a:latin typeface="Calibri"/>
+                <a:ea typeface="Calibri"/>
+                <a:cs typeface="Calibri"/>
+                <a:sym typeface="Calibri"/>
+              </a:rPr>
+              <a:t>15.</a:t>
+            </a:r>
+            <a:r>
+              <a:rPr b="1" lang="fr">
+                <a:latin typeface="Calibri"/>
+                <a:ea typeface="Calibri"/>
+                <a:cs typeface="Calibri"/>
+                <a:sym typeface="Calibri"/>
+              </a:rPr>
+              <a:t> API Deliveroo</a:t>
+            </a:r>
+            <a:endParaRPr b="1">
+              <a:latin typeface="Calibri"/>
+              <a:ea typeface="Calibri"/>
+              <a:cs typeface="Calibri"/>
+              <a:sym typeface="Calibri"/>
+            </a:endParaRPr>
+          </a:p>
+          <a:p>
+            <a:pPr indent="0" lvl="0" marL="0" rtl="0" algn="l">
+              <a:spcBef>
+                <a:spcPts val="0"/>
+              </a:spcBef>
+              <a:spcAft>
+                <a:spcPts val="0"/>
+              </a:spcAft>
+              <a:buNone/>
+            </a:pPr>
+            <a:r>
+              <a:rPr b="1" lang="fr">
+                <a:solidFill>
+                  <a:schemeClr val="accent5"/>
+                </a:solidFill>
+                <a:latin typeface="Calibri"/>
+                <a:ea typeface="Calibri"/>
+                <a:cs typeface="Calibri"/>
+                <a:sym typeface="Calibri"/>
+              </a:rPr>
+              <a:t>16. </a:t>
+            </a:r>
+            <a:r>
+              <a:rPr b="1" lang="fr">
+                <a:solidFill>
+                  <a:schemeClr val="dk1"/>
+                </a:solidFill>
+                <a:latin typeface="Calibri"/>
+                <a:ea typeface="Calibri"/>
+                <a:cs typeface="Calibri"/>
+                <a:sym typeface="Calibri"/>
+              </a:rPr>
+              <a:t>Collaboration client</a:t>
+            </a:r>
+            <a:endParaRPr b="1">
+              <a:solidFill>
+                <a:schemeClr val="dk1"/>
+              </a:solidFill>
+              <a:latin typeface="Calibri"/>
+              <a:ea typeface="Calibri"/>
+              <a:cs typeface="Calibri"/>
+              <a:sym typeface="Calibri"/>
+            </a:endParaRPr>
+          </a:p>
+          <a:p>
+            <a:pPr indent="0" lvl="0" marL="0" rtl="0" algn="l">
+              <a:spcBef>
+                <a:spcPts val="0"/>
+              </a:spcBef>
+              <a:spcAft>
+                <a:spcPts val="0"/>
+              </a:spcAft>
+              <a:buNone/>
+            </a:pPr>
+            <a:r>
+              <a:rPr b="1" lang="fr">
+                <a:solidFill>
+                  <a:schemeClr val="accent5"/>
+                </a:solidFill>
+                <a:latin typeface="Calibri"/>
+                <a:ea typeface="Calibri"/>
+                <a:cs typeface="Calibri"/>
+                <a:sym typeface="Calibri"/>
+              </a:rPr>
+              <a:t>17. </a:t>
+            </a:r>
+            <a:r>
+              <a:rPr b="1" lang="fr">
+                <a:solidFill>
+                  <a:schemeClr val="dk1"/>
+                </a:solidFill>
+                <a:latin typeface="Calibri"/>
+                <a:ea typeface="Calibri"/>
+                <a:cs typeface="Calibri"/>
+                <a:sym typeface="Calibri"/>
+              </a:rPr>
+              <a:t>Rendez-vous</a:t>
+            </a:r>
+            <a:endParaRPr b="1">
+              <a:solidFill>
+                <a:schemeClr val="dk1"/>
+              </a:solidFill>
+              <a:latin typeface="Calibri"/>
+              <a:ea typeface="Calibri"/>
+              <a:cs typeface="Calibri"/>
+              <a:sym typeface="Calibri"/>
+            </a:endParaRPr>
+          </a:p>
+        </p:txBody>
+      </p:sp>
+    </p:spTree>
+  </p:cSld>
+  <p:clrMapOvr>
+    <a:masterClrMapping/>
+  </p:clrMapOvr>
+</p:sld>
+</file>
+
+<file path=ppt/slides/slide3.xml><?xml version="1.0" encoding="utf-8"?>
+<p:sld xmlns:a="http://schemas.openxmlformats.org/drawingml/2006/main" xmlns:r="http://schemas.openxmlformats.org/officeDocument/2006/relationships" xmlns:mc="http://schemas.openxmlformats.org/markup-compatibility/2006" xmlns:mv="urn:schemas-microsoft-com:mac:vml" xmlns:p="http://schemas.openxmlformats.org/presentationml/2006/main" xmlns:c="http://schemas.openxmlformats.org/drawingml/2006/chart" xmlns:dgm="http://schemas.openxmlformats.org/drawingml/2006/diagram" xmlns:o="urn:schemas-microsoft-com:office:office" xmlns:v="urn:schemas-microsoft-com:vml" xmlns:pvml="urn:schemas-microsoft-com:office:powerpoint" xmlns:com="http://schemas.openxmlformats.org/drawingml/2006/compatibility" xmlns:p14="http://schemas.microsoft.com/office/powerpoint/2010/main" xmlns:p15="http://schemas.microsoft.com/office/powerpoint/2012/main" xmlns:ahyp="http://schemas.microsoft.com/office/drawing/2018/hyperlinkcolor">
+  <p:cSld>
+    <p:bg>
+      <p:bgPr>
+        <a:solidFill>
+          <a:srgbClr val="FFF4E8"/>
+        </a:solidFill>
+      </p:bgPr>
+    </p:bg>
+    <p:spTree>
+      <p:nvGrpSpPr>
+        <p:cNvPr id="71" name="Shape 71"/>
+        <p:cNvGrpSpPr/>
+        <p:nvPr/>
+      </p:nvGrpSpPr>
+      <p:grpSpPr>
+        <a:xfrm>
+          <a:off x="0" y="0"/>
+          <a:ext cx="0" cy="0"/>
+          <a:chOff x="0" y="0"/>
+          <a:chExt cx="0" cy="0"/>
+        </a:xfrm>
+      </p:grpSpPr>
+      <p:pic>
+        <p:nvPicPr>
+          <p:cNvPr id="72" name="Google Shape;72;p15"/>
+          <p:cNvPicPr preferRelativeResize="0"/>
+          <p:nvPr/>
+        </p:nvPicPr>
+        <p:blipFill>
+          <a:blip r:embed="rId3">
+            <a:alphaModFix/>
+          </a:blip>
+          <a:stretch>
+            <a:fillRect/>
+          </a:stretch>
+        </p:blipFill>
+        <p:spPr>
+          <a:xfrm>
+            <a:off x="0" y="743225"/>
+            <a:ext cx="9144003" cy="3944650"/>
+          </a:xfrm>
+          <a:prstGeom prst="rect">
+            <a:avLst/>
+          </a:prstGeom>
+          <a:noFill/>
+          <a:ln>
+            <a:noFill/>
+          </a:ln>
+        </p:spPr>
+      </p:pic>
+      <p:pic>
+        <p:nvPicPr>
+          <p:cNvPr id="73" name="Google Shape;73;p15"/>
+          <p:cNvPicPr preferRelativeResize="0"/>
+          <p:nvPr/>
+        </p:nvPicPr>
+        <p:blipFill>
+          <a:blip r:embed="rId4">
+            <a:alphaModFix/>
+          </a:blip>
+          <a:stretch>
+            <a:fillRect/>
+          </a:stretch>
+        </p:blipFill>
+        <p:spPr>
+          <a:xfrm>
+            <a:off x="76200" y="76191"/>
+            <a:ext cx="1095525" cy="384025"/>
+          </a:xfrm>
+          <a:prstGeom prst="rect">
+            <a:avLst/>
+          </a:prstGeom>
+          <a:noFill/>
+          <a:ln>
+            <a:noFill/>
+          </a:ln>
+        </p:spPr>
+      </p:pic>
+      <p:sp>
+        <p:nvSpPr>
+          <p:cNvPr id="74" name="Google Shape;74;p15"/>
+          <p:cNvSpPr txBox="1"/>
+          <p:nvPr/>
+        </p:nvSpPr>
+        <p:spPr>
+          <a:xfrm>
+            <a:off x="8675525" y="76200"/>
+            <a:ext cx="355200" cy="461700"/>
+          </a:xfrm>
+          <a:prstGeom prst="rect">
+            <a:avLst/>
+          </a:prstGeom>
+          <a:noFill/>
+          <a:ln>
+            <a:noFill/>
+          </a:ln>
+        </p:spPr>
+        <p:txBody>
+          <a:bodyPr anchorCtr="0" anchor="t" bIns="91425" lIns="91425" spcFirstLastPara="1" rIns="91425" wrap="square" tIns="91425">
+            <a:spAutoFit/>
+          </a:bodyPr>
+          <a:lstStyle/>
+          <a:p>
+            <a:pPr indent="0" lvl="0" marL="0" rtl="0" algn="ctr">
+              <a:spcBef>
+                <a:spcPts val="0"/>
+              </a:spcBef>
+              <a:spcAft>
+                <a:spcPts val="0"/>
+              </a:spcAft>
+              <a:buNone/>
+            </a:pPr>
+            <a:r>
+              <a:rPr lang="fr" sz="1800">
+                <a:solidFill>
+                  <a:schemeClr val="dk1"/>
+                </a:solidFill>
+              </a:rPr>
+              <a:t>1</a:t>
+            </a:r>
+            <a:endParaRPr sz="1800">
+              <a:solidFill>
+                <a:schemeClr val="dk1"/>
+              </a:solidFill>
+            </a:endParaRPr>
+          </a:p>
+        </p:txBody>
+      </p:sp>
+      <p:sp>
+        <p:nvSpPr>
+          <p:cNvPr id="75" name="Google Shape;75;p15"/>
+          <p:cNvSpPr txBox="1"/>
+          <p:nvPr/>
+        </p:nvSpPr>
+        <p:spPr>
+          <a:xfrm>
+            <a:off x="3165750" y="-108137"/>
+            <a:ext cx="2812500" cy="600300"/>
+          </a:xfrm>
+          <a:prstGeom prst="rect">
+            <a:avLst/>
+          </a:prstGeom>
+          <a:noFill/>
+          <a:ln>
+            <a:noFill/>
+          </a:ln>
+        </p:spPr>
+        <p:txBody>
+          <a:bodyPr anchorCtr="0" anchor="t" bIns="91425" lIns="91425" spcFirstLastPara="1" rIns="91425" wrap="square" tIns="91425">
+            <a:spAutoFit/>
+          </a:bodyPr>
+          <a:lstStyle/>
+          <a:p>
+            <a:pPr indent="0" lvl="0" marL="0" rtl="0" algn="ctr">
+              <a:spcBef>
+                <a:spcPts val="0"/>
+              </a:spcBef>
+              <a:spcAft>
+                <a:spcPts val="0"/>
+              </a:spcAft>
+              <a:buNone/>
+            </a:pPr>
+            <a:r>
+              <a:rPr b="1" lang="fr" sz="2700">
+                <a:latin typeface="Calibri"/>
+                <a:ea typeface="Calibri"/>
+                <a:cs typeface="Calibri"/>
+                <a:sym typeface="Calibri"/>
+              </a:rPr>
+              <a:t>Le projet</a:t>
+            </a:r>
+            <a:endParaRPr b="1" sz="2700">
+              <a:latin typeface="Calibri"/>
+              <a:ea typeface="Calibri"/>
+              <a:cs typeface="Calibri"/>
+              <a:sym typeface="Calibri"/>
+            </a:endParaRPr>
+          </a:p>
+        </p:txBody>
+      </p:sp>
+      <p:sp>
+        <p:nvSpPr>
+          <p:cNvPr id="76" name="Google Shape;76;p15"/>
+          <p:cNvSpPr txBox="1"/>
+          <p:nvPr/>
+        </p:nvSpPr>
+        <p:spPr>
+          <a:xfrm>
+            <a:off x="2936050" y="240900"/>
+            <a:ext cx="3271800" cy="400200"/>
+          </a:xfrm>
+          <a:prstGeom prst="rect">
+            <a:avLst/>
+          </a:prstGeom>
+          <a:noFill/>
+          <a:ln>
+            <a:noFill/>
+          </a:ln>
+        </p:spPr>
+        <p:txBody>
+          <a:bodyPr anchorCtr="0" anchor="t" bIns="91425" lIns="91425" spcFirstLastPara="1" rIns="91425" wrap="square" tIns="91425">
+            <a:spAutoFit/>
+          </a:bodyPr>
+          <a:lstStyle/>
+          <a:p>
+            <a:pPr indent="0" lvl="0" marL="0" rtl="0" algn="ctr">
+              <a:spcBef>
+                <a:spcPts val="0"/>
+              </a:spcBef>
+              <a:spcAft>
+                <a:spcPts val="0"/>
+              </a:spcAft>
+              <a:buNone/>
+            </a:pPr>
+            <a:r>
+              <a:rPr lang="fr">
+                <a:latin typeface="Calibri"/>
+                <a:ea typeface="Calibri"/>
+                <a:cs typeface="Calibri"/>
+                <a:sym typeface="Calibri"/>
+              </a:rPr>
+              <a:t>Qu’est-ce que Menu Maker by Qwenta ?</a:t>
+            </a:r>
+            <a:endParaRPr>
+              <a:latin typeface="Calibri"/>
+              <a:ea typeface="Calibri"/>
+              <a:cs typeface="Calibri"/>
+              <a:sym typeface="Calibri"/>
+            </a:endParaRPr>
+          </a:p>
+        </p:txBody>
+      </p:sp>
+      <p:sp>
+        <p:nvSpPr>
+          <p:cNvPr id="77" name="Google Shape;77;p15"/>
+          <p:cNvSpPr txBox="1"/>
+          <p:nvPr/>
+        </p:nvSpPr>
+        <p:spPr>
+          <a:xfrm>
+            <a:off x="1327900" y="849788"/>
+            <a:ext cx="6488100" cy="1077300"/>
+          </a:xfrm>
+          <a:prstGeom prst="rect">
+            <a:avLst/>
+          </a:prstGeom>
+          <a:noFill/>
+          <a:ln>
+            <a:noFill/>
+          </a:ln>
+        </p:spPr>
+        <p:txBody>
+          <a:bodyPr anchorCtr="0" anchor="t" bIns="91425" lIns="91425" spcFirstLastPara="1" rIns="91425" wrap="square" tIns="91425">
+            <a:spAutoFit/>
+          </a:bodyPr>
+          <a:lstStyle/>
+          <a:p>
+            <a:pPr indent="0" lvl="0" marL="0" rtl="0" algn="ctr">
+              <a:spcBef>
+                <a:spcPts val="0"/>
+              </a:spcBef>
+              <a:spcAft>
+                <a:spcPts val="0"/>
+              </a:spcAft>
+              <a:buNone/>
+            </a:pPr>
+            <a:r>
+              <a:rPr b="1" lang="fr" sz="2600">
+                <a:latin typeface="Calibri"/>
+                <a:ea typeface="Calibri"/>
+                <a:cs typeface="Calibri"/>
+                <a:sym typeface="Calibri"/>
+              </a:rPr>
+              <a:t>Menu Maker</a:t>
+            </a:r>
+            <a:endParaRPr b="1" sz="2600">
+              <a:latin typeface="Calibri"/>
+              <a:ea typeface="Calibri"/>
+              <a:cs typeface="Calibri"/>
+              <a:sym typeface="Calibri"/>
+            </a:endParaRPr>
+          </a:p>
+          <a:p>
+            <a:pPr indent="0" lvl="0" marL="0" rtl="0" algn="ctr">
+              <a:spcBef>
+                <a:spcPts val="0"/>
+              </a:spcBef>
+              <a:spcAft>
+                <a:spcPts val="0"/>
+              </a:spcAft>
+              <a:buNone/>
+            </a:pPr>
+            <a:r>
+              <a:rPr b="1" lang="fr" sz="1600">
+                <a:latin typeface="Calibri"/>
+                <a:ea typeface="Calibri"/>
+                <a:cs typeface="Calibri"/>
+                <a:sym typeface="Calibri"/>
+              </a:rPr>
+              <a:t>Est une interface sur laquelle les restaurateurs peuvent se connecter pour créer leurs menus à diffuser en ligne ou à imprimer.</a:t>
+            </a:r>
+            <a:endParaRPr b="1" sz="1600">
+              <a:latin typeface="Calibri"/>
+              <a:ea typeface="Calibri"/>
+              <a:cs typeface="Calibri"/>
+              <a:sym typeface="Calibri"/>
+            </a:endParaRPr>
+          </a:p>
+        </p:txBody>
+      </p:sp>
+      <p:sp>
+        <p:nvSpPr>
+          <p:cNvPr id="78" name="Google Shape;78;p15"/>
+          <p:cNvSpPr/>
+          <p:nvPr/>
+        </p:nvSpPr>
+        <p:spPr>
+          <a:xfrm>
+            <a:off x="2119600" y="2211975"/>
+            <a:ext cx="4828500" cy="2399700"/>
+          </a:xfrm>
+          <a:prstGeom prst="roundRect">
+            <a:avLst>
+              <a:gd fmla="val 16667" name="adj"/>
+            </a:avLst>
+          </a:prstGeom>
+          <a:noFill/>
+          <a:ln cap="flat" cmpd="sng" w="9525">
+            <a:solidFill>
+              <a:srgbClr val="C5A073"/>
+            </a:solidFill>
+            <a:prstDash val="solid"/>
+            <a:round/>
+            <a:headEnd len="sm" w="sm" type="none"/>
+            <a:tailEnd len="sm" w="sm" type="none"/>
+          </a:ln>
+        </p:spPr>
+        <p:txBody>
+          <a:bodyPr anchorCtr="0" anchor="ctr" bIns="91425" lIns="91425" spcFirstLastPara="1" rIns="91425" wrap="square" tIns="91425">
+            <a:noAutofit/>
+          </a:bodyPr>
+          <a:lstStyle/>
+          <a:p>
+            <a:pPr indent="0" lvl="0" marL="0" rtl="0" algn="ctr">
+              <a:spcBef>
+                <a:spcPts val="0"/>
+              </a:spcBef>
+              <a:spcAft>
+                <a:spcPts val="0"/>
+              </a:spcAft>
+              <a:buNone/>
+            </a:pPr>
+            <a:r>
+              <a:t/>
+            </a:r>
+            <a:endParaRPr/>
+          </a:p>
+        </p:txBody>
+      </p:sp>
+      <p:pic>
+        <p:nvPicPr>
+          <p:cNvPr id="79" name="Google Shape;79;p15"/>
+          <p:cNvPicPr preferRelativeResize="0"/>
+          <p:nvPr/>
+        </p:nvPicPr>
+        <p:blipFill rotWithShape="1">
+          <a:blip r:embed="rId5">
+            <a:alphaModFix/>
+          </a:blip>
+          <a:srcRect b="8479" l="0" r="0" t="2171"/>
+          <a:stretch/>
+        </p:blipFill>
+        <p:spPr>
+          <a:xfrm>
+            <a:off x="2195800" y="2135775"/>
+            <a:ext cx="4828500" cy="2399700"/>
+          </a:xfrm>
+          <a:prstGeom prst="roundRect">
+            <a:avLst>
+              <a:gd fmla="val 16667" name="adj"/>
+            </a:avLst>
+          </a:prstGeom>
+          <a:noFill/>
+          <a:ln cap="flat" cmpd="sng" w="9525">
+            <a:solidFill>
+              <a:srgbClr val="C5A073"/>
+            </a:solidFill>
+            <a:prstDash val="solid"/>
+            <a:round/>
+            <a:headEnd len="sm" w="sm" type="none"/>
+            <a:tailEnd len="sm" w="sm" type="none"/>
+          </a:ln>
+        </p:spPr>
+      </p:pic>
+    </p:spTree>
+  </p:cSld>
+  <p:clrMapOvr>
+    <a:masterClrMapping/>
+  </p:clrMapOvr>
+</p:sld>
+</file>
+
+<file path=ppt/slides/slide4.xml><?xml version="1.0" encoding="utf-8"?>
+<p:sld xmlns:a="http://schemas.openxmlformats.org/drawingml/2006/main" xmlns:r="http://schemas.openxmlformats.org/officeDocument/2006/relationships" xmlns:mc="http://schemas.openxmlformats.org/markup-compatibility/2006" xmlns:mv="urn:schemas-microsoft-com:mac:vml" xmlns:p="http://schemas.openxmlformats.org/presentationml/2006/main" xmlns:c="http://schemas.openxmlformats.org/drawingml/2006/chart" xmlns:dgm="http://schemas.openxmlformats.org/drawingml/2006/diagram" xmlns:o="urn:schemas-microsoft-com:office:office" xmlns:v="urn:schemas-microsoft-com:vml" xmlns:pvml="urn:schemas-microsoft-com:office:powerpoint" xmlns:com="http://schemas.openxmlformats.org/drawingml/2006/compatibility" xmlns:p14="http://schemas.microsoft.com/office/powerpoint/2010/main" xmlns:p15="http://schemas.microsoft.com/office/powerpoint/2012/main" xmlns:ahyp="http://schemas.microsoft.com/office/drawing/2018/hyperlinkcolor">
+  <p:cSld>
+    <p:bg>
+      <p:bgPr>
+        <a:solidFill>
+          <a:srgbClr val="FFF4E8"/>
+        </a:solidFill>
+      </p:bgPr>
+    </p:bg>
+    <p:spTree>
+      <p:nvGrpSpPr>
+        <p:cNvPr id="83" name="Shape 83"/>
+        <p:cNvGrpSpPr/>
+        <p:nvPr/>
+      </p:nvGrpSpPr>
+      <p:grpSpPr>
+        <a:xfrm>
+          <a:off x="0" y="0"/>
+          <a:ext cx="0" cy="0"/>
+          <a:chOff x="0" y="0"/>
+          <a:chExt cx="0" cy="0"/>
+        </a:xfrm>
+      </p:grpSpPr>
+      <p:pic>
+        <p:nvPicPr>
+          <p:cNvPr id="84" name="Google Shape;84;p16"/>
+          <p:cNvPicPr preferRelativeResize="0"/>
+          <p:nvPr/>
+        </p:nvPicPr>
+        <p:blipFill>
+          <a:blip r:embed="rId3">
+            <a:alphaModFix/>
+          </a:blip>
+          <a:stretch>
+            <a:fillRect/>
+          </a:stretch>
+        </p:blipFill>
+        <p:spPr>
+          <a:xfrm>
+            <a:off x="0" y="743225"/>
+            <a:ext cx="9144003" cy="3944650"/>
+          </a:xfrm>
+          <a:prstGeom prst="rect">
+            <a:avLst/>
+          </a:prstGeom>
+          <a:noFill/>
+          <a:ln>
+            <a:noFill/>
+          </a:ln>
+        </p:spPr>
+      </p:pic>
+      <p:pic>
+        <p:nvPicPr>
+          <p:cNvPr id="85" name="Google Shape;85;p16"/>
+          <p:cNvPicPr preferRelativeResize="0"/>
+          <p:nvPr/>
+        </p:nvPicPr>
+        <p:blipFill>
+          <a:blip r:embed="rId4">
+            <a:alphaModFix/>
+          </a:blip>
+          <a:stretch>
+            <a:fillRect/>
+          </a:stretch>
+        </p:blipFill>
+        <p:spPr>
+          <a:xfrm>
+            <a:off x="76200" y="76191"/>
+            <a:ext cx="1095525" cy="384025"/>
+          </a:xfrm>
+          <a:prstGeom prst="rect">
+            <a:avLst/>
+          </a:prstGeom>
+          <a:noFill/>
+          <a:ln>
+            <a:noFill/>
+          </a:ln>
+        </p:spPr>
+      </p:pic>
+      <p:sp>
+        <p:nvSpPr>
+          <p:cNvPr id="86" name="Google Shape;86;p16"/>
+          <p:cNvSpPr txBox="1"/>
+          <p:nvPr/>
+        </p:nvSpPr>
+        <p:spPr>
+          <a:xfrm>
+            <a:off x="8675525" y="76200"/>
+            <a:ext cx="355200" cy="461700"/>
+          </a:xfrm>
+          <a:prstGeom prst="rect">
+            <a:avLst/>
+          </a:prstGeom>
+          <a:noFill/>
+          <a:ln>
+            <a:noFill/>
+          </a:ln>
+        </p:spPr>
+        <p:txBody>
+          <a:bodyPr anchorCtr="0" anchor="t" bIns="91425" lIns="91425" spcFirstLastPara="1" rIns="91425" wrap="square" tIns="91425">
+            <a:spAutoFit/>
+          </a:bodyPr>
+          <a:lstStyle/>
+          <a:p>
+            <a:pPr indent="0" lvl="0" marL="0" rtl="0" algn="ctr">
+              <a:spcBef>
+                <a:spcPts val="0"/>
+              </a:spcBef>
+              <a:spcAft>
+                <a:spcPts val="0"/>
+              </a:spcAft>
+              <a:buNone/>
+            </a:pPr>
+            <a:r>
+              <a:rPr lang="fr" sz="1800">
+                <a:solidFill>
+                  <a:schemeClr val="dk1"/>
+                </a:solidFill>
+              </a:rPr>
+              <a:t>2</a:t>
+            </a:r>
+            <a:endParaRPr sz="1800">
+              <a:solidFill>
+                <a:schemeClr val="dk1"/>
+              </a:solidFill>
+            </a:endParaRPr>
+          </a:p>
+        </p:txBody>
+      </p:sp>
+      <p:sp>
+        <p:nvSpPr>
+          <p:cNvPr id="87" name="Google Shape;87;p16"/>
+          <p:cNvSpPr txBox="1"/>
+          <p:nvPr/>
+        </p:nvSpPr>
+        <p:spPr>
+          <a:xfrm>
+            <a:off x="3083675" y="-108125"/>
+            <a:ext cx="2976600" cy="600300"/>
+          </a:xfrm>
+          <a:prstGeom prst="rect">
+            <a:avLst/>
+          </a:prstGeom>
+          <a:noFill/>
+          <a:ln>
+            <a:noFill/>
+          </a:ln>
+        </p:spPr>
+        <p:txBody>
+          <a:bodyPr anchorCtr="0" anchor="t" bIns="91425" lIns="91425" spcFirstLastPara="1" rIns="91425" wrap="square" tIns="91425">
+            <a:spAutoFit/>
+          </a:bodyPr>
+          <a:lstStyle/>
+          <a:p>
+            <a:pPr indent="0" lvl="0" marL="0" rtl="0" algn="ctr">
+              <a:spcBef>
+                <a:spcPts val="0"/>
+              </a:spcBef>
+              <a:spcAft>
+                <a:spcPts val="0"/>
+              </a:spcAft>
+              <a:buNone/>
+            </a:pPr>
+            <a:r>
+              <a:rPr b="1" lang="fr" sz="2700">
+                <a:latin typeface="Calibri"/>
+                <a:ea typeface="Calibri"/>
+                <a:cs typeface="Calibri"/>
+                <a:sym typeface="Calibri"/>
+              </a:rPr>
+              <a:t>Les fonctionnalités</a:t>
+            </a:r>
+            <a:endParaRPr b="1" sz="2700">
+              <a:latin typeface="Calibri"/>
+              <a:ea typeface="Calibri"/>
+              <a:cs typeface="Calibri"/>
+              <a:sym typeface="Calibri"/>
+            </a:endParaRPr>
+          </a:p>
+        </p:txBody>
+      </p:sp>
+      <p:sp>
+        <p:nvSpPr>
+          <p:cNvPr id="88" name="Google Shape;88;p16"/>
+          <p:cNvSpPr txBox="1"/>
+          <p:nvPr/>
+        </p:nvSpPr>
+        <p:spPr>
+          <a:xfrm>
+            <a:off x="2858275" y="240900"/>
+            <a:ext cx="3427500" cy="400200"/>
+          </a:xfrm>
+          <a:prstGeom prst="rect">
+            <a:avLst/>
+          </a:prstGeom>
+          <a:noFill/>
+          <a:ln>
+            <a:noFill/>
+          </a:ln>
+        </p:spPr>
+        <p:txBody>
+          <a:bodyPr anchorCtr="0" anchor="t" bIns="91425" lIns="91425" spcFirstLastPara="1" rIns="91425" wrap="square" tIns="91425">
+            <a:spAutoFit/>
+          </a:bodyPr>
+          <a:lstStyle/>
+          <a:p>
+            <a:pPr indent="0" lvl="0" marL="0" rtl="0" algn="ctr">
+              <a:spcBef>
+                <a:spcPts val="0"/>
+              </a:spcBef>
+              <a:spcAft>
+                <a:spcPts val="0"/>
+              </a:spcAft>
+              <a:buNone/>
+            </a:pPr>
+            <a:r>
+              <a:rPr lang="fr">
+                <a:latin typeface="Calibri"/>
+                <a:ea typeface="Calibri"/>
+                <a:cs typeface="Calibri"/>
+                <a:sym typeface="Calibri"/>
+              </a:rPr>
+              <a:t>Que pourra faire le restaurateur sur le site ?</a:t>
+            </a:r>
+            <a:endParaRPr>
+              <a:latin typeface="Calibri"/>
+              <a:ea typeface="Calibri"/>
+              <a:cs typeface="Calibri"/>
+              <a:sym typeface="Calibri"/>
+            </a:endParaRPr>
+          </a:p>
+        </p:txBody>
+      </p:sp>
+      <p:sp>
+        <p:nvSpPr>
+          <p:cNvPr id="89" name="Google Shape;89;p16"/>
+          <p:cNvSpPr txBox="1"/>
+          <p:nvPr/>
+        </p:nvSpPr>
+        <p:spPr>
+          <a:xfrm>
+            <a:off x="0" y="1508425"/>
+            <a:ext cx="3030300" cy="615600"/>
+          </a:xfrm>
+          <a:prstGeom prst="rect">
+            <a:avLst/>
+          </a:prstGeom>
+          <a:noFill/>
+          <a:ln>
+            <a:noFill/>
+          </a:ln>
+        </p:spPr>
+        <p:txBody>
+          <a:bodyPr anchorCtr="0" anchor="t" bIns="91425" lIns="91425" spcFirstLastPara="1" rIns="91425" wrap="square" tIns="91425">
+            <a:spAutoFit/>
+          </a:bodyPr>
+          <a:lstStyle/>
+          <a:p>
+            <a:pPr indent="-406400" lvl="0" marL="457200" rtl="0" algn="l">
+              <a:spcBef>
+                <a:spcPts val="0"/>
+              </a:spcBef>
+              <a:spcAft>
+                <a:spcPts val="0"/>
+              </a:spcAft>
+              <a:buClr>
+                <a:schemeClr val="dk1"/>
+              </a:buClr>
+              <a:buSzPts val="2800"/>
+              <a:buFont typeface="Calibri"/>
+              <a:buChar char="-"/>
+            </a:pPr>
+            <a:r>
+              <a:rPr b="1" lang="fr" sz="2800">
+                <a:solidFill>
+                  <a:schemeClr val="dk1"/>
+                </a:solidFill>
+                <a:latin typeface="Calibri"/>
+                <a:ea typeface="Calibri"/>
+                <a:cs typeface="Calibri"/>
+                <a:sym typeface="Calibri"/>
+              </a:rPr>
+              <a:t>Créer un menu</a:t>
+            </a:r>
+            <a:endParaRPr sz="2600">
+              <a:solidFill>
+                <a:schemeClr val="dk2"/>
+              </a:solidFill>
+            </a:endParaRPr>
+          </a:p>
+        </p:txBody>
+      </p:sp>
+      <p:sp>
+        <p:nvSpPr>
+          <p:cNvPr id="90" name="Google Shape;90;p16"/>
+          <p:cNvSpPr/>
+          <p:nvPr/>
+        </p:nvSpPr>
+        <p:spPr>
+          <a:xfrm>
+            <a:off x="4572000" y="1368325"/>
+            <a:ext cx="4075500" cy="2895000"/>
+          </a:xfrm>
+          <a:prstGeom prst="roundRect">
+            <a:avLst>
+              <a:gd fmla="val 16667" name="adj"/>
+            </a:avLst>
+          </a:prstGeom>
+          <a:noFill/>
+          <a:ln cap="flat" cmpd="sng" w="9525">
+            <a:solidFill>
+              <a:srgbClr val="C5A073"/>
+            </a:solidFill>
+            <a:prstDash val="solid"/>
+            <a:round/>
+            <a:headEnd len="sm" w="sm" type="none"/>
+            <a:tailEnd len="sm" w="sm" type="none"/>
+          </a:ln>
+        </p:spPr>
+        <p:txBody>
+          <a:bodyPr anchorCtr="0" anchor="ctr" bIns="91425" lIns="91425" spcFirstLastPara="1" rIns="91425" wrap="square" tIns="91425">
+            <a:noAutofit/>
+          </a:bodyPr>
+          <a:lstStyle/>
+          <a:p>
+            <a:pPr indent="0" lvl="0" marL="0" rtl="0" algn="ctr">
+              <a:spcBef>
+                <a:spcPts val="0"/>
+              </a:spcBef>
+              <a:spcAft>
+                <a:spcPts val="0"/>
+              </a:spcAft>
+              <a:buNone/>
+            </a:pPr>
+            <a:r>
+              <a:t/>
+            </a:r>
+            <a:endParaRPr/>
+          </a:p>
+        </p:txBody>
+      </p:sp>
+      <p:pic>
+        <p:nvPicPr>
+          <p:cNvPr id="91" name="Google Shape;91;p16"/>
+          <p:cNvPicPr preferRelativeResize="0"/>
+          <p:nvPr/>
+        </p:nvPicPr>
+        <p:blipFill>
+          <a:blip r:embed="rId5">
+            <a:alphaModFix/>
+          </a:blip>
+          <a:stretch>
+            <a:fillRect/>
+          </a:stretch>
+        </p:blipFill>
+        <p:spPr>
+          <a:xfrm>
+            <a:off x="4648200" y="1292125"/>
+            <a:ext cx="4075500" cy="2895000"/>
+          </a:xfrm>
+          <a:prstGeom prst="roundRect">
+            <a:avLst>
+              <a:gd fmla="val 16667" name="adj"/>
+            </a:avLst>
+          </a:prstGeom>
+          <a:noFill/>
+          <a:ln cap="flat" cmpd="sng" w="9525">
+            <a:solidFill>
+              <a:srgbClr val="C5A073"/>
+            </a:solidFill>
+            <a:prstDash val="solid"/>
+            <a:round/>
+            <a:headEnd len="sm" w="sm" type="none"/>
+            <a:tailEnd len="sm" w="sm" type="none"/>
+          </a:ln>
+        </p:spPr>
+      </p:pic>
+      <p:sp>
+        <p:nvSpPr>
+          <p:cNvPr id="92" name="Google Shape;92;p16"/>
+          <p:cNvSpPr txBox="1"/>
+          <p:nvPr/>
+        </p:nvSpPr>
+        <p:spPr>
+          <a:xfrm>
+            <a:off x="0" y="2124025"/>
+            <a:ext cx="4350900" cy="615600"/>
+          </a:xfrm>
+          <a:prstGeom prst="rect">
+            <a:avLst/>
+          </a:prstGeom>
+          <a:noFill/>
+          <a:ln>
+            <a:noFill/>
+          </a:ln>
+        </p:spPr>
+        <p:txBody>
+          <a:bodyPr anchorCtr="0" anchor="t" bIns="91425" lIns="91425" spcFirstLastPara="1" rIns="91425" wrap="square" tIns="91425">
+            <a:spAutoFit/>
+          </a:bodyPr>
+          <a:lstStyle/>
+          <a:p>
+            <a:pPr indent="-406400" lvl="0" marL="457200" rtl="0" algn="l">
+              <a:spcBef>
+                <a:spcPts val="0"/>
+              </a:spcBef>
+              <a:spcAft>
+                <a:spcPts val="0"/>
+              </a:spcAft>
+              <a:buClr>
+                <a:schemeClr val="dk1"/>
+              </a:buClr>
+              <a:buSzPts val="2800"/>
+              <a:buFont typeface="Calibri"/>
+              <a:buChar char="-"/>
+            </a:pPr>
+            <a:r>
+              <a:rPr b="1" lang="fr" sz="2800">
+                <a:solidFill>
+                  <a:schemeClr val="dk1"/>
+                </a:solidFill>
+                <a:latin typeface="Calibri"/>
+                <a:ea typeface="Calibri"/>
+                <a:cs typeface="Calibri"/>
+                <a:sym typeface="Calibri"/>
+              </a:rPr>
+              <a:t>Personnaliser un menu</a:t>
+            </a:r>
+            <a:endParaRPr sz="2600">
+              <a:solidFill>
+                <a:schemeClr val="dk2"/>
+              </a:solidFill>
+            </a:endParaRPr>
+          </a:p>
+        </p:txBody>
+      </p:sp>
+      <p:sp>
+        <p:nvSpPr>
+          <p:cNvPr id="93" name="Google Shape;93;p16"/>
+          <p:cNvSpPr txBox="1"/>
+          <p:nvPr/>
+        </p:nvSpPr>
+        <p:spPr>
+          <a:xfrm>
+            <a:off x="0" y="2739625"/>
+            <a:ext cx="4350900" cy="615600"/>
+          </a:xfrm>
+          <a:prstGeom prst="rect">
+            <a:avLst/>
+          </a:prstGeom>
+          <a:noFill/>
+          <a:ln>
+            <a:noFill/>
+          </a:ln>
+        </p:spPr>
+        <p:txBody>
+          <a:bodyPr anchorCtr="0" anchor="t" bIns="91425" lIns="91425" spcFirstLastPara="1" rIns="91425" wrap="square" tIns="91425">
+            <a:spAutoFit/>
+          </a:bodyPr>
+          <a:lstStyle/>
+          <a:p>
+            <a:pPr indent="-406400" lvl="0" marL="457200" rtl="0" algn="l">
+              <a:spcBef>
+                <a:spcPts val="0"/>
+              </a:spcBef>
+              <a:spcAft>
+                <a:spcPts val="0"/>
+              </a:spcAft>
+              <a:buClr>
+                <a:schemeClr val="dk1"/>
+              </a:buClr>
+              <a:buSzPts val="2800"/>
+              <a:buFont typeface="Calibri"/>
+              <a:buChar char="-"/>
+            </a:pPr>
+            <a:r>
+              <a:rPr b="1" lang="fr" sz="2800">
+                <a:solidFill>
+                  <a:schemeClr val="dk1"/>
+                </a:solidFill>
+                <a:latin typeface="Calibri"/>
+                <a:ea typeface="Calibri"/>
+                <a:cs typeface="Calibri"/>
+                <a:sym typeface="Calibri"/>
+              </a:rPr>
+              <a:t>Diffuser un menu</a:t>
+            </a:r>
+            <a:endParaRPr sz="2600">
+              <a:solidFill>
+                <a:schemeClr val="dk2"/>
+              </a:solidFill>
+            </a:endParaRPr>
+          </a:p>
+        </p:txBody>
+      </p:sp>
+      <p:sp>
+        <p:nvSpPr>
+          <p:cNvPr id="94" name="Google Shape;94;p16"/>
+          <p:cNvSpPr txBox="1"/>
+          <p:nvPr/>
+        </p:nvSpPr>
+        <p:spPr>
+          <a:xfrm>
+            <a:off x="0" y="3355225"/>
+            <a:ext cx="4350900" cy="615600"/>
+          </a:xfrm>
+          <a:prstGeom prst="rect">
+            <a:avLst/>
+          </a:prstGeom>
+          <a:noFill/>
+          <a:ln>
+            <a:noFill/>
+          </a:ln>
+        </p:spPr>
+        <p:txBody>
+          <a:bodyPr anchorCtr="0" anchor="t" bIns="91425" lIns="91425" spcFirstLastPara="1" rIns="91425" wrap="square" tIns="91425">
+            <a:spAutoFit/>
+          </a:bodyPr>
+          <a:lstStyle/>
+          <a:p>
+            <a:pPr indent="-406400" lvl="0" marL="457200" rtl="0" algn="l">
+              <a:spcBef>
+                <a:spcPts val="0"/>
+              </a:spcBef>
+              <a:spcAft>
+                <a:spcPts val="0"/>
+              </a:spcAft>
+              <a:buClr>
+                <a:schemeClr val="dk1"/>
+              </a:buClr>
+              <a:buSzPts val="2800"/>
+              <a:buFont typeface="Calibri"/>
+              <a:buChar char="-"/>
+            </a:pPr>
+            <a:r>
+              <a:rPr b="1" lang="fr" sz="2800">
+                <a:solidFill>
+                  <a:schemeClr val="dk1"/>
+                </a:solidFill>
+                <a:latin typeface="Calibri"/>
+                <a:ea typeface="Calibri"/>
+                <a:cs typeface="Calibri"/>
+                <a:sym typeface="Calibri"/>
+              </a:rPr>
+              <a:t>Imprimer un menu</a:t>
+            </a:r>
+            <a:endParaRPr sz="2600">
+              <a:solidFill>
+                <a:schemeClr val="dk2"/>
+              </a:solidFill>
+            </a:endParaRPr>
+          </a:p>
+        </p:txBody>
+      </p:sp>
+      <p:pic>
+        <p:nvPicPr>
+          <p:cNvPr id="95" name="Google Shape;95;p16"/>
+          <p:cNvPicPr preferRelativeResize="0"/>
+          <p:nvPr/>
+        </p:nvPicPr>
+        <p:blipFill rotWithShape="1">
+          <a:blip r:embed="rId6">
+            <a:alphaModFix/>
+          </a:blip>
+          <a:srcRect b="189" l="0" r="0" t="179"/>
+          <a:stretch/>
+        </p:blipFill>
+        <p:spPr>
+          <a:xfrm>
+            <a:off x="4648200" y="1292125"/>
+            <a:ext cx="4075500" cy="2895000"/>
+          </a:xfrm>
+          <a:prstGeom prst="roundRect">
+            <a:avLst>
+              <a:gd fmla="val 16667" name="adj"/>
+            </a:avLst>
+          </a:prstGeom>
+          <a:noFill/>
+          <a:ln cap="flat" cmpd="sng" w="9525">
+            <a:solidFill>
+              <a:srgbClr val="C5A073"/>
+            </a:solidFill>
+            <a:prstDash val="solid"/>
+            <a:round/>
+            <a:headEnd len="sm" w="sm" type="none"/>
+            <a:tailEnd len="sm" w="sm" type="none"/>
+          </a:ln>
+        </p:spPr>
+      </p:pic>
+      <p:pic>
+        <p:nvPicPr>
+          <p:cNvPr id="96" name="Google Shape;96;p16"/>
+          <p:cNvPicPr preferRelativeResize="0"/>
+          <p:nvPr/>
+        </p:nvPicPr>
+        <p:blipFill rotWithShape="1">
+          <a:blip r:embed="rId7">
+            <a:alphaModFix/>
+          </a:blip>
+          <a:srcRect b="0" l="109" r="109" t="0"/>
+          <a:stretch/>
+        </p:blipFill>
+        <p:spPr>
+          <a:xfrm>
+            <a:off x="4648200" y="1292125"/>
+            <a:ext cx="4075500" cy="2895000"/>
+          </a:xfrm>
+          <a:prstGeom prst="roundRect">
+            <a:avLst>
+              <a:gd fmla="val 16667" name="adj"/>
+            </a:avLst>
+          </a:prstGeom>
+          <a:noFill/>
+          <a:ln cap="flat" cmpd="sng" w="9525">
+            <a:solidFill>
+              <a:srgbClr val="C5A073"/>
+            </a:solidFill>
+            <a:prstDash val="solid"/>
+            <a:round/>
+            <a:headEnd len="sm" w="sm" type="none"/>
+            <a:tailEnd len="sm" w="sm" type="none"/>
+          </a:ln>
+        </p:spPr>
+      </p:pic>
+    </p:spTree>
+  </p:cSld>
+  <p:clrMapOvr>
+    <a:masterClrMapping/>
+  </p:clrMapOvr>
+  <p:timing>
+    <p:tnLst>
+      <p:par>
+        <p:cTn dur="indefinite" nodeType="tmRoot" restart="never">
+          <p:childTnLst>
+            <p:seq concurrent="1" nextAc="seek">
+              <p:cTn dur="indefinite" id="2" nodeType="mainSeq">
+                <p:childTnLst>
+                  <p:par>
+                    <p:cTn fill="hold">
+                      <p:stCondLst>
+                        <p:cond delay="indefinite"/>
+                      </p:stCondLst>
+                      <p:childTnLst>
+                        <p:par>
+                          <p:cTn fill="hold">
+                            <p:stCondLst>
+                              <p:cond delay="0"/>
+                            </p:stCondLst>
+                            <p:childTnLst>
+                              <p:par>
+                                <p:cTn fill="hold" nodeType="clickEffect" presetClass="entr" presetID="10" presetSubtype="0">
+                                  <p:stCondLst>
+                                    <p:cond delay="0"/>
+                                  </p:stCondLst>
+                                  <p:childTnLst>
+                                    <p:set>
+                                      <p:cBhvr>
+                                        <p:cTn dur="1" fill="hold">
+                                          <p:stCondLst>
+                                            <p:cond delay="0"/>
+                                          </p:stCondLst>
+                                        </p:cTn>
+                                        <p:tgtEl>
+                                          <p:spTgt spid="89"/>
+                                        </p:tgtEl>
+                                        <p:attrNameLst>
+                                          <p:attrName>style.visibility</p:attrName>
+                                        </p:attrNameLst>
+                                      </p:cBhvr>
+                                      <p:to>
+                                        <p:strVal val="visible"/>
+                                      </p:to>
+                                    </p:set>
+                                    <p:animEffect filter="fade" transition="in">
+                                      <p:cBhvr>
+                                        <p:cTn dur="500"/>
+                                        <p:tgtEl>
+                                          <p:spTgt spid="89"/>
+                                        </p:tgtEl>
+                                      </p:cBhvr>
+                                    </p:animEffect>
+                                  </p:childTnLst>
+                                </p:cTn>
+                              </p:par>
+                              <p:par>
+                                <p:cTn fill="hold" nodeType="withEffect" presetClass="entr" presetID="10" presetSubtype="0">
+                                  <p:stCondLst>
+                                    <p:cond delay="0"/>
+                                  </p:stCondLst>
+                                  <p:childTnLst>
+                                    <p:set>
+                                      <p:cBhvr>
+                                        <p:cTn dur="1" fill="hold">
+                                          <p:stCondLst>
+                                            <p:cond delay="0"/>
+                                          </p:stCondLst>
+                                        </p:cTn>
+                                        <p:tgtEl>
+                                          <p:spTgt spid="91"/>
+                                        </p:tgtEl>
+                                        <p:attrNameLst>
+                                          <p:attrName>style.visibility</p:attrName>
+                                        </p:attrNameLst>
+                                      </p:cBhvr>
+                                      <p:to>
+                                        <p:strVal val="visible"/>
+                                      </p:to>
+                                    </p:set>
+                                    <p:animEffect filter="fade" transition="in">
+                                      <p:cBhvr>
+                                        <p:cTn dur="500"/>
+                                        <p:tgtEl>
+                                          <p:spTgt spid="91"/>
+                                        </p:tgtEl>
+                                      </p:cBhvr>
+                                    </p:animEffect>
+                                  </p:childTnLst>
+                                </p:cTn>
+                              </p:par>
+                              <p:par>
+                                <p:cTn fill="hold" nodeType="withEffect" presetClass="entr" presetID="10" presetSubtype="0">
+                                  <p:stCondLst>
+                                    <p:cond delay="0"/>
+                                  </p:stCondLst>
+                                  <p:childTnLst>
+                                    <p:set>
+                                      <p:cBhvr>
+                                        <p:cTn dur="1" fill="hold">
+                                          <p:stCondLst>
+                                            <p:cond delay="0"/>
+                                          </p:stCondLst>
+                                        </p:cTn>
+                                        <p:tgtEl>
                                           <p:spTgt spid="90"/>
                                         </p:tgtEl>
                                         <p:attrNameLst>
@@ -15866,8 +17966,26 @@
                                   </p:childTnLst>
                                 </p:cTn>
                               </p:par>
+                            </p:childTnLst>
+                          </p:cTn>
+                        </p:par>
+                      </p:childTnLst>
+                    </p:cTn>
+                  </p:par>
+                  <p:par>
+                    <p:cTn fill="hold">
+                      <p:stCondLst>
+                        <p:cond delay="indefinite"/>
+                      </p:stCondLst>
+                      <p:childTnLst>
+                        <p:par>
+                          <p:cTn fill="hold">
+                            <p:stCondLst>
+                              <p:cond delay="0"/>
+                            </p:stCondLst>
+                            <p:childTnLst>
                               <p:par>
-                                <p:cTn fill="hold" nodeType="withEffect" presetClass="entr" presetID="10" presetSubtype="0">
+                                <p:cTn fill="hold" nodeType="clickEffect" presetClass="entr" presetID="10" presetSubtype="0">
                                   <p:stCondLst>
                                     <p:cond delay="0"/>
                                   </p:stCondLst>
@@ -15915,7 +18033,7 @@
                                           </p:stCondLst>
                                         </p:cTn>
                                         <p:tgtEl>
-                                          <p:spTgt spid="91"/>
+                                          <p:spTgt spid="95"/>
                                         </p:tgtEl>
                                         <p:attrNameLst>
                                           <p:attrName>style.visibility</p:attrName>
@@ -15929,7 +18047,7 @@
                                       <p:cBhvr>
                                         <p:cTn dur="500"/>
                                         <p:tgtEl>
-                                          <p:spTgt spid="91"/>
+                                          <p:spTgt spid="95"/>
                                         </p:tgtEl>
                                       </p:cBhvr>
                                     </p:animEffect>
@@ -16077,94 +18195,6 @@
                                   </p:childTnLst>
                                 </p:cTn>
                               </p:par>
-                              <p:par>
-                                <p:cTn fill="hold" nodeType="withEffect" presetClass="entr" presetID="10" presetSubtype="0">
-                                  <p:stCondLst>
-                                    <p:cond delay="0"/>
-                                  </p:stCondLst>
-                                  <p:childTnLst>
-                                    <p:set>
-                                      <p:cBhvr>
-                                        <p:cTn dur="1" fill="hold">
-                                          <p:stCondLst>
-                                            <p:cond delay="0"/>
-                                          </p:stCondLst>
-                                        </p:cTn>
-                                        <p:tgtEl>
-                                          <p:spTgt spid="97"/>
-                                        </p:tgtEl>
-                                        <p:attrNameLst>
-                                          <p:attrName>style.visibility</p:attrName>
-                                        </p:attrNameLst>
-                                      </p:cBhvr>
-                                      <p:to>
-                                        <p:strVal val="visible"/>
-                                      </p:to>
-                                    </p:set>
-                                    <p:animEffect filter="fade" transition="in">
-                                      <p:cBhvr>
-                                        <p:cTn dur="500"/>
-                                        <p:tgtEl>
-                                          <p:spTgt spid="97"/>
-                                        </p:tgtEl>
-                                      </p:cBhvr>
-                                    </p:animEffect>
-                                  </p:childTnLst>
-                                </p:cTn>
-                              </p:par>
-                            </p:childTnLst>
-                          </p:cTn>
-                        </p:par>
-                      </p:childTnLst>
-                    </p:cTn>
-                  </p:par>
-                  <p:par>
-                    <p:cTn fill="hold">
-                      <p:stCondLst>
-                        <p:cond delay="indefinite"/>
-                      </p:stCondLst>
-                      <p:childTnLst>
-                        <p:par>
-                          <p:cTn fill="hold">
-                            <p:stCondLst>
-                              <p:cond delay="0"/>
-                            </p:stCondLst>
-                            <p:childTnLst>
-                              <p:par>
-                                <p:cTn fill="hold" nodeType="clickEffect" presetClass="entr" presetID="10" presetSubtype="0">
-                                  <p:stCondLst>
-                                    <p:cond delay="0"/>
-                                  </p:stCondLst>
-                                  <p:childTnLst>
-                                    <p:set>
-                                      <p:cBhvr>
-                                        <p:cTn dur="1" fill="hold">
-                                          <p:stCondLst>
-                                            <p:cond delay="0"/>
-                                          </p:stCondLst>
-                                        </p:cTn>
-                                        <p:tgtEl>
-                                          <p:spTgt spid="95"/>
-                                        </p:tgtEl>
-                                        <p:attrNameLst>
-                                          <p:attrName>style.visibility</p:attrName>
-                                        </p:attrNameLst>
-                                      </p:cBhvr>
-                                      <p:to>
-                                        <p:strVal val="visible"/>
-                                      </p:to>
-                                    </p:set>
-                                    <p:animEffect filter="fade" transition="in">
-                                      <p:cBhvr>
-                                        <p:cTn dur="500"/>
-                                        <p:tgtEl>
-                                          <p:spTgt spid="95"/>
-                                        </p:tgtEl>
-                                      </p:cBhvr>
-                                    </p:animEffect>
-                                  </p:childTnLst>
-                                </p:cTn>
-                              </p:par>
                             </p:childTnLst>
                           </p:cTn>
                         </p:par>
@@ -16208,7 +18238,7 @@
     </p:bg>
     <p:spTree>
       <p:nvGrpSpPr>
-        <p:cNvPr id="101" name="Shape 101"/>
+        <p:cNvPr id="100" name="Shape 100"/>
         <p:cNvGrpSpPr/>
         <p:nvPr/>
       </p:nvGrpSpPr>
@@ -16222,7 +18252,7 @@
       </p:grpSpPr>
       <p:pic>
         <p:nvPicPr>
-          <p:cNvPr id="102" name="Google Shape;102;p17"/>
+          <p:cNvPr id="101" name="Google Shape;101;p17"/>
           <p:cNvPicPr preferRelativeResize="0"/>
           <p:nvPr/>
         </p:nvPicPr>
@@ -16250,7 +18280,7 @@
       </p:pic>
       <p:pic>
         <p:nvPicPr>
-          <p:cNvPr id="103" name="Google Shape;103;p17"/>
+          <p:cNvPr id="102" name="Google Shape;102;p17"/>
           <p:cNvPicPr preferRelativeResize="0"/>
           <p:nvPr/>
         </p:nvPicPr>
@@ -16278,7 +18308,7 @@
       </p:pic>
       <p:sp>
         <p:nvSpPr>
-          <p:cNvPr id="104" name="Google Shape;104;p17"/>
+          <p:cNvPr id="103" name="Google Shape;103;p17"/>
           <p:cNvSpPr txBox="1"/>
           <p:nvPr/>
         </p:nvSpPr>
@@ -16316,7 +18346,7 @@
                   <a:schemeClr val="dk1"/>
                 </a:solidFill>
               </a:rPr>
-              <a:t>4</a:t>
+              <a:t>3</a:t>
             </a:r>
             <a:endParaRPr sz="1800">
               <a:solidFill>
@@ -16328,7 +18358,7 @@
       </p:sp>
       <p:sp>
         <p:nvSpPr>
-          <p:cNvPr id="105" name="Google Shape;105;p17"/>
+          <p:cNvPr id="104" name="Google Shape;104;p17"/>
           <p:cNvSpPr txBox="1"/>
           <p:nvPr/>
         </p:nvSpPr>
@@ -16380,7 +18410,7 @@
       </p:sp>
       <p:sp>
         <p:nvSpPr>
-          <p:cNvPr id="106" name="Google Shape;106;p17"/>
+          <p:cNvPr id="105" name="Google Shape;105;p17"/>
           <p:cNvSpPr txBox="1"/>
           <p:nvPr/>
         </p:nvSpPr>
@@ -16432,13 +18462,13 @@
       </p:sp>
       <p:cxnSp>
         <p:nvCxnSpPr>
-          <p:cNvPr id="107" name="Google Shape;107;p17"/>
+          <p:cNvPr id="106" name="Google Shape;106;p17"/>
           <p:cNvCxnSpPr/>
           <p:nvPr/>
         </p:nvCxnSpPr>
         <p:spPr>
           <a:xfrm>
-            <a:off x="3940500" y="2508850"/>
+            <a:off x="3940500" y="1899250"/>
             <a:ext cx="1263000" cy="0"/>
           </a:xfrm>
           <a:prstGeom prst="straightConnector1">
@@ -16458,13 +18488,13 @@
       </p:cxnSp>
       <p:sp>
         <p:nvSpPr>
-          <p:cNvPr id="108" name="Google Shape;108;p17"/>
+          <p:cNvPr id="107" name="Google Shape;107;p17"/>
           <p:cNvSpPr txBox="1"/>
           <p:nvPr/>
         </p:nvSpPr>
         <p:spPr>
           <a:xfrm>
-            <a:off x="2197950" y="2889850"/>
+            <a:off x="2197950" y="984850"/>
             <a:ext cx="4748100" cy="800400"/>
           </a:xfrm>
           <a:prstGeom prst="rect">
@@ -16510,26 +18540,34 @@
       </p:sp>
       <p:sp>
         <p:nvSpPr>
-          <p:cNvPr id="109" name="Google Shape;109;p17"/>
-          <p:cNvSpPr txBox="1"/>
+          <p:cNvPr id="108" name="Google Shape;108;p17"/>
+          <p:cNvSpPr/>
           <p:nvPr/>
         </p:nvSpPr>
         <p:spPr>
           <a:xfrm>
-            <a:off x="1327950" y="1453250"/>
-            <a:ext cx="6488100" cy="646500"/>
-          </a:xfrm>
-          <a:prstGeom prst="rect">
-            <a:avLst/>
+            <a:off x="1899700" y="2129000"/>
+            <a:ext cx="5192100" cy="2403000"/>
+          </a:xfrm>
+          <a:prstGeom prst="roundRect">
+            <a:avLst>
+              <a:gd fmla="val 16667" name="adj"/>
+            </a:avLst>
           </a:prstGeom>
           <a:noFill/>
-          <a:ln>
-            <a:noFill/>
+          <a:ln cap="flat" cmpd="sng" w="9525">
+            <a:solidFill>
+              <a:srgbClr val="C5A073"/>
+            </a:solidFill>
+            <a:prstDash val="solid"/>
+            <a:round/>
+            <a:headEnd len="sm" w="sm" type="none"/>
+            <a:tailEnd len="sm" w="sm" type="none"/>
           </a:ln>
         </p:spPr>
         <p:txBody>
-          <a:bodyPr anchorCtr="0" anchor="t" bIns="91425" lIns="91425" spcFirstLastPara="1" rIns="91425" wrap="square" tIns="91425">
-            <a:spAutoFit/>
+          <a:bodyPr anchorCtr="0" anchor="ctr" bIns="91425" lIns="91425" spcFirstLastPara="1" rIns="91425" wrap="square" tIns="91425">
+            <a:noAutofit/>
           </a:bodyPr>
           <a:lstStyle/>
           <a:p>
@@ -16543,23 +18581,47 @@
               <a:buNone/>
             </a:pPr>
             <a:r>
-              <a:rPr b="1" lang="fr" sz="3000">
-                <a:latin typeface="Calibri"/>
-                <a:ea typeface="Calibri"/>
-                <a:cs typeface="Calibri"/>
-                <a:sym typeface="Calibri"/>
-              </a:rPr>
-              <a:t>Choix technologiques</a:t>
-            </a:r>
-            <a:endParaRPr b="1" sz="2000">
-              <a:latin typeface="Calibri"/>
-              <a:ea typeface="Calibri"/>
-              <a:cs typeface="Calibri"/>
-              <a:sym typeface="Calibri"/>
-            </a:endParaRPr>
+              <a:t/>
+            </a:r>
+            <a:endParaRPr/>
           </a:p>
         </p:txBody>
       </p:sp>
+      <p:pic>
+        <p:nvPicPr>
+          <p:cNvPr id="109" name="Google Shape;109;p17"/>
+          <p:cNvPicPr preferRelativeResize="0"/>
+          <p:nvPr/>
+        </p:nvPicPr>
+        <p:blipFill rotWithShape="1">
+          <a:blip r:embed="rId5">
+            <a:alphaModFix/>
+          </a:blip>
+          <a:srcRect b="0" l="0" r="0" t="12234"/>
+          <a:stretch/>
+        </p:blipFill>
+        <p:spPr>
+          <a:xfrm>
+            <a:off x="1975900" y="2052800"/>
+            <a:ext cx="5192100" cy="2403000"/>
+          </a:xfrm>
+          <a:prstGeom prst="roundRect">
+            <a:avLst>
+              <a:gd fmla="val 16667" name="adj"/>
+            </a:avLst>
+          </a:prstGeom>
+          <a:noFill/>
+          <a:ln cap="flat" cmpd="sng" w="9525">
+            <a:solidFill>
+              <a:srgbClr val="C5A073"/>
+            </a:solidFill>
+            <a:prstDash val="solid"/>
+            <a:round/>
+            <a:headEnd len="sm" w="sm" type="none"/>
+            <a:tailEnd len="sm" w="sm" type="none"/>
+          </a:ln>
+        </p:spPr>
+      </p:pic>
     </p:spTree>
   </p:cSld>
   <p:clrMapOvr>
@@ -16599,7 +18661,7 @@
                                           </p:stCondLst>
                                         </p:cTn>
                                         <p:tgtEl>
-                                          <p:spTgt spid="109"/>
+                                          <p:spTgt spid="106"/>
                                         </p:tgtEl>
                                         <p:attrNameLst>
                                           <p:attrName>style.visibility</p:attrName>
@@ -16613,33 +18675,15 @@
                                       <p:cBhvr>
                                         <p:cTn dur="500"/>
                                         <p:tgtEl>
-                                          <p:spTgt spid="109"/>
+                                          <p:spTgt spid="106"/>
                                         </p:tgtEl>
                                       </p:cBhvr>
                                     </p:animEffect>
                                   </p:childTnLst>
                                 </p:cTn>
                               </p:par>
-                            </p:childTnLst>
-                          </p:cTn>
-                        </p:par>
-                      </p:childTnLst>
-                    </p:cTn>
-                  </p:par>
-                  <p:par>
-                    <p:cTn fill="hold">
-                      <p:stCondLst>
-                        <p:cond delay="indefinite"/>
-                      </p:stCondLst>
-                      <p:childTnLst>
-                        <p:par>
-                          <p:cTn fill="hold">
-                            <p:stCondLst>
-                              <p:cond delay="0"/>
-                            </p:stCondLst>
-                            <p:childTnLst>
                               <p:par>
-                                <p:cTn fill="hold" nodeType="clickEffect" presetClass="entr" presetID="10" presetSubtype="0">
+                                <p:cTn fill="hold" nodeType="withEffect" presetClass="entr" presetID="10" presetSubtype="0">
                                   <p:stCondLst>
                                     <p:cond delay="0"/>
                                   </p:stCondLst>
@@ -16667,41 +18711,6 @@
                                         <p:cTn dur="500"/>
                                         <p:tgtEl>
                                           <p:spTgt spid="107"/>
-                                        </p:tgtEl>
-                                      </p:cBhvr>
-                                    </p:animEffect>
-                                  </p:childTnLst>
-                                </p:cTn>
-                              </p:par>
-                              <p:par>
-                                <p:cTn fill="hold" nodeType="withEffect" presetClass="entr" presetID="10" presetSubtype="0">
-                                  <p:stCondLst>
-                                    <p:cond delay="0"/>
-                                  </p:stCondLst>
-                                  <p:childTnLst>
-                                    <p:set>
-                                      <p:cBhvr>
-                                        <p:cTn dur="1" fill="hold">
-                                          <p:stCondLst>
-                                            <p:cond delay="0"/>
-                                          </p:stCondLst>
-                                        </p:cTn>
-                                        <p:tgtEl>
-                                          <p:spTgt spid="108"/>
-                                        </p:tgtEl>
-                                        <p:attrNameLst>
-                                          <p:attrName>style.visibility</p:attrName>
-                                        </p:attrNameLst>
-                                      </p:cBhvr>
-                                      <p:to>
-                                        <p:strVal val="visible"/>
-                                      </p:to>
-                                    </p:set>
-                                    <p:animEffect filter="fade" transition="in">
-                                      <p:cBhvr>
-                                        <p:cTn dur="500"/>
-                                        <p:tgtEl>
-                                          <p:spTgt spid="108"/>
                                         </p:tgtEl>
                                       </p:cBhvr>
                                     </p:animEffect>
@@ -17258,7 +19267,7 @@
                   <a:schemeClr val="dk1"/>
                 </a:solidFill>
               </a:rPr>
-              <a:t>5</a:t>
+              <a:t>4</a:t>
             </a:r>
             <a:endParaRPr sz="1800">
               <a:solidFill>
@@ -17758,7 +19767,7 @@
         </p:nvSpPr>
         <p:spPr>
           <a:xfrm>
-            <a:off x="287025" y="1098350"/>
+            <a:off x="287025" y="945950"/>
             <a:ext cx="3892500" cy="954300"/>
           </a:xfrm>
           <a:prstGeom prst="rect">
@@ -17854,7 +19863,7 @@
         </p:nvSpPr>
         <p:spPr>
           <a:xfrm>
-            <a:off x="287025" y="2195350"/>
+            <a:off x="287025" y="2347750"/>
             <a:ext cx="3892500" cy="2031900"/>
           </a:xfrm>
           <a:prstGeom prst="rect">
@@ -17908,7 +19917,7 @@
                 <a:cs typeface="Calibri"/>
                 <a:sym typeface="Calibri"/>
               </a:rPr>
-              <a:t>, elle permet d’enregistrer un grand nombre de données diverse.</a:t>
+              <a:t>, elle permet d’enregistrer un grand nombre de données diverses.</a:t>
             </a:r>
             <a:endParaRPr b="1" sz="2000">
               <a:latin typeface="Calibri"/>
@@ -17987,7 +19996,7 @@
                 <a:cs typeface="Calibri"/>
                 <a:sym typeface="Calibri"/>
               </a:rPr>
-              <a:t> son ses principaux avantages.</a:t>
+              <a:t> sont ses principaux avantages.</a:t>
             </a:r>
             <a:endParaRPr b="1" sz="2000">
               <a:latin typeface="Calibri"/>
@@ -18099,7 +20108,7 @@
                   <a:schemeClr val="dk1"/>
                 </a:solidFill>
               </a:rPr>
-              <a:t>6</a:t>
+              <a:t>5</a:t>
             </a:r>
             <a:endParaRPr sz="1800">
               <a:solidFill>
@@ -18608,7 +20617,7 @@
         </p:nvSpPr>
         <p:spPr>
           <a:xfrm>
-            <a:off x="287025" y="1098350"/>
+            <a:off x="287025" y="945950"/>
             <a:ext cx="3892500" cy="1877700"/>
           </a:xfrm>
           <a:prstGeom prst="rect">
@@ -18707,7 +20716,7 @@
         </p:nvSpPr>
         <p:spPr>
           <a:xfrm>
-            <a:off x="287025" y="3037800"/>
+            <a:off x="287025" y="3190200"/>
             <a:ext cx="3892500" cy="1416000"/>
           </a:xfrm>
           <a:prstGeom prst="rect">
@@ -18919,7 +20928,7 @@
                   <a:schemeClr val="dk1"/>
                 </a:solidFill>
               </a:rPr>
-              <a:t>7</a:t>
+              <a:t>6</a:t>
             </a:r>
             <a:endParaRPr sz="1800">
               <a:solidFill>
@@ -19454,7 +21463,7 @@
         </p:nvSpPr>
         <p:spPr>
           <a:xfrm>
-            <a:off x="287025" y="1098350"/>
+            <a:off x="287025" y="945950"/>
             <a:ext cx="3892500" cy="1569900"/>
           </a:xfrm>
           <a:prstGeom prst="rect">
@@ -19601,7 +21610,7 @@
         </p:nvSpPr>
         <p:spPr>
           <a:xfrm>
-            <a:off x="287025" y="2668250"/>
+            <a:off x="287025" y="2820650"/>
             <a:ext cx="3892500" cy="1723800"/>
           </a:xfrm>
           <a:prstGeom prst="rect">
@@ -19766,7 +21775,7 @@
                   <a:schemeClr val="dk1"/>
                 </a:solidFill>
               </a:rPr>
-              <a:t>8</a:t>
+              <a:t>7</a:t>
             </a:r>
             <a:endParaRPr sz="1800">
               <a:solidFill>
